--- a/Devops_lifecycle_prof_Objectives/Devops_lifecycle_prof_Objectives.pptx
+++ b/Devops_lifecycle_prof_Objectives/Devops_lifecycle_prof_Objectives.pptx
@@ -5,7 +5,7 @@
     <p:sldMasterId id="2147483672" r:id="rId1"/>
   </p:sldMasterIdLst>
   <p:notesMasterIdLst>
-    <p:notesMasterId r:id="rId15"/>
+    <p:notesMasterId r:id="rId14"/>
   </p:notesMasterIdLst>
   <p:sldIdLst>
     <p:sldId id="478" r:id="rId2"/>
@@ -20,7 +20,6 @@
     <p:sldId id="487" r:id="rId11"/>
     <p:sldId id="492" r:id="rId12"/>
     <p:sldId id="491" r:id="rId13"/>
-    <p:sldId id="490" r:id="rId14"/>
   </p:sldIdLst>
   <p:sldSz cx="12192000" cy="6858000"/>
   <p:notesSz cx="6858000" cy="9144000"/>
@@ -234,7 +233,7 @@
           <a:p>
             <a:fld id="{62274EC6-3890-417B-9308-14EFBD00FA63}" type="datetimeFigureOut">
               <a:rPr lang="en-US" smtClean="0"/>
-              <a:t>6/5/2024</a:t>
+              <a:t>7/4/2024</a:t>
             </a:fld>
             <a:endParaRPr lang="en-US" dirty="0"/>
           </a:p>
@@ -857,95 +856,6 @@
 </p:notes>
 </file>
 
-<file path=ppt/notesSlides/notesSlide13.xml><?xml version="1.0" encoding="utf-8"?>
-<p:notes xmlns:a="http://schemas.openxmlformats.org/drawingml/2006/main" xmlns:r="http://schemas.openxmlformats.org/officeDocument/2006/relationships" xmlns:p="http://schemas.openxmlformats.org/presentationml/2006/main">
-  <p:cSld>
-    <p:spTree>
-      <p:nvGrpSpPr>
-        <p:cNvPr id="1" name=""/>
-        <p:cNvGrpSpPr/>
-        <p:nvPr/>
-      </p:nvGrpSpPr>
-      <p:grpSpPr>
-        <a:xfrm>
-          <a:off x="0" y="0"/>
-          <a:ext cx="0" cy="0"/>
-          <a:chOff x="0" y="0"/>
-          <a:chExt cx="0" cy="0"/>
-        </a:xfrm>
-      </p:grpSpPr>
-      <p:sp>
-        <p:nvSpPr>
-          <p:cNvPr id="2" name="Slide Image Placeholder 1"/>
-          <p:cNvSpPr>
-            <a:spLocks noGrp="1" noRot="1" noChangeAspect="1"/>
-          </p:cNvSpPr>
-          <p:nvPr>
-            <p:ph type="sldImg"/>
-          </p:nvPr>
-        </p:nvSpPr>
-        <p:spPr>
-          <a:xfrm>
-            <a:off x="381000" y="685800"/>
-            <a:ext cx="6096000" cy="3429000"/>
-          </a:xfrm>
-        </p:spPr>
-      </p:sp>
-      <p:sp>
-        <p:nvSpPr>
-          <p:cNvPr id="3" name="Notes Placeholder 2"/>
-          <p:cNvSpPr>
-            <a:spLocks noGrp="1"/>
-          </p:cNvSpPr>
-          <p:nvPr>
-            <p:ph type="body" idx="1"/>
-          </p:nvPr>
-        </p:nvSpPr>
-        <p:spPr/>
-        <p:txBody>
-          <a:bodyPr/>
-          <a:lstStyle/>
-          <a:p>
-            <a:endParaRPr lang="en-US" dirty="0"/>
-          </a:p>
-        </p:txBody>
-      </p:sp>
-      <p:sp>
-        <p:nvSpPr>
-          <p:cNvPr id="4" name="Slide Number Placeholder 3"/>
-          <p:cNvSpPr>
-            <a:spLocks noGrp="1"/>
-          </p:cNvSpPr>
-          <p:nvPr>
-            <p:ph type="sldNum" sz="quarter" idx="10"/>
-          </p:nvPr>
-        </p:nvSpPr>
-        <p:spPr/>
-        <p:txBody>
-          <a:bodyPr/>
-          <a:lstStyle/>
-          <a:p>
-            <a:fld id="{A883C400-BD9D-4609-A213-F91E9750031E}" type="slidenum">
-              <a:rPr lang="en-US" smtClean="0"/>
-              <a:t>13</a:t>
-            </a:fld>
-            <a:endParaRPr lang="en-US" dirty="0"/>
-          </a:p>
-        </p:txBody>
-      </p:sp>
-    </p:spTree>
-    <p:extLst>
-      <p:ext uri="{BB962C8B-B14F-4D97-AF65-F5344CB8AC3E}">
-        <p14:creationId xmlns:p14="http://schemas.microsoft.com/office/powerpoint/2010/main" val="1649835414"/>
-      </p:ext>
-    </p:extLst>
-  </p:cSld>
-  <p:clrMapOvr>
-    <a:masterClrMapping/>
-  </p:clrMapOvr>
-</p:notes>
-</file>
-
 <file path=ppt/notesSlides/notesSlide2.xml><?xml version="1.0" encoding="utf-8"?>
 <p:notes xmlns:a="http://schemas.openxmlformats.org/drawingml/2006/main" xmlns:r="http://schemas.openxmlformats.org/officeDocument/2006/relationships" xmlns:p="http://schemas.openxmlformats.org/presentationml/2006/main">
   <p:cSld>
@@ -1838,7 +1748,7 @@
             <a:fld id="{1D8BD707-D9CF-40AE-B4C6-C98DA3205C09}" type="datetimeFigureOut">
               <a:rPr lang="en-US" smtClean="0"/>
               <a:pPr/>
-              <a:t>6/5/2024</a:t>
+              <a:t>7/4/2024</a:t>
             </a:fld>
             <a:endParaRPr lang="en-US" dirty="0"/>
           </a:p>
@@ -2016,7 +1926,7 @@
             <a:fld id="{1D8BD707-D9CF-40AE-B4C6-C98DA3205C09}" type="datetimeFigureOut">
               <a:rPr lang="en-US" smtClean="0"/>
               <a:pPr/>
-              <a:t>6/5/2024</a:t>
+              <a:t>7/4/2024</a:t>
             </a:fld>
             <a:endParaRPr lang="en-US" dirty="0"/>
           </a:p>
@@ -2204,7 +2114,7 @@
             <a:fld id="{1D8BD707-D9CF-40AE-B4C6-C98DA3205C09}" type="datetimeFigureOut">
               <a:rPr lang="en-US" smtClean="0"/>
               <a:pPr/>
-              <a:t>6/5/2024</a:t>
+              <a:t>7/4/2024</a:t>
             </a:fld>
             <a:endParaRPr lang="en-US" dirty="0"/>
           </a:p>
@@ -2382,7 +2292,7 @@
             <a:fld id="{1D8BD707-D9CF-40AE-B4C6-C98DA3205C09}" type="datetimeFigureOut">
               <a:rPr lang="en-US" smtClean="0"/>
               <a:pPr/>
-              <a:t>6/5/2024</a:t>
+              <a:t>7/4/2024</a:t>
             </a:fld>
             <a:endParaRPr lang="en-US" dirty="0"/>
           </a:p>
@@ -2637,7 +2547,7 @@
             <a:fld id="{1D8BD707-D9CF-40AE-B4C6-C98DA3205C09}" type="datetimeFigureOut">
               <a:rPr lang="en-US" smtClean="0"/>
               <a:pPr/>
-              <a:t>6/5/2024</a:t>
+              <a:t>7/4/2024</a:t>
             </a:fld>
             <a:endParaRPr lang="en-US" dirty="0"/>
           </a:p>
@@ -2932,7 +2842,7 @@
             <a:fld id="{1D8BD707-D9CF-40AE-B4C6-C98DA3205C09}" type="datetimeFigureOut">
               <a:rPr lang="en-US" smtClean="0"/>
               <a:pPr/>
-              <a:t>6/5/2024</a:t>
+              <a:t>7/4/2024</a:t>
             </a:fld>
             <a:endParaRPr lang="en-US" dirty="0"/>
           </a:p>
@@ -3366,7 +3276,7 @@
             <a:fld id="{1D8BD707-D9CF-40AE-B4C6-C98DA3205C09}" type="datetimeFigureOut">
               <a:rPr lang="en-US" smtClean="0"/>
               <a:pPr/>
-              <a:t>6/5/2024</a:t>
+              <a:t>7/4/2024</a:t>
             </a:fld>
             <a:endParaRPr lang="en-US" dirty="0"/>
           </a:p>
@@ -3493,7 +3403,7 @@
             <a:fld id="{1D8BD707-D9CF-40AE-B4C6-C98DA3205C09}" type="datetimeFigureOut">
               <a:rPr lang="en-US" smtClean="0"/>
               <a:pPr/>
-              <a:t>6/5/2024</a:t>
+              <a:t>7/4/2024</a:t>
             </a:fld>
             <a:endParaRPr lang="en-US" dirty="0"/>
           </a:p>
@@ -3598,7 +3508,7 @@
             <a:fld id="{1D8BD707-D9CF-40AE-B4C6-C98DA3205C09}" type="datetimeFigureOut">
               <a:rPr lang="en-US" smtClean="0"/>
               <a:pPr/>
-              <a:t>6/5/2024</a:t>
+              <a:t>7/4/2024</a:t>
             </a:fld>
             <a:endParaRPr lang="en-US" dirty="0"/>
           </a:p>
@@ -3883,7 +3793,7 @@
             <a:fld id="{1D8BD707-D9CF-40AE-B4C6-C98DA3205C09}" type="datetimeFigureOut">
               <a:rPr lang="en-US" smtClean="0"/>
               <a:pPr/>
-              <a:t>6/5/2024</a:t>
+              <a:t>7/4/2024</a:t>
             </a:fld>
             <a:endParaRPr lang="en-US" dirty="0"/>
           </a:p>
@@ -4145,7 +4055,7 @@
             <a:fld id="{1D8BD707-D9CF-40AE-B4C6-C98DA3205C09}" type="datetimeFigureOut">
               <a:rPr lang="en-US" smtClean="0"/>
               <a:pPr/>
-              <a:t>6/5/2024</a:t>
+              <a:t>7/4/2024</a:t>
             </a:fld>
             <a:endParaRPr lang="en-US" dirty="0"/>
           </a:p>
@@ -4366,7 +4276,7 @@
             <a:fld id="{1D8BD707-D9CF-40AE-B4C6-C98DA3205C09}" type="datetimeFigureOut">
               <a:rPr lang="en-US" smtClean="0"/>
               <a:pPr/>
-              <a:t>6/5/2024</a:t>
+              <a:t>7/4/2024</a:t>
             </a:fld>
             <a:endParaRPr lang="en-US" dirty="0"/>
           </a:p>
@@ -4750,420 +4660,6 @@
           <a:chExt cx="0" cy="0"/>
         </a:xfrm>
       </p:grpSpPr>
-      <p:sp>
-        <p:nvSpPr>
-          <p:cNvPr id="3" name="AutoShape 2" descr="data:image/png;base64,iVBORw0KGgoAAAANSUhEUgAAANEAAADxCAMAAABiSKLrAAAAbFBMVEWIiIj////6+vr29vb19fX4+Pj5+fnu7u77+/v39/f9/f3z8/P+/v709PT8/Pyqqqrt7e3v7+/w8PDx8fHy8vK+vr7Q0NCjo6OBgYHY2Njk5OTHx8eNjY3c3NzGxsbn5+eWlpa1tbWcnJx6enob4+f+AAAIqklEQVR4nO3dCZuaOhQGYEZAh0FkX2W1//8/lkVMICeIkRmOPHz22lYg5OVEZLFzJRNrnC+xSGt3nJvQekMUYktnEiM1ouDrjCs/pukLkzoRtpjmNRcloRUFoiS8oo5UvLwsYpEgCaXoHLYiMRJqkRAJt0iEhFwkQMIqCgJRElpRLErCL3r1oxavSJSEWCRIQikyOtGQNPd8CaXICc04FiXhFomQkIsESChFbmhmwiT0opf3eBivMzSjLuORnh49oKxRKxIloayR24oESShFRScSI6EUJaGZCJNwiwhp/skFcpFAlbCLXiehF71MQisSJiEVVYkwqRP9oEpXI1HSXXRuWjo/2jz3f3v8YfjS7871lbU1EiT1IjrAKrvX/2iurzisijkk8OQC5ah7iERIyEUCJOyi10noRU9J490DUpFPRAApniJhFVnzSaOdOF6RKAmlKGhFgiTMohdIyYeIhEh30aV99E9NLo8VXLqn++Q/mIuIREid6DJsv32s91Ityi1hEtJRl5+ESX2NMKUR2ZYoCbNIjIRV5FiiJIyicx7mriVEKnCKfvxadBIloRQ1NTqJkcICpcgPr7rjOPYJZnFNbZVwikw/YHNlXmDi4xW9kU70jSnNqOu/xL4R0aWg3yNMgNHWp0I66i7Dy5PsdXFuApw1Eg8RndfuykLZa4Q/512EPrsIfzYtOmwje43wh4h+1u7KQvm5bk601wh9NlijXYQ+uwh/HqLrZkTXh+h4PDQP8lQ/PvAlSrT2xl0oRHQ5biOXXYQ+uwh/dhH+7CL82bRI3Ua2XKPvtTfuQvneReizi/BnF+HPLsKfTYu0bYQWsd5PfImIDmtv3IVy2EXos4vwZxfhzy7CH0okbyO7CH+2/D46rr1xF8pxF6HPLsKfXYQ/uwh/KJGyjWxatPZwWShEpK69cReKuovQZxfhzy7Cn12EP0SkGduItmHRzFF3P3r63ZHzTl4YdYqsHg/e/YdF2e7xcFRVrba109gMFp2evGhmjzpFVZLcvJVpl7K8hWaVB1liNVNdJh7VZ4Wd7P4aaa5I866lFEnDRHWksC5eVgtH8VWy8PHGTE5V/rr+QqSocTnm9CpTM+SMmRhVVJcPKbPYv5VFcs7x1F3P1eeikl1sXZHGB0lRLH+eSI75ICk6KZ8nctkOkaQN+cNEWjBRIimU0YpkHY4hmxOgqNIMHRaRJo6giLO+dyM/F1nsvpfqWVAv92Eihe0u3bNE+TgR/FkURfWhUHPMIBsguh6N0yKNs7o/EGkVIEpj+XA8fltJ0GzqDxMdQwBka+2gqQ/p9FYkpaNIiEXuje3OddQfg738rFCTcYmME9sdKXntbY1MBOy802JrotJ6bSUiInLia7y2+aZEbXuyxXbn5vXXGQazDs+6xUWGoql2kXU/DDrOssLWNFmZ65oQufeflwvU6PHDdO8ki/0xu/Rb7RVRvZNJgupW7y3bU+T6JLnej97MPLNUhbPIbJEV9U2y/eknHds5lfhfNMo/sb23oRX5LQXWGUmpGdtz3nxEpOiep7eP+5MFUEZJj+0SCnsCVX/CkrZUQFRvQG+8RkNOzHTi5LL0rW6x8YL0bwolGtdolqir0fQxAyQCNrdsVczFmdFS6fXp+4kSecPMEqntrAYkkklTYI288frkYKI+j+XCYtzRUdCIdMV/7mkWTDNmY6AU6bo5C9QknqwSEpFuzAdJUjZFQiJSoFMWfhIDu0ievDjD5ubquEV6AjVet3krU3B/Hvn8cYdDBJxUSlKVaJqmWvENMiXcImEQKcCYi26W1nZaN9SAXXFkcos0JZpxXLeICDpLDnVSBDkDusAtEhGN72p5J78LcMbn9+nudemgiDSlASLF66cC20NKbZ3qCnAnIfKp9gcxiIjVPj8/8mbVCBY9VsNes42C4YgBrgyUJ06NpkRdCuD8yB418pYIOkl2hyuQ2SOkKOMMO4M76vrBB4sG84Cjjrr5Cooeo4TdLwyGbLsC4IKgD93dHY66lUQye7gQxfqgfdcDhr7JeSOtLoL2dOn4KEdX2E+s0hp24j3RaUERsPnLLBmlYPceaYJVBB0Bja85p8ANn3rXgFX02kEqaSGAeywoGs7zjghYdqYoxyp68USCtMDZfX+wqHomav53fkBcWDSYx4NEBpkuAyLj3oSwSDIVsMM6ETVAp/3V/KG2tP/xRPRccI1IW7Comyr8PupE9052bbW/0yLHpX/1T1wRmQuskULa4oqcd/Z1pjLu6li0zqgDP49m5fmo+2NR3z50zFBYczLsBB6Rxx6y8Q5wRoE7LCaylhM5BnTs7cGdmZP1RZzdygeLXOjW9fg94jYXUnjjbBHRcJ5nImVKBA67fFgkL/HzIE4KRW7vM0/i/kQ0WSPHg75KldHdqc+h7pfZ0jKs/GuDM3hvNSLizSEqoroE1Yia7ELf00kIWS/o09z+EmLA6bC3hMh9TwRskDq51x47e4Zzhc73Qt64wyByPOjmUVT6cZZkcQV+0zxNflX05qgD36tSe3MilcCr1FLEe9sPRDYYjmgwD1wjMl1hm4h0ugF43PETVd6wB3RbKES2Pu+2cr9waHFBWESO+8JtyxrkckFYRDa8dxAAoRHNH3hRNTHkUIlsY9Z3TqR6LzcFokScSsKi4TzPRMYske0VT78XJJkJZ8uTzojV6FdEtmNkE9/diqLUzJTpAtmzalQyF6FvI5ETA9+OpraQwTYhwRvQMYqryX6sNn8vq8AynnqoGuXuCY7N/vMR3R7N47DzePR04J+gjJt4rM7V3SzwzbC8FzYtb2Z1jQtDd3nLDOLmD1E9v90++qfT4Lfh5N+cq/508shXb5st6Ll1cWa2RYu2EUo0p6QfkF2EP7sIf3YR/hCRs3ZXFoqzYdEGR92su1D4Q486yzq1D/L0iS85W67R2l1ZKLsIfzYs4l05+bg8rpxU/lZS3UXbyvZE/wFXu+LXNTDaDQAAAABJRU5ErkJggg=="/>
-          <p:cNvSpPr>
-            <a:spLocks noChangeAspect="1" noChangeArrowheads="1"/>
-          </p:cNvSpPr>
-          <p:nvPr/>
-        </p:nvSpPr>
-        <p:spPr bwMode="auto">
-          <a:xfrm>
-            <a:off x="207436" y="-116412"/>
-            <a:ext cx="406400" cy="406402"/>
-          </a:xfrm>
-          <a:prstGeom prst="rect">
-            <a:avLst/>
-          </a:prstGeom>
-          <a:noFill/>
-          <a:extLst>
-            <a:ext uri="{909E8E84-426E-40DD-AFC4-6F175D3DCCD1}">
-              <a14:hiddenFill xmlns:a14="http://schemas.microsoft.com/office/drawing/2010/main">
-                <a:solidFill>
-                  <a:srgbClr val="FFFFFF"/>
-                </a:solidFill>
-              </a14:hiddenFill>
-            </a:ext>
-          </a:extLst>
-        </p:spPr>
-        <p:txBody>
-          <a:bodyPr vert="horz" wrap="square" lIns="121920" tIns="60960" rIns="121920" bIns="60960" numCol="1" anchor="t" anchorCtr="0" compatLnSpc="1">
-            <a:prstTxWarp prst="textNoShape">
-              <a:avLst/>
-            </a:prstTxWarp>
-          </a:bodyPr>
-          <a:lstStyle/>
-          <a:p>
-            <a:endParaRPr lang="en-US" sz="1600" dirty="0"/>
-          </a:p>
-        </p:txBody>
-      </p:sp>
-      <p:sp>
-        <p:nvSpPr>
-          <p:cNvPr id="2" name="AutoShape 2" descr="Image result for file"/>
-          <p:cNvSpPr>
-            <a:spLocks noChangeAspect="1" noChangeArrowheads="1"/>
-          </p:cNvSpPr>
-          <p:nvPr/>
-        </p:nvSpPr>
-        <p:spPr bwMode="auto">
-          <a:xfrm>
-            <a:off x="410635" y="86789"/>
-            <a:ext cx="406400" cy="406402"/>
-          </a:xfrm>
-          <a:prstGeom prst="rect">
-            <a:avLst/>
-          </a:prstGeom>
-          <a:noFill/>
-          <a:extLst>
-            <a:ext uri="{909E8E84-426E-40DD-AFC4-6F175D3DCCD1}">
-              <a14:hiddenFill xmlns:a14="http://schemas.microsoft.com/office/drawing/2010/main">
-                <a:solidFill>
-                  <a:srgbClr val="FFFFFF"/>
-                </a:solidFill>
-              </a14:hiddenFill>
-            </a:ext>
-          </a:extLst>
-        </p:spPr>
-        <p:txBody>
-          <a:bodyPr vert="horz" wrap="square" lIns="121920" tIns="60960" rIns="121920" bIns="60960" numCol="1" anchor="t" anchorCtr="0" compatLnSpc="1">
-            <a:prstTxWarp prst="textNoShape">
-              <a:avLst/>
-            </a:prstTxWarp>
-          </a:bodyPr>
-          <a:lstStyle/>
-          <a:p>
-            <a:endParaRPr lang="en-US" sz="2400" dirty="0"/>
-          </a:p>
-        </p:txBody>
-      </p:sp>
-      <p:sp>
-        <p:nvSpPr>
-          <p:cNvPr id="6" name="AutoShape 2" descr="Image result for activemq image"/>
-          <p:cNvSpPr>
-            <a:spLocks noChangeAspect="1" noChangeArrowheads="1"/>
-          </p:cNvSpPr>
-          <p:nvPr/>
-        </p:nvSpPr>
-        <p:spPr bwMode="auto">
-          <a:xfrm>
-            <a:off x="2214035" y="2091797"/>
-            <a:ext cx="406400" cy="406402"/>
-          </a:xfrm>
-          <a:prstGeom prst="rect">
-            <a:avLst/>
-          </a:prstGeom>
-          <a:noFill/>
-          <a:extLst>
-            <a:ext uri="{909E8E84-426E-40DD-AFC4-6F175D3DCCD1}">
-              <a14:hiddenFill xmlns:a14="http://schemas.microsoft.com/office/drawing/2010/main">
-                <a:solidFill>
-                  <a:srgbClr val="FFFFFF"/>
-                </a:solidFill>
-              </a14:hiddenFill>
-            </a:ext>
-          </a:extLst>
-        </p:spPr>
-        <p:txBody>
-          <a:bodyPr vert="horz" wrap="square" lIns="121920" tIns="60960" rIns="121920" bIns="60960" numCol="1" anchor="t" anchorCtr="0" compatLnSpc="1">
-            <a:prstTxWarp prst="textNoShape">
-              <a:avLst/>
-            </a:prstTxWarp>
-          </a:bodyPr>
-          <a:lstStyle/>
-          <a:p>
-            <a:endParaRPr lang="en-US" sz="2400" dirty="0"/>
-          </a:p>
-        </p:txBody>
-      </p:sp>
-      <p:sp>
-        <p:nvSpPr>
-          <p:cNvPr id="4" name="AutoShape 2" descr="3 Ways to Design a Car - wikiHow">
-            <a:extLst>
-              <a:ext uri="{FF2B5EF4-FFF2-40B4-BE49-F238E27FC236}">
-                <a16:creationId xmlns:a16="http://schemas.microsoft.com/office/drawing/2014/main" id="{233B23E8-8BDE-BBCA-03C1-83E3A4EFBF43}"/>
-              </a:ext>
-            </a:extLst>
-          </p:cNvPr>
-          <p:cNvSpPr>
-            <a:spLocks noChangeAspect="1" noChangeArrowheads="1"/>
-          </p:cNvSpPr>
-          <p:nvPr/>
-        </p:nvSpPr>
-        <p:spPr bwMode="auto">
-          <a:xfrm>
-            <a:off x="5943600" y="1420809"/>
-            <a:ext cx="304800" cy="304800"/>
-          </a:xfrm>
-          <a:prstGeom prst="rect">
-            <a:avLst/>
-          </a:prstGeom>
-          <a:noFill/>
-          <a:extLst>
-            <a:ext uri="{909E8E84-426E-40DD-AFC4-6F175D3DCCD1}">
-              <a14:hiddenFill xmlns:a14="http://schemas.microsoft.com/office/drawing/2010/main">
-                <a:solidFill>
-                  <a:srgbClr val="FFFFFF"/>
-                </a:solidFill>
-              </a14:hiddenFill>
-            </a:ext>
-          </a:extLst>
-        </p:spPr>
-        <p:txBody>
-          <a:bodyPr vert="horz" wrap="square" lIns="91440" tIns="45720" rIns="91440" bIns="45720" numCol="1" anchor="t" anchorCtr="0" compatLnSpc="1">
-            <a:prstTxWarp prst="textNoShape">
-              <a:avLst/>
-            </a:prstTxWarp>
-          </a:bodyPr>
-          <a:lstStyle/>
-          <a:p>
-            <a:endParaRPr lang="en-US"/>
-          </a:p>
-        </p:txBody>
-      </p:sp>
-      <p:sp>
-        <p:nvSpPr>
-          <p:cNvPr id="7" name="TextBox 6">
-            <a:extLst>
-              <a:ext uri="{FF2B5EF4-FFF2-40B4-BE49-F238E27FC236}">
-                <a16:creationId xmlns:a16="http://schemas.microsoft.com/office/drawing/2014/main" id="{3FE2C194-CF7C-6284-0A3A-CAB67E5F2BD6}"/>
-              </a:ext>
-            </a:extLst>
-          </p:cNvPr>
-          <p:cNvSpPr txBox="1"/>
-          <p:nvPr/>
-        </p:nvSpPr>
-        <p:spPr>
-          <a:xfrm>
-            <a:off x="117613" y="533400"/>
-            <a:ext cx="3575531" cy="470000"/>
-          </a:xfrm>
-          <a:prstGeom prst="rect">
-            <a:avLst/>
-          </a:prstGeom>
-          <a:solidFill>
-            <a:srgbClr val="C00000"/>
-          </a:solidFill>
-        </p:spPr>
-        <p:txBody>
-          <a:bodyPr wrap="none" rtlCol="0">
-            <a:spAutoFit/>
-          </a:bodyPr>
-          <a:lstStyle/>
-          <a:p>
-            <a:r>
-              <a:rPr lang="en-US" b="1" dirty="0">
-                <a:solidFill>
-                  <a:schemeClr val="bg1"/>
-                </a:solidFill>
-              </a:rPr>
-              <a:t>What is DevOps Lifecycle?</a:t>
-            </a:r>
-          </a:p>
-        </p:txBody>
-      </p:sp>
-      <p:sp>
-        <p:nvSpPr>
-          <p:cNvPr id="10" name="Flowchart: Alternate Process 9">
-            <a:extLst>
-              <a:ext uri="{FF2B5EF4-FFF2-40B4-BE49-F238E27FC236}">
-                <a16:creationId xmlns:a16="http://schemas.microsoft.com/office/drawing/2014/main" id="{214427E1-A554-EF99-7C5B-793EF1A0574E}"/>
-              </a:ext>
-            </a:extLst>
-          </p:cNvPr>
-          <p:cNvSpPr/>
-          <p:nvPr/>
-        </p:nvSpPr>
-        <p:spPr>
-          <a:xfrm>
-            <a:off x="117613" y="1104452"/>
-            <a:ext cx="11921987" cy="1496390"/>
-          </a:xfrm>
-          <a:prstGeom prst="flowChartAlternateProcess">
-            <a:avLst/>
-          </a:prstGeom>
-          <a:solidFill>
-            <a:schemeClr val="bg2"/>
-          </a:solidFill>
-          <a:ln>
-            <a:noFill/>
-          </a:ln>
-          <a:scene3d>
-            <a:camera prst="orthographicFront"/>
-            <a:lightRig rig="threePt" dir="t"/>
-          </a:scene3d>
-          <a:sp3d>
-            <a:bevelT/>
-          </a:sp3d>
-        </p:spPr>
-        <p:style>
-          <a:lnRef idx="1">
-            <a:schemeClr val="accent1"/>
-          </a:lnRef>
-          <a:fillRef idx="3">
-            <a:schemeClr val="accent1"/>
-          </a:fillRef>
-          <a:effectRef idx="2">
-            <a:schemeClr val="accent1"/>
-          </a:effectRef>
-          <a:fontRef idx="minor">
-            <a:schemeClr val="lt1"/>
-          </a:fontRef>
-        </p:style>
-        <p:txBody>
-          <a:bodyPr rtlCol="0" anchor="ctr"/>
-          <a:lstStyle/>
-          <a:p>
-            <a:r>
-              <a:rPr lang="en-US" sz="2000" dirty="0">
-                <a:solidFill>
-                  <a:schemeClr val="tx1"/>
-                </a:solidFill>
-              </a:rPr>
-              <a:t>The DevOps lifecycle encompasses a set of practices and tools aimed at improving collaboration between development and operations teams to streamline the software delivery process. It focuses on automation, continuous integration, continuous delivery, and continuous feedback to enhance the efficiency, reliability, and quality of software development and deployment.</a:t>
-            </a:r>
-            <a:endParaRPr lang="en-US" sz="3200" dirty="0">
-              <a:solidFill>
-                <a:schemeClr val="tx1"/>
-              </a:solidFill>
-            </a:endParaRPr>
-          </a:p>
-        </p:txBody>
-      </p:sp>
-      <p:sp>
-        <p:nvSpPr>
-          <p:cNvPr id="11" name="Rectangle 10">
-            <a:extLst>
-              <a:ext uri="{FF2B5EF4-FFF2-40B4-BE49-F238E27FC236}">
-                <a16:creationId xmlns:a16="http://schemas.microsoft.com/office/drawing/2014/main" id="{0D98E3CF-CD5E-8F3A-577A-C7952B8D0396}"/>
-              </a:ext>
-            </a:extLst>
-          </p:cNvPr>
-          <p:cNvSpPr/>
-          <p:nvPr/>
-        </p:nvSpPr>
-        <p:spPr>
-          <a:xfrm>
-            <a:off x="2076450" y="55064"/>
-            <a:ext cx="7734300" cy="400110"/>
-          </a:xfrm>
-          <a:prstGeom prst="rect">
-            <a:avLst/>
-          </a:prstGeom>
-        </p:spPr>
-        <p:style>
-          <a:lnRef idx="1">
-            <a:schemeClr val="accent4"/>
-          </a:lnRef>
-          <a:fillRef idx="3">
-            <a:schemeClr val="accent4"/>
-          </a:fillRef>
-          <a:effectRef idx="2">
-            <a:schemeClr val="accent4"/>
-          </a:effectRef>
-          <a:fontRef idx="minor">
-            <a:schemeClr val="lt1"/>
-          </a:fontRef>
-        </p:style>
-        <p:txBody>
-          <a:bodyPr wrap="square">
-            <a:spAutoFit/>
-          </a:bodyPr>
-          <a:lstStyle>
-            <a:defPPr>
-              <a:defRPr lang="en-US"/>
-            </a:defPPr>
-            <a:lvl1pPr marL="0" algn="l" defTabSz="914400" rtl="0" eaLnBrk="1" latinLnBrk="0" hangingPunct="1">
-              <a:defRPr sz="1800" kern="1200">
-                <a:solidFill>
-                  <a:schemeClr val="lt1"/>
-                </a:solidFill>
-                <a:latin typeface="+mn-lt"/>
-                <a:ea typeface="+mn-ea"/>
-                <a:cs typeface="+mn-cs"/>
-              </a:defRPr>
-            </a:lvl1pPr>
-            <a:lvl2pPr marL="457200" algn="l" defTabSz="914400" rtl="0" eaLnBrk="1" latinLnBrk="0" hangingPunct="1">
-              <a:defRPr sz="1800" kern="1200">
-                <a:solidFill>
-                  <a:schemeClr val="lt1"/>
-                </a:solidFill>
-                <a:latin typeface="+mn-lt"/>
-                <a:ea typeface="+mn-ea"/>
-                <a:cs typeface="+mn-cs"/>
-              </a:defRPr>
-            </a:lvl2pPr>
-            <a:lvl3pPr marL="914400" algn="l" defTabSz="914400" rtl="0" eaLnBrk="1" latinLnBrk="0" hangingPunct="1">
-              <a:defRPr sz="1800" kern="1200">
-                <a:solidFill>
-                  <a:schemeClr val="lt1"/>
-                </a:solidFill>
-                <a:latin typeface="+mn-lt"/>
-                <a:ea typeface="+mn-ea"/>
-                <a:cs typeface="+mn-cs"/>
-              </a:defRPr>
-            </a:lvl3pPr>
-            <a:lvl4pPr marL="1371600" algn="l" defTabSz="914400" rtl="0" eaLnBrk="1" latinLnBrk="0" hangingPunct="1">
-              <a:defRPr sz="1800" kern="1200">
-                <a:solidFill>
-                  <a:schemeClr val="lt1"/>
-                </a:solidFill>
-                <a:latin typeface="+mn-lt"/>
-                <a:ea typeface="+mn-ea"/>
-                <a:cs typeface="+mn-cs"/>
-              </a:defRPr>
-            </a:lvl4pPr>
-            <a:lvl5pPr marL="1828800" algn="l" defTabSz="914400" rtl="0" eaLnBrk="1" latinLnBrk="0" hangingPunct="1">
-              <a:defRPr sz="1800" kern="1200">
-                <a:solidFill>
-                  <a:schemeClr val="lt1"/>
-                </a:solidFill>
-                <a:latin typeface="+mn-lt"/>
-                <a:ea typeface="+mn-ea"/>
-                <a:cs typeface="+mn-cs"/>
-              </a:defRPr>
-            </a:lvl5pPr>
-            <a:lvl6pPr marL="2286000" algn="l" defTabSz="914400" rtl="0" eaLnBrk="1" latinLnBrk="0" hangingPunct="1">
-              <a:defRPr sz="1800" kern="1200">
-                <a:solidFill>
-                  <a:schemeClr val="lt1"/>
-                </a:solidFill>
-                <a:latin typeface="+mn-lt"/>
-                <a:ea typeface="+mn-ea"/>
-                <a:cs typeface="+mn-cs"/>
-              </a:defRPr>
-            </a:lvl6pPr>
-            <a:lvl7pPr marL="2743200" algn="l" defTabSz="914400" rtl="0" eaLnBrk="1" latinLnBrk="0" hangingPunct="1">
-              <a:defRPr sz="1800" kern="1200">
-                <a:solidFill>
-                  <a:schemeClr val="lt1"/>
-                </a:solidFill>
-                <a:latin typeface="+mn-lt"/>
-                <a:ea typeface="+mn-ea"/>
-                <a:cs typeface="+mn-cs"/>
-              </a:defRPr>
-            </a:lvl7pPr>
-            <a:lvl8pPr marL="3200400" algn="l" defTabSz="914400" rtl="0" eaLnBrk="1" latinLnBrk="0" hangingPunct="1">
-              <a:defRPr sz="1800" kern="1200">
-                <a:solidFill>
-                  <a:schemeClr val="lt1"/>
-                </a:solidFill>
-                <a:latin typeface="+mn-lt"/>
-                <a:ea typeface="+mn-ea"/>
-                <a:cs typeface="+mn-cs"/>
-              </a:defRPr>
-            </a:lvl8pPr>
-            <a:lvl9pPr marL="3657600" algn="l" defTabSz="914400" rtl="0" eaLnBrk="1" latinLnBrk="0" hangingPunct="1">
-              <a:defRPr sz="1800" kern="1200">
-                <a:solidFill>
-                  <a:schemeClr val="lt1"/>
-                </a:solidFill>
-                <a:latin typeface="+mn-lt"/>
-                <a:ea typeface="+mn-ea"/>
-                <a:cs typeface="+mn-cs"/>
-              </a:defRPr>
-            </a:lvl9pPr>
-          </a:lstStyle>
-          <a:p>
-            <a:pPr algn="ctr"/>
-            <a:r>
-              <a:rPr lang="en-US" sz="2000" dirty="0"/>
-              <a:t>An In-Depth Look at the DevOps Lifecycle: Best Practices and Key Phases</a:t>
-            </a:r>
-          </a:p>
-        </p:txBody>
-      </p:sp>
       <p:pic>
         <p:nvPicPr>
           <p:cNvPr id="8" name="Picture 7">
@@ -5194,6 +4690,541 @@
           </a:prstGeom>
         </p:spPr>
       </p:pic>
+      <p:sp>
+        <p:nvSpPr>
+          <p:cNvPr id="3" name="AutoShape 2" descr="data:image/png;base64,iVBORw0KGgoAAAANSUhEUgAAANEAAADxCAMAAABiSKLrAAAAbFBMVEWIiIj////6+vr29vb19fX4+Pj5+fnu7u77+/v39/f9/f3z8/P+/v709PT8/Pyqqqrt7e3v7+/w8PDx8fHy8vK+vr7Q0NCjo6OBgYHY2Njk5OTHx8eNjY3c3NzGxsbn5+eWlpa1tbWcnJx6enob4+f+AAAIqklEQVR4nO3dCZuaOhQGYEZAh0FkX2W1//8/lkVMICeIkRmOPHz22lYg5OVEZLFzJRNrnC+xSGt3nJvQekMUYktnEiM1ouDrjCs/pukLkzoRtpjmNRcloRUFoiS8oo5UvLwsYpEgCaXoHLYiMRJqkRAJt0iEhFwkQMIqCgJRElpRLErCL3r1oxavSJSEWCRIQikyOtGQNPd8CaXICc04FiXhFomQkIsESChFbmhmwiT0opf3eBivMzSjLuORnh49oKxRKxIloayR24oESShFRScSI6EUJaGZCJNwiwhp/skFcpFAlbCLXiehF71MQisSJiEVVYkwqRP9oEpXI1HSXXRuWjo/2jz3f3v8YfjS7871lbU1EiT1IjrAKrvX/2iurzisijkk8OQC5ah7iERIyEUCJOyi10noRU9J490DUpFPRAApniJhFVnzSaOdOF6RKAmlKGhFgiTMohdIyYeIhEh30aV99E9NLo8VXLqn++Q/mIuIREid6DJsv32s91Ityi1hEtJRl5+ESX2NMKUR2ZYoCbNIjIRV5FiiJIyicx7mriVEKnCKfvxadBIloRQ1NTqJkcICpcgPr7rjOPYJZnFNbZVwikw/YHNlXmDi4xW9kU70jSnNqOu/xL4R0aWg3yNMgNHWp0I66i7Dy5PsdXFuApw1Eg8RndfuykLZa4Q/512EPrsIfzYtOmwje43wh4h+1u7KQvm5bk601wh9NlijXYQ+uwh/HqLrZkTXh+h4PDQP8lQ/PvAlSrT2xl0oRHQ5biOXXYQ+uwh/dhH+7CL82bRI3Ua2XKPvtTfuQvneReizi/BnF+HPLsKfTYu0bYQWsd5PfImIDmtv3IVy2EXos4vwZxfhzy7CH0okbyO7CH+2/D46rr1xF8pxF6HPLsKfXYQ/uwh/KJGyjWxatPZwWShEpK69cReKuovQZxfhzy7Cn12EP0SkGduItmHRzFF3P3r63ZHzTl4YdYqsHg/e/YdF2e7xcFRVrba109gMFp2evGhmjzpFVZLcvJVpl7K8hWaVB1liNVNdJh7VZ4Wd7P4aaa5I866lFEnDRHWksC5eVgtH8VWy8PHGTE5V/rr+QqSocTnm9CpTM+SMmRhVVJcPKbPYv5VFcs7x1F3P1eeikl1sXZHGB0lRLH+eSI75ICk6KZ8nctkOkaQN+cNEWjBRIimU0YpkHY4hmxOgqNIMHRaRJo6giLO+dyM/F1nsvpfqWVAv92Eihe0u3bNE+TgR/FkURfWhUHPMIBsguh6N0yKNs7o/EGkVIEpj+XA8fltJ0GzqDxMdQwBka+2gqQ/p9FYkpaNIiEXuje3OddQfg738rFCTcYmME9sdKXntbY1MBOy802JrotJ6bSUiInLia7y2+aZEbXuyxXbn5vXXGQazDs+6xUWGoql2kXU/DDrOssLWNFmZ65oQufeflwvU6PHDdO8ki/0xu/Rb7RVRvZNJgupW7y3bU+T6JLnej97MPLNUhbPIbJEV9U2y/eknHds5lfhfNMo/sb23oRX5LQXWGUmpGdtz3nxEpOiep7eP+5MFUEZJj+0SCnsCVX/CkrZUQFRvQG+8RkNOzHTi5LL0rW6x8YL0bwolGtdolqir0fQxAyQCNrdsVczFmdFS6fXp+4kSecPMEqntrAYkkklTYI288frkYKI+j+XCYtzRUdCIdMV/7mkWTDNmY6AU6bo5C9QknqwSEpFuzAdJUjZFQiJSoFMWfhIDu0ievDjD5ubquEV6AjVet3krU3B/Hvn8cYdDBJxUSlKVaJqmWvENMiXcImEQKcCYi26W1nZaN9SAXXFkcos0JZpxXLeICDpLDnVSBDkDusAtEhGN72p5J78LcMbn9+nudemgiDSlASLF66cC20NKbZ3qCnAnIfKp9gcxiIjVPj8/8mbVCBY9VsNes42C4YgBrgyUJ06NpkRdCuD8yB418pYIOkl2hyuQ2SOkKOMMO4M76vrBB4sG84Cjjrr5Cooeo4TdLwyGbLsC4IKgD93dHY66lUQye7gQxfqgfdcDhr7JeSOtLoL2dOn4KEdX2E+s0hp24j3RaUERsPnLLBmlYPceaYJVBB0Bja85p8ANn3rXgFX02kEqaSGAeywoGs7zjghYdqYoxyp68USCtMDZfX+wqHomav53fkBcWDSYx4NEBpkuAyLj3oSwSDIVsMM6ETVAp/3V/KG2tP/xRPRccI1IW7Comyr8PupE9052bbW/0yLHpX/1T1wRmQuskULa4oqcd/Z1pjLu6li0zqgDP49m5fmo+2NR3z50zFBYczLsBB6Rxx6y8Q5wRoE7LCaylhM5BnTs7cGdmZP1RZzdygeLXOjW9fg94jYXUnjjbBHRcJ5nImVKBA67fFgkL/HzIE4KRW7vM0/i/kQ0WSPHg75KldHdqc+h7pfZ0jKs/GuDM3hvNSLizSEqoroE1Yia7ELf00kIWS/o09z+EmLA6bC3hMh9TwRskDq51x47e4Zzhc73Qt64wyByPOjmUVT6cZZkcQV+0zxNflX05qgD36tSe3MilcCr1FLEe9sPRDYYjmgwD1wjMl1hm4h0ugF43PETVd6wB3RbKES2Pu+2cr9waHFBWESO+8JtyxrkckFYRDa8dxAAoRHNH3hRNTHkUIlsY9Z3TqR6LzcFokScSsKi4TzPRMYske0VT78XJJkJZ8uTzojV6FdEtmNkE9/diqLUzJTpAtmzalQyF6FvI5ETA9+OpraQwTYhwRvQMYqryX6sNn8vq8AynnqoGuXuCY7N/vMR3R7N47DzePR04J+gjJt4rM7V3SzwzbC8FzYtb2Z1jQtDd3nLDOLmD1E9v90++qfT4Lfh5N+cq/508shXb5st6Ll1cWa2RYu2EUo0p6QfkF2EP7sIf3YR/hCRs3ZXFoqzYdEGR92su1D4Q486yzq1D/L0iS85W67R2l1ZKLsIfzYs4l05+bg8rpxU/lZS3UXbyvZE/wFXu+LXNTDaDQAAAABJRU5ErkJggg=="/>
+          <p:cNvSpPr>
+            <a:spLocks noChangeAspect="1" noChangeArrowheads="1"/>
+          </p:cNvSpPr>
+          <p:nvPr/>
+        </p:nvSpPr>
+        <p:spPr bwMode="auto">
+          <a:xfrm>
+            <a:off x="207436" y="-116412"/>
+            <a:ext cx="406400" cy="406402"/>
+          </a:xfrm>
+          <a:prstGeom prst="rect">
+            <a:avLst/>
+          </a:prstGeom>
+          <a:noFill/>
+          <a:extLst>
+            <a:ext uri="{909E8E84-426E-40DD-AFC4-6F175D3DCCD1}">
+              <a14:hiddenFill xmlns:a14="http://schemas.microsoft.com/office/drawing/2010/main">
+                <a:solidFill>
+                  <a:srgbClr val="FFFFFF"/>
+                </a:solidFill>
+              </a14:hiddenFill>
+            </a:ext>
+          </a:extLst>
+        </p:spPr>
+        <p:txBody>
+          <a:bodyPr vert="horz" wrap="square" lIns="121920" tIns="60960" rIns="121920" bIns="60960" numCol="1" anchor="t" anchorCtr="0" compatLnSpc="1">
+            <a:prstTxWarp prst="textNoShape">
+              <a:avLst/>
+            </a:prstTxWarp>
+          </a:bodyPr>
+          <a:lstStyle/>
+          <a:p>
+            <a:endParaRPr lang="en-US" sz="1600" dirty="0"/>
+          </a:p>
+        </p:txBody>
+      </p:sp>
+      <p:sp>
+        <p:nvSpPr>
+          <p:cNvPr id="2" name="AutoShape 2" descr="Image result for file"/>
+          <p:cNvSpPr>
+            <a:spLocks noChangeAspect="1" noChangeArrowheads="1"/>
+          </p:cNvSpPr>
+          <p:nvPr/>
+        </p:nvSpPr>
+        <p:spPr bwMode="auto">
+          <a:xfrm>
+            <a:off x="410635" y="86789"/>
+            <a:ext cx="406400" cy="406402"/>
+          </a:xfrm>
+          <a:prstGeom prst="rect">
+            <a:avLst/>
+          </a:prstGeom>
+          <a:noFill/>
+          <a:extLst>
+            <a:ext uri="{909E8E84-426E-40DD-AFC4-6F175D3DCCD1}">
+              <a14:hiddenFill xmlns:a14="http://schemas.microsoft.com/office/drawing/2010/main">
+                <a:solidFill>
+                  <a:srgbClr val="FFFFFF"/>
+                </a:solidFill>
+              </a14:hiddenFill>
+            </a:ext>
+          </a:extLst>
+        </p:spPr>
+        <p:txBody>
+          <a:bodyPr vert="horz" wrap="square" lIns="121920" tIns="60960" rIns="121920" bIns="60960" numCol="1" anchor="t" anchorCtr="0" compatLnSpc="1">
+            <a:prstTxWarp prst="textNoShape">
+              <a:avLst/>
+            </a:prstTxWarp>
+          </a:bodyPr>
+          <a:lstStyle/>
+          <a:p>
+            <a:endParaRPr lang="en-US" sz="2400" dirty="0"/>
+          </a:p>
+        </p:txBody>
+      </p:sp>
+      <p:sp>
+        <p:nvSpPr>
+          <p:cNvPr id="6" name="AutoShape 2" descr="Image result for activemq image"/>
+          <p:cNvSpPr>
+            <a:spLocks noChangeAspect="1" noChangeArrowheads="1"/>
+          </p:cNvSpPr>
+          <p:nvPr/>
+        </p:nvSpPr>
+        <p:spPr bwMode="auto">
+          <a:xfrm>
+            <a:off x="2214035" y="2091797"/>
+            <a:ext cx="406400" cy="406402"/>
+          </a:xfrm>
+          <a:prstGeom prst="rect">
+            <a:avLst/>
+          </a:prstGeom>
+          <a:noFill/>
+          <a:extLst>
+            <a:ext uri="{909E8E84-426E-40DD-AFC4-6F175D3DCCD1}">
+              <a14:hiddenFill xmlns:a14="http://schemas.microsoft.com/office/drawing/2010/main">
+                <a:solidFill>
+                  <a:srgbClr val="FFFFFF"/>
+                </a:solidFill>
+              </a14:hiddenFill>
+            </a:ext>
+          </a:extLst>
+        </p:spPr>
+        <p:txBody>
+          <a:bodyPr vert="horz" wrap="square" lIns="121920" tIns="60960" rIns="121920" bIns="60960" numCol="1" anchor="t" anchorCtr="0" compatLnSpc="1">
+            <a:prstTxWarp prst="textNoShape">
+              <a:avLst/>
+            </a:prstTxWarp>
+          </a:bodyPr>
+          <a:lstStyle/>
+          <a:p>
+            <a:endParaRPr lang="en-US" sz="2400" dirty="0"/>
+          </a:p>
+        </p:txBody>
+      </p:sp>
+      <p:sp>
+        <p:nvSpPr>
+          <p:cNvPr id="4" name="AutoShape 2" descr="3 Ways to Design a Car - wikiHow">
+            <a:extLst>
+              <a:ext uri="{FF2B5EF4-FFF2-40B4-BE49-F238E27FC236}">
+                <a16:creationId xmlns:a16="http://schemas.microsoft.com/office/drawing/2014/main" id="{233B23E8-8BDE-BBCA-03C1-83E3A4EFBF43}"/>
+              </a:ext>
+            </a:extLst>
+          </p:cNvPr>
+          <p:cNvSpPr>
+            <a:spLocks noChangeAspect="1" noChangeArrowheads="1"/>
+          </p:cNvSpPr>
+          <p:nvPr/>
+        </p:nvSpPr>
+        <p:spPr bwMode="auto">
+          <a:xfrm>
+            <a:off x="5943600" y="1420809"/>
+            <a:ext cx="304800" cy="304800"/>
+          </a:xfrm>
+          <a:prstGeom prst="rect">
+            <a:avLst/>
+          </a:prstGeom>
+          <a:noFill/>
+          <a:extLst>
+            <a:ext uri="{909E8E84-426E-40DD-AFC4-6F175D3DCCD1}">
+              <a14:hiddenFill xmlns:a14="http://schemas.microsoft.com/office/drawing/2010/main">
+                <a:solidFill>
+                  <a:srgbClr val="FFFFFF"/>
+                </a:solidFill>
+              </a14:hiddenFill>
+            </a:ext>
+          </a:extLst>
+        </p:spPr>
+        <p:txBody>
+          <a:bodyPr vert="horz" wrap="square" lIns="91440" tIns="45720" rIns="91440" bIns="45720" numCol="1" anchor="t" anchorCtr="0" compatLnSpc="1">
+            <a:prstTxWarp prst="textNoShape">
+              <a:avLst/>
+            </a:prstTxWarp>
+          </a:bodyPr>
+          <a:lstStyle/>
+          <a:p>
+            <a:endParaRPr lang="en-US"/>
+          </a:p>
+        </p:txBody>
+      </p:sp>
+      <p:sp>
+        <p:nvSpPr>
+          <p:cNvPr id="7" name="TextBox 6">
+            <a:extLst>
+              <a:ext uri="{FF2B5EF4-FFF2-40B4-BE49-F238E27FC236}">
+                <a16:creationId xmlns:a16="http://schemas.microsoft.com/office/drawing/2014/main" id="{3FE2C194-CF7C-6284-0A3A-CAB67E5F2BD6}"/>
+              </a:ext>
+            </a:extLst>
+          </p:cNvPr>
+          <p:cNvSpPr txBox="1"/>
+          <p:nvPr/>
+        </p:nvSpPr>
+        <p:spPr>
+          <a:xfrm>
+            <a:off x="456937" y="598593"/>
+            <a:ext cx="3575531" cy="470000"/>
+          </a:xfrm>
+          <a:prstGeom prst="rect">
+            <a:avLst/>
+          </a:prstGeom>
+          <a:solidFill>
+            <a:srgbClr val="C00000"/>
+          </a:solidFill>
+        </p:spPr>
+        <p:txBody>
+          <a:bodyPr wrap="none" rtlCol="0">
+            <a:spAutoFit/>
+          </a:bodyPr>
+          <a:lstStyle/>
+          <a:p>
+            <a:r>
+              <a:rPr lang="en-US" b="1" dirty="0">
+                <a:solidFill>
+                  <a:schemeClr val="bg1"/>
+                </a:solidFill>
+              </a:rPr>
+              <a:t>What is DevOps Lifecycle?</a:t>
+            </a:r>
+          </a:p>
+        </p:txBody>
+      </p:sp>
+      <p:sp>
+        <p:nvSpPr>
+          <p:cNvPr id="10" name="Flowchart: Alternate Process 9">
+            <a:extLst>
+              <a:ext uri="{FF2B5EF4-FFF2-40B4-BE49-F238E27FC236}">
+                <a16:creationId xmlns:a16="http://schemas.microsoft.com/office/drawing/2014/main" id="{214427E1-A554-EF99-7C5B-793EF1A0574E}"/>
+              </a:ext>
+            </a:extLst>
+          </p:cNvPr>
+          <p:cNvSpPr/>
+          <p:nvPr/>
+        </p:nvSpPr>
+        <p:spPr>
+          <a:xfrm>
+            <a:off x="117613" y="1104452"/>
+            <a:ext cx="11921987" cy="1791148"/>
+          </a:xfrm>
+          <a:prstGeom prst="flowChartAlternateProcess">
+            <a:avLst/>
+          </a:prstGeom>
+          <a:ln/>
+        </p:spPr>
+        <p:style>
+          <a:lnRef idx="2">
+            <a:schemeClr val="accent6"/>
+          </a:lnRef>
+          <a:fillRef idx="1">
+            <a:schemeClr val="lt1"/>
+          </a:fillRef>
+          <a:effectRef idx="0">
+            <a:schemeClr val="accent6"/>
+          </a:effectRef>
+          <a:fontRef idx="minor">
+            <a:schemeClr val="dk1"/>
+          </a:fontRef>
+        </p:style>
+        <p:txBody>
+          <a:bodyPr rtlCol="0" anchor="ctr"/>
+          <a:lstStyle/>
+          <a:p>
+            <a:pPr marL="342900" indent="-342900">
+              <a:buFont typeface="Wingdings" panose="05000000000000000000" pitchFamily="2" charset="2"/>
+              <a:buChar char="ü"/>
+            </a:pPr>
+            <a:r>
+              <a:rPr lang="en-US" sz="2000" dirty="0">
+                <a:solidFill>
+                  <a:schemeClr val="tx1"/>
+                </a:solidFill>
+              </a:rPr>
+              <a:t>The </a:t>
+            </a:r>
+            <a:r>
+              <a:rPr lang="en-US" sz="2000" dirty="0">
+                <a:solidFill>
+                  <a:srgbClr val="FF0000"/>
+                </a:solidFill>
+              </a:rPr>
+              <a:t>DevOps lifecycle </a:t>
+            </a:r>
+            <a:r>
+              <a:rPr lang="en-US" sz="2000" dirty="0">
+                <a:solidFill>
+                  <a:schemeClr val="tx1"/>
+                </a:solidFill>
+              </a:rPr>
+              <a:t>encompasses a </a:t>
+            </a:r>
+            <a:r>
+              <a:rPr lang="en-US" sz="2000" dirty="0">
+                <a:solidFill>
+                  <a:srgbClr val="FF0000"/>
+                </a:solidFill>
+              </a:rPr>
+              <a:t>set of practices and tools </a:t>
+            </a:r>
+            <a:r>
+              <a:rPr lang="en-US" sz="2000" dirty="0">
+                <a:solidFill>
+                  <a:schemeClr val="tx1"/>
+                </a:solidFill>
+              </a:rPr>
+              <a:t>aimed at </a:t>
+            </a:r>
+            <a:r>
+              <a:rPr lang="en-US" sz="2000" dirty="0">
+                <a:solidFill>
+                  <a:srgbClr val="FF0000"/>
+                </a:solidFill>
+              </a:rPr>
+              <a:t>improving</a:t>
+            </a:r>
+            <a:r>
+              <a:rPr lang="en-US" sz="2000" dirty="0">
+                <a:solidFill>
+                  <a:schemeClr val="tx1"/>
+                </a:solidFill>
+              </a:rPr>
+              <a:t> </a:t>
+            </a:r>
+            <a:r>
+              <a:rPr lang="en-US" sz="2000" dirty="0">
+                <a:solidFill>
+                  <a:srgbClr val="FF0000"/>
+                </a:solidFill>
+              </a:rPr>
+              <a:t>collaboration</a:t>
+            </a:r>
+            <a:r>
+              <a:rPr lang="en-US" sz="2000" dirty="0">
+                <a:solidFill>
+                  <a:schemeClr val="tx1"/>
+                </a:solidFill>
+              </a:rPr>
+              <a:t> between development and operations teams to </a:t>
+            </a:r>
+            <a:r>
+              <a:rPr lang="en-US" sz="2000" dirty="0">
+                <a:solidFill>
+                  <a:srgbClr val="FF0000"/>
+                </a:solidFill>
+              </a:rPr>
+              <a:t>streamline</a:t>
+            </a:r>
+            <a:r>
+              <a:rPr lang="en-US" sz="2000" dirty="0">
+                <a:solidFill>
+                  <a:schemeClr val="tx1"/>
+                </a:solidFill>
+              </a:rPr>
+              <a:t> the software delivery process. </a:t>
+            </a:r>
+          </a:p>
+          <a:p>
+            <a:pPr marL="342900" indent="-342900">
+              <a:buFont typeface="Wingdings" panose="05000000000000000000" pitchFamily="2" charset="2"/>
+              <a:buChar char="ü"/>
+            </a:pPr>
+            <a:endParaRPr lang="en-US" sz="2000" dirty="0">
+              <a:solidFill>
+                <a:schemeClr val="tx1"/>
+              </a:solidFill>
+            </a:endParaRPr>
+          </a:p>
+          <a:p>
+            <a:pPr marL="342900" indent="-342900">
+              <a:buFont typeface="Wingdings" panose="05000000000000000000" pitchFamily="2" charset="2"/>
+              <a:buChar char="ü"/>
+            </a:pPr>
+            <a:r>
+              <a:rPr lang="en-US" sz="2000" dirty="0">
+                <a:solidFill>
+                  <a:srgbClr val="FF0000"/>
+                </a:solidFill>
+              </a:rPr>
+              <a:t>DevOps</a:t>
+            </a:r>
+            <a:r>
+              <a:rPr lang="en-US" sz="2000" dirty="0">
+                <a:solidFill>
+                  <a:schemeClr val="tx1"/>
+                </a:solidFill>
+              </a:rPr>
+              <a:t> focuses on </a:t>
+            </a:r>
+            <a:r>
+              <a:rPr lang="en-US" sz="2000" dirty="0">
+                <a:solidFill>
+                  <a:srgbClr val="FF0000"/>
+                </a:solidFill>
+              </a:rPr>
+              <a:t>automation, continuous integration, continuous delivery, and continuous feedback </a:t>
+            </a:r>
+            <a:r>
+              <a:rPr lang="en-US" sz="2000" dirty="0">
+                <a:solidFill>
+                  <a:schemeClr val="tx1"/>
+                </a:solidFill>
+              </a:rPr>
+              <a:t>to enhance the efficiency, reliability, and quality of software development and deployment.</a:t>
+            </a:r>
+            <a:endParaRPr lang="en-US" sz="3200" dirty="0">
+              <a:solidFill>
+                <a:schemeClr val="tx1"/>
+              </a:solidFill>
+            </a:endParaRPr>
+          </a:p>
+        </p:txBody>
+      </p:sp>
+      <p:sp>
+        <p:nvSpPr>
+          <p:cNvPr id="11" name="Rectangle 10">
+            <a:extLst>
+              <a:ext uri="{FF2B5EF4-FFF2-40B4-BE49-F238E27FC236}">
+                <a16:creationId xmlns:a16="http://schemas.microsoft.com/office/drawing/2014/main" id="{0D98E3CF-CD5E-8F3A-577A-C7952B8D0396}"/>
+              </a:ext>
+            </a:extLst>
+          </p:cNvPr>
+          <p:cNvSpPr/>
+          <p:nvPr/>
+        </p:nvSpPr>
+        <p:spPr>
+          <a:xfrm>
+            <a:off x="2076450" y="55064"/>
+            <a:ext cx="7734300" cy="400110"/>
+          </a:xfrm>
+          <a:prstGeom prst="rect">
+            <a:avLst/>
+          </a:prstGeom>
+        </p:spPr>
+        <p:style>
+          <a:lnRef idx="1">
+            <a:schemeClr val="accent4"/>
+          </a:lnRef>
+          <a:fillRef idx="3">
+            <a:schemeClr val="accent4"/>
+          </a:fillRef>
+          <a:effectRef idx="2">
+            <a:schemeClr val="accent4"/>
+          </a:effectRef>
+          <a:fontRef idx="minor">
+            <a:schemeClr val="lt1"/>
+          </a:fontRef>
+        </p:style>
+        <p:txBody>
+          <a:bodyPr wrap="square">
+            <a:spAutoFit/>
+          </a:bodyPr>
+          <a:lstStyle>
+            <a:defPPr>
+              <a:defRPr lang="en-US"/>
+            </a:defPPr>
+            <a:lvl1pPr marL="0" algn="l" defTabSz="914400" rtl="0" eaLnBrk="1" latinLnBrk="0" hangingPunct="1">
+              <a:defRPr sz="1800" kern="1200">
+                <a:solidFill>
+                  <a:schemeClr val="lt1"/>
+                </a:solidFill>
+                <a:latin typeface="+mn-lt"/>
+                <a:ea typeface="+mn-ea"/>
+                <a:cs typeface="+mn-cs"/>
+              </a:defRPr>
+            </a:lvl1pPr>
+            <a:lvl2pPr marL="457200" algn="l" defTabSz="914400" rtl="0" eaLnBrk="1" latinLnBrk="0" hangingPunct="1">
+              <a:defRPr sz="1800" kern="1200">
+                <a:solidFill>
+                  <a:schemeClr val="lt1"/>
+                </a:solidFill>
+                <a:latin typeface="+mn-lt"/>
+                <a:ea typeface="+mn-ea"/>
+                <a:cs typeface="+mn-cs"/>
+              </a:defRPr>
+            </a:lvl2pPr>
+            <a:lvl3pPr marL="914400" algn="l" defTabSz="914400" rtl="0" eaLnBrk="1" latinLnBrk="0" hangingPunct="1">
+              <a:defRPr sz="1800" kern="1200">
+                <a:solidFill>
+                  <a:schemeClr val="lt1"/>
+                </a:solidFill>
+                <a:latin typeface="+mn-lt"/>
+                <a:ea typeface="+mn-ea"/>
+                <a:cs typeface="+mn-cs"/>
+              </a:defRPr>
+            </a:lvl3pPr>
+            <a:lvl4pPr marL="1371600" algn="l" defTabSz="914400" rtl="0" eaLnBrk="1" latinLnBrk="0" hangingPunct="1">
+              <a:defRPr sz="1800" kern="1200">
+                <a:solidFill>
+                  <a:schemeClr val="lt1"/>
+                </a:solidFill>
+                <a:latin typeface="+mn-lt"/>
+                <a:ea typeface="+mn-ea"/>
+                <a:cs typeface="+mn-cs"/>
+              </a:defRPr>
+            </a:lvl4pPr>
+            <a:lvl5pPr marL="1828800" algn="l" defTabSz="914400" rtl="0" eaLnBrk="1" latinLnBrk="0" hangingPunct="1">
+              <a:defRPr sz="1800" kern="1200">
+                <a:solidFill>
+                  <a:schemeClr val="lt1"/>
+                </a:solidFill>
+                <a:latin typeface="+mn-lt"/>
+                <a:ea typeface="+mn-ea"/>
+                <a:cs typeface="+mn-cs"/>
+              </a:defRPr>
+            </a:lvl5pPr>
+            <a:lvl6pPr marL="2286000" algn="l" defTabSz="914400" rtl="0" eaLnBrk="1" latinLnBrk="0" hangingPunct="1">
+              <a:defRPr sz="1800" kern="1200">
+                <a:solidFill>
+                  <a:schemeClr val="lt1"/>
+                </a:solidFill>
+                <a:latin typeface="+mn-lt"/>
+                <a:ea typeface="+mn-ea"/>
+                <a:cs typeface="+mn-cs"/>
+              </a:defRPr>
+            </a:lvl6pPr>
+            <a:lvl7pPr marL="2743200" algn="l" defTabSz="914400" rtl="0" eaLnBrk="1" latinLnBrk="0" hangingPunct="1">
+              <a:defRPr sz="1800" kern="1200">
+                <a:solidFill>
+                  <a:schemeClr val="lt1"/>
+                </a:solidFill>
+                <a:latin typeface="+mn-lt"/>
+                <a:ea typeface="+mn-ea"/>
+                <a:cs typeface="+mn-cs"/>
+              </a:defRPr>
+            </a:lvl7pPr>
+            <a:lvl8pPr marL="3200400" algn="l" defTabSz="914400" rtl="0" eaLnBrk="1" latinLnBrk="0" hangingPunct="1">
+              <a:defRPr sz="1800" kern="1200">
+                <a:solidFill>
+                  <a:schemeClr val="lt1"/>
+                </a:solidFill>
+                <a:latin typeface="+mn-lt"/>
+                <a:ea typeface="+mn-ea"/>
+                <a:cs typeface="+mn-cs"/>
+              </a:defRPr>
+            </a:lvl8pPr>
+            <a:lvl9pPr marL="3657600" algn="l" defTabSz="914400" rtl="0" eaLnBrk="1" latinLnBrk="0" hangingPunct="1">
+              <a:defRPr sz="1800" kern="1200">
+                <a:solidFill>
+                  <a:schemeClr val="lt1"/>
+                </a:solidFill>
+                <a:latin typeface="+mn-lt"/>
+                <a:ea typeface="+mn-ea"/>
+                <a:cs typeface="+mn-cs"/>
+              </a:defRPr>
+            </a:lvl9pPr>
+          </a:lstStyle>
+          <a:p>
+            <a:pPr algn="ctr"/>
+            <a:r>
+              <a:rPr lang="en-US" sz="2000" dirty="0"/>
+              <a:t>An In-Depth Look at the DevOps Lifecycle: Best Practices and Key Phases</a:t>
+            </a:r>
+          </a:p>
+        </p:txBody>
+      </p:sp>
     </p:spTree>
     <p:extLst>
       <p:ext uri="{BB962C8B-B14F-4D97-AF65-F5344CB8AC3E}">
@@ -5408,49 +5439,35 @@
         </p:nvSpPr>
         <p:spPr>
           <a:xfrm>
-            <a:off x="332318" y="1420809"/>
-            <a:ext cx="11832163" cy="3913191"/>
+            <a:off x="176956" y="1565141"/>
+            <a:ext cx="11832163" cy="4683259"/>
           </a:xfrm>
           <a:prstGeom prst="flowChartAlternateProcess">
             <a:avLst/>
           </a:prstGeom>
-          <a:solidFill>
-            <a:schemeClr val="bg2"/>
-          </a:solidFill>
-          <a:ln>
-            <a:solidFill>
-              <a:srgbClr val="FFC000"/>
-            </a:solidFill>
-          </a:ln>
-          <a:scene3d>
-            <a:camera prst="orthographicFront"/>
-            <a:lightRig rig="threePt" dir="t"/>
-          </a:scene3d>
-          <a:sp3d>
-            <a:bevelT w="165100" prst="coolSlant"/>
-          </a:sp3d>
+          <a:ln/>
         </p:spPr>
         <p:style>
-          <a:lnRef idx="1">
-            <a:schemeClr val="accent1"/>
+          <a:lnRef idx="2">
+            <a:schemeClr val="dk1"/>
           </a:lnRef>
-          <a:fillRef idx="3">
-            <a:schemeClr val="accent1"/>
+          <a:fillRef idx="1">
+            <a:schemeClr val="lt1"/>
           </a:fillRef>
-          <a:effectRef idx="2">
-            <a:schemeClr val="accent1"/>
+          <a:effectRef idx="0">
+            <a:schemeClr val="dk1"/>
           </a:effectRef>
           <a:fontRef idx="minor">
-            <a:schemeClr val="lt1"/>
+            <a:schemeClr val="dk1"/>
           </a:fontRef>
         </p:style>
         <p:txBody>
           <a:bodyPr rtlCol="0" anchor="ctr"/>
           <a:lstStyle/>
           <a:p>
-            <a:pPr>
-              <a:buFont typeface="Arial" panose="020B0604020202020204" pitchFamily="34" charset="0"/>
-              <a:buChar char="•"/>
+            <a:pPr marL="457200" indent="-457200">
+              <a:buFont typeface="+mj-lt"/>
+              <a:buAutoNum type="arabicPeriod"/>
             </a:pPr>
             <a:r>
               <a:rPr lang="en-US" sz="2000" b="1" dirty="0">
@@ -5468,11 +5485,23 @@
               </a:rPr>
               <a:t>: Regularly integrating code changes into a shared repository, followed by automated testing to detect issues early.</a:t>
             </a:r>
-          </a:p>
-          <a:p>
-            <a:pPr>
-              <a:buFont typeface="Arial" panose="020B0604020202020204" pitchFamily="34" charset="0"/>
-              <a:buChar char="•"/>
+            <a:br>
+              <a:rPr lang="en-US" sz="2000" dirty="0">
+                <a:solidFill>
+                  <a:schemeClr val="tx1"/>
+                </a:solidFill>
+              </a:rPr>
+            </a:br>
+            <a:endParaRPr lang="en-US" sz="2000" dirty="0">
+              <a:solidFill>
+                <a:schemeClr val="tx1"/>
+              </a:solidFill>
+            </a:endParaRPr>
+          </a:p>
+          <a:p>
+            <a:pPr marL="457200" indent="-457200">
+              <a:buFont typeface="+mj-lt"/>
+              <a:buAutoNum type="arabicPeriod"/>
             </a:pPr>
             <a:r>
               <a:rPr lang="en-US" sz="2000" b="1" dirty="0">
@@ -5490,11 +5519,23 @@
               </a:rPr>
               <a:t>: Ensuring that code changes are automatically tested and prepared for a release to production.</a:t>
             </a:r>
-          </a:p>
-          <a:p>
-            <a:pPr>
-              <a:buFont typeface="Arial" panose="020B0604020202020204" pitchFamily="34" charset="0"/>
-              <a:buChar char="•"/>
+            <a:br>
+              <a:rPr lang="en-US" sz="2000" dirty="0">
+                <a:solidFill>
+                  <a:schemeClr val="tx1"/>
+                </a:solidFill>
+              </a:rPr>
+            </a:br>
+            <a:endParaRPr lang="en-US" sz="2000" dirty="0">
+              <a:solidFill>
+                <a:schemeClr val="tx1"/>
+              </a:solidFill>
+            </a:endParaRPr>
+          </a:p>
+          <a:p>
+            <a:pPr marL="457200" indent="-457200">
+              <a:buFont typeface="+mj-lt"/>
+              <a:buAutoNum type="arabicPeriod"/>
             </a:pPr>
             <a:r>
               <a:rPr lang="en-US" sz="2000" b="1" dirty="0">
@@ -5512,11 +5553,23 @@
               </a:rPr>
               <a:t>: Extending continuous delivery by automatically deploying every change that passes all stages of the production pipeline.</a:t>
             </a:r>
-          </a:p>
-          <a:p>
-            <a:pPr>
-              <a:buFont typeface="Arial" panose="020B0604020202020204" pitchFamily="34" charset="0"/>
-              <a:buChar char="•"/>
+            <a:br>
+              <a:rPr lang="en-US" sz="2000" dirty="0">
+                <a:solidFill>
+                  <a:schemeClr val="tx1"/>
+                </a:solidFill>
+              </a:rPr>
+            </a:br>
+            <a:endParaRPr lang="en-US" sz="2000" dirty="0">
+              <a:solidFill>
+                <a:schemeClr val="tx1"/>
+              </a:solidFill>
+            </a:endParaRPr>
+          </a:p>
+          <a:p>
+            <a:pPr marL="457200" indent="-457200">
+              <a:buFont typeface="+mj-lt"/>
+              <a:buAutoNum type="arabicPeriod"/>
             </a:pPr>
             <a:r>
               <a:rPr lang="en-US" sz="2000" b="1" dirty="0">
@@ -5550,11 +5603,23 @@
               </a:rPr>
               <a:t>: Managing and provisioning computing infrastructure through machine-readable scripts, rather than physical hardware configuration or interactive configuration tools.</a:t>
             </a:r>
-          </a:p>
-          <a:p>
-            <a:pPr>
-              <a:buFont typeface="Arial" panose="020B0604020202020204" pitchFamily="34" charset="0"/>
-              <a:buChar char="•"/>
+            <a:br>
+              <a:rPr lang="en-US" sz="2000" dirty="0">
+                <a:solidFill>
+                  <a:schemeClr val="tx1"/>
+                </a:solidFill>
+              </a:rPr>
+            </a:br>
+            <a:endParaRPr lang="en-US" sz="2000" dirty="0">
+              <a:solidFill>
+                <a:schemeClr val="tx1"/>
+              </a:solidFill>
+            </a:endParaRPr>
+          </a:p>
+          <a:p>
+            <a:pPr marL="457200" indent="-457200">
+              <a:buFont typeface="+mj-lt"/>
+              <a:buAutoNum type="arabicPeriod"/>
             </a:pPr>
             <a:r>
               <a:rPr lang="en-US" sz="2000" b="1" dirty="0">
@@ -5589,7 +5654,7 @@
         </p:nvSpPr>
         <p:spPr>
           <a:xfrm>
-            <a:off x="410635" y="722000"/>
+            <a:off x="5088723" y="1034712"/>
             <a:ext cx="2008627" cy="470000"/>
           </a:xfrm>
           <a:prstGeom prst="rect">
@@ -5973,49 +6038,35 @@
         </p:nvSpPr>
         <p:spPr>
           <a:xfrm>
-            <a:off x="332318" y="1420809"/>
-            <a:ext cx="11832163" cy="3913191"/>
+            <a:off x="207436" y="1945746"/>
+            <a:ext cx="11832163" cy="4226454"/>
           </a:xfrm>
           <a:prstGeom prst="flowChartAlternateProcess">
             <a:avLst/>
           </a:prstGeom>
-          <a:solidFill>
-            <a:schemeClr val="bg2"/>
-          </a:solidFill>
-          <a:ln>
-            <a:solidFill>
-              <a:srgbClr val="FFC000"/>
-            </a:solidFill>
-          </a:ln>
-          <a:scene3d>
-            <a:camera prst="orthographicFront"/>
-            <a:lightRig rig="threePt" dir="t"/>
-          </a:scene3d>
-          <a:sp3d>
-            <a:bevelT w="165100" prst="coolSlant"/>
-          </a:sp3d>
+          <a:ln/>
         </p:spPr>
         <p:style>
-          <a:lnRef idx="1">
-            <a:schemeClr val="accent1"/>
+          <a:lnRef idx="2">
+            <a:schemeClr val="dk1"/>
           </a:lnRef>
-          <a:fillRef idx="3">
-            <a:schemeClr val="accent1"/>
+          <a:fillRef idx="1">
+            <a:schemeClr val="lt1"/>
           </a:fillRef>
-          <a:effectRef idx="2">
-            <a:schemeClr val="accent1"/>
+          <a:effectRef idx="0">
+            <a:schemeClr val="dk1"/>
           </a:effectRef>
           <a:fontRef idx="minor">
-            <a:schemeClr val="lt1"/>
+            <a:schemeClr val="dk1"/>
           </a:fontRef>
         </p:style>
         <p:txBody>
           <a:bodyPr rtlCol="0" anchor="ctr"/>
           <a:lstStyle/>
           <a:p>
-            <a:pPr>
-              <a:buFont typeface="Arial" panose="020B0604020202020204" pitchFamily="34" charset="0"/>
-              <a:buChar char="•"/>
+            <a:pPr marL="457200" indent="-457200">
+              <a:buFont typeface="+mj-lt"/>
+              <a:buAutoNum type="arabicPeriod"/>
             </a:pPr>
             <a:r>
               <a:rPr lang="en-US" sz="2400" b="1" dirty="0">
@@ -6033,11 +6084,23 @@
               </a:rPr>
               <a:t>: Fosters a culture of collaboration between development and operations teams.</a:t>
             </a:r>
-          </a:p>
-          <a:p>
-            <a:pPr>
-              <a:buFont typeface="Arial" panose="020B0604020202020204" pitchFamily="34" charset="0"/>
-              <a:buChar char="•"/>
+            <a:br>
+              <a:rPr lang="en-US" sz="2400" dirty="0">
+                <a:solidFill>
+                  <a:schemeClr val="tx1"/>
+                </a:solidFill>
+              </a:rPr>
+            </a:br>
+            <a:endParaRPr lang="en-US" sz="2400" dirty="0">
+              <a:solidFill>
+                <a:schemeClr val="tx1"/>
+              </a:solidFill>
+            </a:endParaRPr>
+          </a:p>
+          <a:p>
+            <a:pPr marL="457200" indent="-457200">
+              <a:buFont typeface="+mj-lt"/>
+              <a:buAutoNum type="arabicPeriod"/>
             </a:pPr>
             <a:r>
               <a:rPr lang="en-US" sz="2400" b="1" dirty="0">
@@ -6055,11 +6118,23 @@
               </a:rPr>
               <a:t>: Accelerates the software delivery process, allowing for quicker releases and updates.</a:t>
             </a:r>
-          </a:p>
-          <a:p>
-            <a:pPr>
-              <a:buFont typeface="Arial" panose="020B0604020202020204" pitchFamily="34" charset="0"/>
-              <a:buChar char="•"/>
+            <a:br>
+              <a:rPr lang="en-US" sz="2400" dirty="0">
+                <a:solidFill>
+                  <a:schemeClr val="tx1"/>
+                </a:solidFill>
+              </a:rPr>
+            </a:br>
+            <a:endParaRPr lang="en-US" sz="2400" dirty="0">
+              <a:solidFill>
+                <a:schemeClr val="tx1"/>
+              </a:solidFill>
+            </a:endParaRPr>
+          </a:p>
+          <a:p>
+            <a:pPr marL="457200" indent="-457200">
+              <a:buFont typeface="+mj-lt"/>
+              <a:buAutoNum type="arabicPeriod"/>
             </a:pPr>
             <a:r>
               <a:rPr lang="en-US" sz="2400" b="1" dirty="0">
@@ -6077,11 +6152,23 @@
               </a:rPr>
               <a:t>: Enhances the stability and reliability of software through automated testing and monitoring.</a:t>
             </a:r>
-          </a:p>
-          <a:p>
-            <a:pPr>
-              <a:buFont typeface="Arial" panose="020B0604020202020204" pitchFamily="34" charset="0"/>
-              <a:buChar char="•"/>
+            <a:br>
+              <a:rPr lang="en-US" sz="2400" dirty="0">
+                <a:solidFill>
+                  <a:schemeClr val="tx1"/>
+                </a:solidFill>
+              </a:rPr>
+            </a:br>
+            <a:endParaRPr lang="en-US" sz="2400" dirty="0">
+              <a:solidFill>
+                <a:schemeClr val="tx1"/>
+              </a:solidFill>
+            </a:endParaRPr>
+          </a:p>
+          <a:p>
+            <a:pPr marL="457200" indent="-457200">
+              <a:buFont typeface="+mj-lt"/>
+              <a:buAutoNum type="arabicPeriod"/>
             </a:pPr>
             <a:r>
               <a:rPr lang="en-US" sz="2400" b="1" dirty="0">
@@ -6116,7 +6203,7 @@
         </p:nvSpPr>
         <p:spPr>
           <a:xfrm>
-            <a:off x="410635" y="722000"/>
+            <a:off x="5468616" y="1371600"/>
             <a:ext cx="1254767" cy="470000"/>
           </a:xfrm>
           <a:prstGeom prst="rect">
@@ -6500,40 +6587,26 @@
         </p:nvSpPr>
         <p:spPr>
           <a:xfrm>
-            <a:off x="88952" y="3458898"/>
-            <a:ext cx="11832163" cy="2103702"/>
+            <a:off x="179918" y="2775771"/>
+            <a:ext cx="11832163" cy="1390986"/>
           </a:xfrm>
           <a:prstGeom prst="flowChartAlternateProcess">
             <a:avLst/>
           </a:prstGeom>
-          <a:solidFill>
-            <a:schemeClr val="bg2"/>
-          </a:solidFill>
-          <a:ln>
-            <a:solidFill>
-              <a:srgbClr val="FFC000"/>
-            </a:solidFill>
-          </a:ln>
-          <a:scene3d>
-            <a:camera prst="orthographicFront"/>
-            <a:lightRig rig="threePt" dir="t"/>
-          </a:scene3d>
-          <a:sp3d>
-            <a:bevelT w="165100" prst="coolSlant"/>
-          </a:sp3d>
+          <a:ln/>
         </p:spPr>
         <p:style>
-          <a:lnRef idx="1">
-            <a:schemeClr val="accent1"/>
+          <a:lnRef idx="2">
+            <a:schemeClr val="dk1"/>
           </a:lnRef>
-          <a:fillRef idx="3">
-            <a:schemeClr val="accent1"/>
+          <a:fillRef idx="1">
+            <a:schemeClr val="lt1"/>
           </a:fillRef>
-          <a:effectRef idx="2">
-            <a:schemeClr val="accent1"/>
+          <a:effectRef idx="0">
+            <a:schemeClr val="dk1"/>
           </a:effectRef>
           <a:fontRef idx="minor">
-            <a:schemeClr val="lt1"/>
+            <a:schemeClr val="dk1"/>
           </a:fontRef>
         </p:style>
         <p:txBody>
@@ -6541,16 +6614,40 @@
           <a:lstStyle/>
           <a:p>
             <a:r>
-              <a:rPr lang="en-US" sz="2000" dirty="0">
+              <a:rPr lang="en-US" sz="2400" dirty="0">
                 <a:solidFill>
                   <a:schemeClr val="tx1"/>
                 </a:solidFill>
               </a:rPr>
-              <a:t>By following the DevOps lifecycle, organizations can achieve higher efficiency, faster development cycles, improved quality, and better alignment between development and operational goals.</a:t>
-            </a:r>
-            <a:endParaRPr lang="en-US" sz="8000" dirty="0">
+              <a:t>By following the </a:t>
+            </a:r>
+            <a:r>
+              <a:rPr lang="en-US" sz="2400" dirty="0">
+                <a:solidFill>
+                  <a:srgbClr val="C00000"/>
+                </a:solidFill>
+              </a:rPr>
+              <a:t>DevOps lifecycle</a:t>
+            </a:r>
+            <a:r>
+              <a:rPr lang="en-US" sz="2400" dirty="0">
+                <a:solidFill>
+                  <a:schemeClr val="tx1"/>
+                </a:solidFill>
+              </a:rPr>
+              <a:t>, organizations can achieve </a:t>
+            </a:r>
+            <a:r>
+              <a:rPr lang="en-US" sz="2400" dirty="0">
+                <a:solidFill>
+                  <a:srgbClr val="C00000"/>
+                </a:solidFill>
+              </a:rPr>
+              <a:t>higher efficiency, faster development cycles, improved quality, and better alignment between development and operational goals.</a:t>
+            </a:r>
+            <a:endParaRPr lang="en-US" sz="8800" dirty="0">
               <a:solidFill>
-                <a:schemeClr val="tx1"/>
+                <a:srgbClr val="C00000"/>
               </a:solidFill>
             </a:endParaRPr>
           </a:p>
@@ -6570,7 +6667,7 @@
         </p:nvSpPr>
         <p:spPr>
           <a:xfrm>
-            <a:off x="304800" y="2822802"/>
+            <a:off x="5292734" y="2221244"/>
             <a:ext cx="1606530" cy="470000"/>
           </a:xfrm>
           <a:prstGeom prst="rect">
@@ -6744,632 +6841,6 @@
     <p:extLst>
       <p:ext uri="{BB962C8B-B14F-4D97-AF65-F5344CB8AC3E}">
         <p14:creationId xmlns:p14="http://schemas.microsoft.com/office/powerpoint/2010/main" val="2055873994"/>
-      </p:ext>
-    </p:extLst>
-  </p:cSld>
-  <p:clrMapOvr>
-    <a:masterClrMapping/>
-  </p:clrMapOvr>
-  <mc:AlternateContent xmlns:mc="http://schemas.openxmlformats.org/markup-compatibility/2006" xmlns:p14="http://schemas.microsoft.com/office/powerpoint/2010/main">
-    <mc:Choice Requires="p14">
-      <p:transition p14:dur="0" advClick="0"/>
-    </mc:Choice>
-    <mc:Fallback xmlns="">
-      <p:transition advClick="0"/>
-    </mc:Fallback>
-  </mc:AlternateContent>
-</p:sld>
-</file>
-
-<file path=ppt/slides/slide13.xml><?xml version="1.0" encoding="utf-8"?>
-<p:sld xmlns:a="http://schemas.openxmlformats.org/drawingml/2006/main" xmlns:r="http://schemas.openxmlformats.org/officeDocument/2006/relationships" xmlns:p="http://schemas.openxmlformats.org/presentationml/2006/main">
-  <p:cSld>
-    <p:spTree>
-      <p:nvGrpSpPr>
-        <p:cNvPr id="1" name=""/>
-        <p:cNvGrpSpPr/>
-        <p:nvPr/>
-      </p:nvGrpSpPr>
-      <p:grpSpPr>
-        <a:xfrm>
-          <a:off x="0" y="0"/>
-          <a:ext cx="0" cy="0"/>
-          <a:chOff x="0" y="0"/>
-          <a:chExt cx="0" cy="0"/>
-        </a:xfrm>
-      </p:grpSpPr>
-      <p:sp>
-        <p:nvSpPr>
-          <p:cNvPr id="3" name="AutoShape 2" descr="data:image/png;base64,iVBORw0KGgoAAAANSUhEUgAAANEAAADxCAMAAABiSKLrAAAAbFBMVEWIiIj////6+vr29vb19fX4+Pj5+fnu7u77+/v39/f9/f3z8/P+/v709PT8/Pyqqqrt7e3v7+/w8PDx8fHy8vK+vr7Q0NCjo6OBgYHY2Njk5OTHx8eNjY3c3NzGxsbn5+eWlpa1tbWcnJx6enob4+f+AAAIqklEQVR4nO3dCZuaOhQGYEZAh0FkX2W1//8/lkVMICeIkRmOPHz22lYg5OVEZLFzJRNrnC+xSGt3nJvQekMUYktnEiM1ouDrjCs/pukLkzoRtpjmNRcloRUFoiS8oo5UvLwsYpEgCaXoHLYiMRJqkRAJt0iEhFwkQMIqCgJRElpRLErCL3r1oxavSJSEWCRIQikyOtGQNPd8CaXICc04FiXhFomQkIsESChFbmhmwiT0opf3eBivMzSjLuORnh49oKxRKxIloayR24oESShFRScSI6EUJaGZCJNwiwhp/skFcpFAlbCLXiehF71MQisSJiEVVYkwqRP9oEpXI1HSXXRuWjo/2jz3f3v8YfjS7871lbU1EiT1IjrAKrvX/2iurzisijkk8OQC5ah7iERIyEUCJOyi10noRU9J490DUpFPRAApniJhFVnzSaOdOF6RKAmlKGhFgiTMohdIyYeIhEh30aV99E9NLo8VXLqn++Q/mIuIREid6DJsv32s91Ityi1hEtJRl5+ESX2NMKUR2ZYoCbNIjIRV5FiiJIyicx7mriVEKnCKfvxadBIloRQ1NTqJkcICpcgPr7rjOPYJZnFNbZVwikw/YHNlXmDi4xW9kU70jSnNqOu/xL4R0aWg3yNMgNHWp0I66i7Dy5PsdXFuApw1Eg8RndfuykLZa4Q/512EPrsIfzYtOmwje43wh4h+1u7KQvm5bk601wh9NlijXYQ+uwh/HqLrZkTXh+h4PDQP8lQ/PvAlSrT2xl0oRHQ5biOXXYQ+uwh/dhH+7CL82bRI3Ua2XKPvtTfuQvneReizi/BnF+HPLsKfTYu0bYQWsd5PfImIDmtv3IVy2EXos4vwZxfhzy7CH0okbyO7CH+2/D46rr1xF8pxF6HPLsKfXYQ/uwh/KJGyjWxatPZwWShEpK69cReKuovQZxfhzy7Cn12EP0SkGduItmHRzFF3P3r63ZHzTl4YdYqsHg/e/YdF2e7xcFRVrba109gMFp2evGhmjzpFVZLcvJVpl7K8hWaVB1liNVNdJh7VZ4Wd7P4aaa5I866lFEnDRHWksC5eVgtH8VWy8PHGTE5V/rr+QqSocTnm9CpTM+SMmRhVVJcPKbPYv5VFcs7x1F3P1eeikl1sXZHGB0lRLH+eSI75ICk6KZ8nctkOkaQN+cNEWjBRIimU0YpkHY4hmxOgqNIMHRaRJo6giLO+dyM/F1nsvpfqWVAv92Eihe0u3bNE+TgR/FkURfWhUHPMIBsguh6N0yKNs7o/EGkVIEpj+XA8fltJ0GzqDxMdQwBka+2gqQ/p9FYkpaNIiEXuje3OddQfg738rFCTcYmME9sdKXntbY1MBOy802JrotJ6bSUiInLia7y2+aZEbXuyxXbn5vXXGQazDs+6xUWGoql2kXU/DDrOssLWNFmZ65oQufeflwvU6PHDdO8ki/0xu/Rb7RVRvZNJgupW7y3bU+T6JLnej97MPLNUhbPIbJEV9U2y/eknHds5lfhfNMo/sb23oRX5LQXWGUmpGdtz3nxEpOiep7eP+5MFUEZJj+0SCnsCVX/CkrZUQFRvQG+8RkNOzHTi5LL0rW6x8YL0bwolGtdolqir0fQxAyQCNrdsVczFmdFS6fXp+4kSecPMEqntrAYkkklTYI288frkYKI+j+XCYtzRUdCIdMV/7mkWTDNmY6AU6bo5C9QknqwSEpFuzAdJUjZFQiJSoFMWfhIDu0ievDjD5ubquEV6AjVet3krU3B/Hvn8cYdDBJxUSlKVaJqmWvENMiXcImEQKcCYi26W1nZaN9SAXXFkcos0JZpxXLeICDpLDnVSBDkDusAtEhGN72p5J78LcMbn9+nudemgiDSlASLF66cC20NKbZ3qCnAnIfKp9gcxiIjVPj8/8mbVCBY9VsNes42C4YgBrgyUJ06NpkRdCuD8yB418pYIOkl2hyuQ2SOkKOMMO4M76vrBB4sG84Cjjrr5Cooeo4TdLwyGbLsC4IKgD93dHY66lUQye7gQxfqgfdcDhr7JeSOtLoL2dOn4KEdX2E+s0hp24j3RaUERsPnLLBmlYPceaYJVBB0Bja85p8ANn3rXgFX02kEqaSGAeywoGs7zjghYdqYoxyp68USCtMDZfX+wqHomav53fkBcWDSYx4NEBpkuAyLj3oSwSDIVsMM6ETVAp/3V/KG2tP/xRPRccI1IW7Comyr8PupE9052bbW/0yLHpX/1T1wRmQuskULa4oqcd/Z1pjLu6li0zqgDP49m5fmo+2NR3z50zFBYczLsBB6Rxx6y8Q5wRoE7LCaylhM5BnTs7cGdmZP1RZzdygeLXOjW9fg94jYXUnjjbBHRcJ5nImVKBA67fFgkL/HzIE4KRW7vM0/i/kQ0WSPHg75KldHdqc+h7pfZ0jKs/GuDM3hvNSLizSEqoroE1Yia7ELf00kIWS/o09z+EmLA6bC3hMh9TwRskDq51x47e4Zzhc73Qt64wyByPOjmUVT6cZZkcQV+0zxNflX05qgD36tSe3MilcCr1FLEe9sPRDYYjmgwD1wjMl1hm4h0ugF43PETVd6wB3RbKES2Pu+2cr9waHFBWESO+8JtyxrkckFYRDa8dxAAoRHNH3hRNTHkUIlsY9Z3TqR6LzcFokScSsKi4TzPRMYske0VT78XJJkJZ8uTzojV6FdEtmNkE9/diqLUzJTpAtmzalQyF6FvI5ETA9+OpraQwTYhwRvQMYqryX6sNn8vq8AynnqoGuXuCY7N/vMR3R7N47DzePR04J+gjJt4rM7V3SzwzbC8FzYtb2Z1jQtDd3nLDOLmD1E9v90++qfT4Lfh5N+cq/508shXb5st6Ll1cWa2RYu2EUo0p6QfkF2EP7sIf3YR/hCRs3ZXFoqzYdEGR92su1D4Q486yzq1D/L0iS85W67R2l1ZKLsIfzYs4l05+bg8rpxU/lZS3UXbyvZE/wFXu+LXNTDaDQAAAABJRU5ErkJggg=="/>
-          <p:cNvSpPr>
-            <a:spLocks noChangeAspect="1" noChangeArrowheads="1"/>
-          </p:cNvSpPr>
-          <p:nvPr/>
-        </p:nvSpPr>
-        <p:spPr bwMode="auto">
-          <a:xfrm>
-            <a:off x="207436" y="-116412"/>
-            <a:ext cx="406400" cy="406402"/>
-          </a:xfrm>
-          <a:prstGeom prst="rect">
-            <a:avLst/>
-          </a:prstGeom>
-          <a:noFill/>
-          <a:extLst>
-            <a:ext uri="{909E8E84-426E-40DD-AFC4-6F175D3DCCD1}">
-              <a14:hiddenFill xmlns:a14="http://schemas.microsoft.com/office/drawing/2010/main">
-                <a:solidFill>
-                  <a:srgbClr val="FFFFFF"/>
-                </a:solidFill>
-              </a14:hiddenFill>
-            </a:ext>
-          </a:extLst>
-        </p:spPr>
-        <p:txBody>
-          <a:bodyPr vert="horz" wrap="square" lIns="121920" tIns="60960" rIns="121920" bIns="60960" numCol="1" anchor="t" anchorCtr="0" compatLnSpc="1">
-            <a:prstTxWarp prst="textNoShape">
-              <a:avLst/>
-            </a:prstTxWarp>
-          </a:bodyPr>
-          <a:lstStyle/>
-          <a:p>
-            <a:endParaRPr lang="en-US" sz="1600" dirty="0"/>
-          </a:p>
-        </p:txBody>
-      </p:sp>
-      <p:sp>
-        <p:nvSpPr>
-          <p:cNvPr id="2" name="AutoShape 2" descr="Image result for file"/>
-          <p:cNvSpPr>
-            <a:spLocks noChangeAspect="1" noChangeArrowheads="1"/>
-          </p:cNvSpPr>
-          <p:nvPr/>
-        </p:nvSpPr>
-        <p:spPr bwMode="auto">
-          <a:xfrm>
-            <a:off x="410635" y="86789"/>
-            <a:ext cx="406400" cy="406402"/>
-          </a:xfrm>
-          <a:prstGeom prst="rect">
-            <a:avLst/>
-          </a:prstGeom>
-          <a:noFill/>
-          <a:extLst>
-            <a:ext uri="{909E8E84-426E-40DD-AFC4-6F175D3DCCD1}">
-              <a14:hiddenFill xmlns:a14="http://schemas.microsoft.com/office/drawing/2010/main">
-                <a:solidFill>
-                  <a:srgbClr val="FFFFFF"/>
-                </a:solidFill>
-              </a14:hiddenFill>
-            </a:ext>
-          </a:extLst>
-        </p:spPr>
-        <p:txBody>
-          <a:bodyPr vert="horz" wrap="square" lIns="121920" tIns="60960" rIns="121920" bIns="60960" numCol="1" anchor="t" anchorCtr="0" compatLnSpc="1">
-            <a:prstTxWarp prst="textNoShape">
-              <a:avLst/>
-            </a:prstTxWarp>
-          </a:bodyPr>
-          <a:lstStyle/>
-          <a:p>
-            <a:endParaRPr lang="en-US" sz="2400" dirty="0"/>
-          </a:p>
-        </p:txBody>
-      </p:sp>
-      <p:sp>
-        <p:nvSpPr>
-          <p:cNvPr id="11" name="Rectangle 10">
-            <a:extLst>
-              <a:ext uri="{FF2B5EF4-FFF2-40B4-BE49-F238E27FC236}">
-                <a16:creationId xmlns:a16="http://schemas.microsoft.com/office/drawing/2014/main" id="{BD67B525-1F2E-4546-BFA9-6FE9E1A8F69E}"/>
-              </a:ext>
-            </a:extLst>
-          </p:cNvPr>
-          <p:cNvSpPr/>
-          <p:nvPr/>
-        </p:nvSpPr>
-        <p:spPr>
-          <a:xfrm>
-            <a:off x="2971800" y="57090"/>
-            <a:ext cx="6248400" cy="400110"/>
-          </a:xfrm>
-          <a:prstGeom prst="rect">
-            <a:avLst/>
-          </a:prstGeom>
-        </p:spPr>
-        <p:style>
-          <a:lnRef idx="1">
-            <a:schemeClr val="accent4"/>
-          </a:lnRef>
-          <a:fillRef idx="3">
-            <a:schemeClr val="accent4"/>
-          </a:fillRef>
-          <a:effectRef idx="2">
-            <a:schemeClr val="accent4"/>
-          </a:effectRef>
-          <a:fontRef idx="minor">
-            <a:schemeClr val="lt1"/>
-          </a:fontRef>
-        </p:style>
-        <p:txBody>
-          <a:bodyPr wrap="square">
-            <a:spAutoFit/>
-          </a:bodyPr>
-          <a:lstStyle>
-            <a:defPPr>
-              <a:defRPr lang="en-US"/>
-            </a:defPPr>
-            <a:lvl1pPr marL="0" algn="l" defTabSz="914400" rtl="0" eaLnBrk="1" latinLnBrk="0" hangingPunct="1">
-              <a:defRPr sz="1800" kern="1200">
-                <a:solidFill>
-                  <a:schemeClr val="lt1"/>
-                </a:solidFill>
-                <a:latin typeface="+mn-lt"/>
-                <a:ea typeface="+mn-ea"/>
-                <a:cs typeface="+mn-cs"/>
-              </a:defRPr>
-            </a:lvl1pPr>
-            <a:lvl2pPr marL="457200" algn="l" defTabSz="914400" rtl="0" eaLnBrk="1" latinLnBrk="0" hangingPunct="1">
-              <a:defRPr sz="1800" kern="1200">
-                <a:solidFill>
-                  <a:schemeClr val="lt1"/>
-                </a:solidFill>
-                <a:latin typeface="+mn-lt"/>
-                <a:ea typeface="+mn-ea"/>
-                <a:cs typeface="+mn-cs"/>
-              </a:defRPr>
-            </a:lvl2pPr>
-            <a:lvl3pPr marL="914400" algn="l" defTabSz="914400" rtl="0" eaLnBrk="1" latinLnBrk="0" hangingPunct="1">
-              <a:defRPr sz="1800" kern="1200">
-                <a:solidFill>
-                  <a:schemeClr val="lt1"/>
-                </a:solidFill>
-                <a:latin typeface="+mn-lt"/>
-                <a:ea typeface="+mn-ea"/>
-                <a:cs typeface="+mn-cs"/>
-              </a:defRPr>
-            </a:lvl3pPr>
-            <a:lvl4pPr marL="1371600" algn="l" defTabSz="914400" rtl="0" eaLnBrk="1" latinLnBrk="0" hangingPunct="1">
-              <a:defRPr sz="1800" kern="1200">
-                <a:solidFill>
-                  <a:schemeClr val="lt1"/>
-                </a:solidFill>
-                <a:latin typeface="+mn-lt"/>
-                <a:ea typeface="+mn-ea"/>
-                <a:cs typeface="+mn-cs"/>
-              </a:defRPr>
-            </a:lvl4pPr>
-            <a:lvl5pPr marL="1828800" algn="l" defTabSz="914400" rtl="0" eaLnBrk="1" latinLnBrk="0" hangingPunct="1">
-              <a:defRPr sz="1800" kern="1200">
-                <a:solidFill>
-                  <a:schemeClr val="lt1"/>
-                </a:solidFill>
-                <a:latin typeface="+mn-lt"/>
-                <a:ea typeface="+mn-ea"/>
-                <a:cs typeface="+mn-cs"/>
-              </a:defRPr>
-            </a:lvl5pPr>
-            <a:lvl6pPr marL="2286000" algn="l" defTabSz="914400" rtl="0" eaLnBrk="1" latinLnBrk="0" hangingPunct="1">
-              <a:defRPr sz="1800" kern="1200">
-                <a:solidFill>
-                  <a:schemeClr val="lt1"/>
-                </a:solidFill>
-                <a:latin typeface="+mn-lt"/>
-                <a:ea typeface="+mn-ea"/>
-                <a:cs typeface="+mn-cs"/>
-              </a:defRPr>
-            </a:lvl6pPr>
-            <a:lvl7pPr marL="2743200" algn="l" defTabSz="914400" rtl="0" eaLnBrk="1" latinLnBrk="0" hangingPunct="1">
-              <a:defRPr sz="1800" kern="1200">
-                <a:solidFill>
-                  <a:schemeClr val="lt1"/>
-                </a:solidFill>
-                <a:latin typeface="+mn-lt"/>
-                <a:ea typeface="+mn-ea"/>
-                <a:cs typeface="+mn-cs"/>
-              </a:defRPr>
-            </a:lvl7pPr>
-            <a:lvl8pPr marL="3200400" algn="l" defTabSz="914400" rtl="0" eaLnBrk="1" latinLnBrk="0" hangingPunct="1">
-              <a:defRPr sz="1800" kern="1200">
-                <a:solidFill>
-                  <a:schemeClr val="lt1"/>
-                </a:solidFill>
-                <a:latin typeface="+mn-lt"/>
-                <a:ea typeface="+mn-ea"/>
-                <a:cs typeface="+mn-cs"/>
-              </a:defRPr>
-            </a:lvl8pPr>
-            <a:lvl9pPr marL="3657600" algn="l" defTabSz="914400" rtl="0" eaLnBrk="1" latinLnBrk="0" hangingPunct="1">
-              <a:defRPr sz="1800" kern="1200">
-                <a:solidFill>
-                  <a:schemeClr val="lt1"/>
-                </a:solidFill>
-                <a:latin typeface="+mn-lt"/>
-                <a:ea typeface="+mn-ea"/>
-                <a:cs typeface="+mn-cs"/>
-              </a:defRPr>
-            </a:lvl9pPr>
-          </a:lstStyle>
-          <a:p>
-            <a:pPr algn="ctr"/>
-            <a:r>
-              <a:rPr lang="en-US" sz="2000" dirty="0"/>
-              <a:t>DevOps Lifecycle Explained: From Planning to Monitoring</a:t>
-            </a:r>
-          </a:p>
-        </p:txBody>
-      </p:sp>
-      <p:sp>
-        <p:nvSpPr>
-          <p:cNvPr id="5" name="TextBox 4">
-            <a:extLst>
-              <a:ext uri="{FF2B5EF4-FFF2-40B4-BE49-F238E27FC236}">
-                <a16:creationId xmlns:a16="http://schemas.microsoft.com/office/drawing/2014/main" id="{FB124625-4D13-8533-3876-AA81A5614818}"/>
-              </a:ext>
-            </a:extLst>
-          </p:cNvPr>
-          <p:cNvSpPr txBox="1"/>
-          <p:nvPr/>
-        </p:nvSpPr>
-        <p:spPr>
-          <a:xfrm>
-            <a:off x="3047104" y="-7814835"/>
-            <a:ext cx="6094206" cy="44279429"/>
-          </a:xfrm>
-          <a:prstGeom prst="rect">
-            <a:avLst/>
-          </a:prstGeom>
-          <a:noFill/>
-        </p:spPr>
-        <p:txBody>
-          <a:bodyPr wrap="square">
-            <a:spAutoFit/>
-          </a:bodyPr>
-          <a:lstStyle/>
-          <a:p>
-            <a:r>
-              <a:rPr lang="en-US" dirty="0"/>
-              <a:t>The DevOps lifecycle encompasses a set of practices and tools aimed at improving collaboration between development and operations teams to streamline the software delivery process. It focuses on automation, continuous integration, continuous delivery, and continuous feedback to enhance the efficiency, reliability, and quality of software development and deployment. Here's a detailed breakdown for professionals:</a:t>
-            </a:r>
-          </a:p>
-          <a:p>
-            <a:endParaRPr lang="en-US" dirty="0"/>
-          </a:p>
-          <a:p>
-            <a:r>
-              <a:rPr lang="en-US" dirty="0"/>
-              <a:t>### 1. **Planning**</a:t>
-            </a:r>
-          </a:p>
-          <a:p>
-            <a:r>
-              <a:rPr lang="en-US" dirty="0"/>
-              <a:t>   - **Objective**: Define the project scope, requirements, and objectives.</a:t>
-            </a:r>
-          </a:p>
-          <a:p>
-            <a:r>
-              <a:rPr lang="en-US" dirty="0"/>
-              <a:t>   - **Tools**: JIRA, Trello, Asana.</a:t>
-            </a:r>
-          </a:p>
-          <a:p>
-            <a:r>
-              <a:rPr lang="en-US" dirty="0"/>
-              <a:t>   - **Activities**: </a:t>
-            </a:r>
-            <a:r>
-              <a:rPr lang="en-US" dirty="0" err="1"/>
-              <a:t>Roadmapping</a:t>
-            </a:r>
-            <a:r>
-              <a:rPr lang="en-US" dirty="0"/>
-              <a:t>, sprint planning, and backlog grooming.</a:t>
-            </a:r>
-          </a:p>
-          <a:p>
-            <a:endParaRPr lang="en-US" dirty="0"/>
-          </a:p>
-          <a:p>
-            <a:r>
-              <a:rPr lang="en-US" dirty="0"/>
-              <a:t>### 2. **Coding**</a:t>
-            </a:r>
-          </a:p>
-          <a:p>
-            <a:r>
-              <a:rPr lang="en-US" dirty="0"/>
-              <a:t>   - **Objective**: Develop the software application.</a:t>
-            </a:r>
-          </a:p>
-          <a:p>
-            <a:r>
-              <a:rPr lang="en-US" dirty="0"/>
-              <a:t>   - **Tools**: Git, GitHub, GitLab, Bitbucket.</a:t>
-            </a:r>
-          </a:p>
-          <a:p>
-            <a:r>
-              <a:rPr lang="en-US" dirty="0"/>
-              <a:t>   - **Activities**: Writing code, code review, and version control.</a:t>
-            </a:r>
-          </a:p>
-          <a:p>
-            <a:endParaRPr lang="en-US" dirty="0"/>
-          </a:p>
-          <a:p>
-            <a:r>
-              <a:rPr lang="en-US" dirty="0"/>
-              <a:t>### 3. **Building**</a:t>
-            </a:r>
-          </a:p>
-          <a:p>
-            <a:r>
-              <a:rPr lang="en-US" dirty="0"/>
-              <a:t>   - **Objective**: Compile the code and build the application.</a:t>
-            </a:r>
-          </a:p>
-          <a:p>
-            <a:r>
-              <a:rPr lang="en-US" dirty="0"/>
-              <a:t>   - **Tools**: Jenkins, Travis CI, </a:t>
-            </a:r>
-            <a:r>
-              <a:rPr lang="en-US" dirty="0" err="1"/>
-              <a:t>CircleCI</a:t>
-            </a:r>
-            <a:r>
-              <a:rPr lang="en-US" dirty="0"/>
-              <a:t>.</a:t>
-            </a:r>
-          </a:p>
-          <a:p>
-            <a:r>
-              <a:rPr lang="en-US" dirty="0"/>
-              <a:t>   - **Activities**: Automated builds, artifact management, and versioning.</a:t>
-            </a:r>
-          </a:p>
-          <a:p>
-            <a:endParaRPr lang="en-US" dirty="0"/>
-          </a:p>
-          <a:p>
-            <a:r>
-              <a:rPr lang="en-US" dirty="0"/>
-              <a:t>### 4. **Testing**</a:t>
-            </a:r>
-          </a:p>
-          <a:p>
-            <a:r>
-              <a:rPr lang="en-US" dirty="0"/>
-              <a:t>   - **Objective**: Ensure the application is free of bugs and performs as expected.</a:t>
-            </a:r>
-          </a:p>
-          <a:p>
-            <a:r>
-              <a:rPr lang="en-US" dirty="0"/>
-              <a:t>   - **Tools**: Selenium, JUnit, TestNG, Postman.</a:t>
-            </a:r>
-          </a:p>
-          <a:p>
-            <a:r>
-              <a:rPr lang="en-US" dirty="0"/>
-              <a:t>   - **Activities**: Unit testing, integration testing, system testing, and user acceptance testing.</a:t>
-            </a:r>
-          </a:p>
-          <a:p>
-            <a:endParaRPr lang="en-US" dirty="0"/>
-          </a:p>
-          <a:p>
-            <a:r>
-              <a:rPr lang="en-US" dirty="0"/>
-              <a:t>### 5. **Releasing**</a:t>
-            </a:r>
-          </a:p>
-          <a:p>
-            <a:r>
-              <a:rPr lang="en-US" dirty="0"/>
-              <a:t>   - **Objective**: Prepare the application for deployment.</a:t>
-            </a:r>
-          </a:p>
-          <a:p>
-            <a:r>
-              <a:rPr lang="en-US" dirty="0"/>
-              <a:t>   - **Tools**: Jenkins, GitLab CI/CD, Spinnaker.</a:t>
-            </a:r>
-          </a:p>
-          <a:p>
-            <a:r>
-              <a:rPr lang="en-US" dirty="0"/>
-              <a:t>   - **Activities**: Versioning, packaging, and release management.</a:t>
-            </a:r>
-          </a:p>
-          <a:p>
-            <a:endParaRPr lang="en-US" dirty="0"/>
-          </a:p>
-          <a:p>
-            <a:r>
-              <a:rPr lang="en-US" dirty="0"/>
-              <a:t>### 6. **Deploying**</a:t>
-            </a:r>
-          </a:p>
-          <a:p>
-            <a:r>
-              <a:rPr lang="en-US" dirty="0"/>
-              <a:t>   - **Objective**: Deploy the application to the production environment.</a:t>
-            </a:r>
-          </a:p>
-          <a:p>
-            <a:r>
-              <a:rPr lang="en-US" dirty="0"/>
-              <a:t>   - **Tools**: Kubernetes, Docker, AWS </a:t>
-            </a:r>
-            <a:r>
-              <a:rPr lang="en-US" dirty="0" err="1"/>
-              <a:t>CodeDeploy</a:t>
-            </a:r>
-            <a:r>
-              <a:rPr lang="en-US" dirty="0"/>
-              <a:t>.</a:t>
-            </a:r>
-          </a:p>
-          <a:p>
-            <a:r>
-              <a:rPr lang="en-US" dirty="0"/>
-              <a:t>   - **Activities**: Automated deployments, rolling updates, and rollback strategies.</a:t>
-            </a:r>
-          </a:p>
-          <a:p>
-            <a:endParaRPr lang="en-US" dirty="0"/>
-          </a:p>
-          <a:p>
-            <a:r>
-              <a:rPr lang="en-US" dirty="0"/>
-              <a:t>### 7. **Operating**</a:t>
-            </a:r>
-          </a:p>
-          <a:p>
-            <a:r>
-              <a:rPr lang="en-US" dirty="0"/>
-              <a:t>   - **Objective**: Manage and monitor the application in production.</a:t>
-            </a:r>
-          </a:p>
-          <a:p>
-            <a:r>
-              <a:rPr lang="en-US" dirty="0"/>
-              <a:t>   - **Tools**: Prometheus, Nagios, Splunk, New Relic.</a:t>
-            </a:r>
-          </a:p>
-          <a:p>
-            <a:r>
-              <a:rPr lang="en-US" dirty="0"/>
-              <a:t>   - **Activities**: Performance monitoring, logging, and infrastructure management.</a:t>
-            </a:r>
-          </a:p>
-          <a:p>
-            <a:endParaRPr lang="en-US" dirty="0"/>
-          </a:p>
-          <a:p>
-            <a:r>
-              <a:rPr lang="en-US" dirty="0"/>
-              <a:t>### 8. **Monitoring**</a:t>
-            </a:r>
-          </a:p>
-          <a:p>
-            <a:r>
-              <a:rPr lang="en-US" dirty="0"/>
-              <a:t>   - **Objective**: Continuously monitor the application’s performance and user experience.</a:t>
-            </a:r>
-          </a:p>
-          <a:p>
-            <a:r>
-              <a:rPr lang="en-US" dirty="0"/>
-              <a:t>   - **Tools**: Grafana, ELK Stack (Elasticsearch, Logstash, Kibana), Datadog.</a:t>
-            </a:r>
-          </a:p>
-          <a:p>
-            <a:r>
-              <a:rPr lang="en-US" dirty="0"/>
-              <a:t>   - **Activities**: Alerting, incident management, and root cause analysis.</a:t>
-            </a:r>
-          </a:p>
-          <a:p>
-            <a:endParaRPr lang="en-US" dirty="0"/>
-          </a:p>
-          <a:p>
-            <a:r>
-              <a:rPr lang="en-US" dirty="0"/>
-              <a:t>### Key Concepts:</a:t>
-            </a:r>
-          </a:p>
-          <a:p>
-            <a:endParaRPr lang="en-US" dirty="0"/>
-          </a:p>
-          <a:p>
-            <a:r>
-              <a:rPr lang="en-US" dirty="0"/>
-              <a:t>- **Continuous Integration (CI)**: Regularly integrating code changes into a shared repository, followed by automated testing to detect issues early.</a:t>
-            </a:r>
-          </a:p>
-          <a:p>
-            <a:r>
-              <a:rPr lang="en-US" dirty="0"/>
-              <a:t>- **Continuous Delivery (CD)**: Ensuring that code changes are automatically tested and prepared for a release to production.</a:t>
-            </a:r>
-          </a:p>
-          <a:p>
-            <a:r>
-              <a:rPr lang="en-US" dirty="0"/>
-              <a:t>- **Continuous Deployment**: Extending continuous delivery by automatically deploying every change that passes all stages of the production pipeline.</a:t>
-            </a:r>
-          </a:p>
-          <a:p>
-            <a:r>
-              <a:rPr lang="en-US" dirty="0"/>
-              <a:t>- **Infrastructure as Code (</a:t>
-            </a:r>
-            <a:r>
-              <a:rPr lang="en-US" dirty="0" err="1"/>
-              <a:t>IaC</a:t>
-            </a:r>
-            <a:r>
-              <a:rPr lang="en-US" dirty="0"/>
-              <a:t>)**: Managing and provisioning computing infrastructure through machine-readable scripts, rather than physical hardware configuration or interactive configuration tools.</a:t>
-            </a:r>
-          </a:p>
-          <a:p>
-            <a:r>
-              <a:rPr lang="en-US" dirty="0"/>
-              <a:t>- **Automation**: Leveraging tools and scripts to automate repetitive tasks, reducing the risk of human error and increasing efficiency.</a:t>
-            </a:r>
-          </a:p>
-          <a:p>
-            <a:endParaRPr lang="en-US" dirty="0"/>
-          </a:p>
-          <a:p>
-            <a:r>
-              <a:rPr lang="en-US" dirty="0"/>
-              <a:t>### Benefits:</a:t>
-            </a:r>
-          </a:p>
-          <a:p>
-            <a:r>
-              <a:rPr lang="en-US" dirty="0"/>
-              <a:t>- **Improved Collaboration**: Fosters a culture of collaboration between development and operations teams.</a:t>
-            </a:r>
-          </a:p>
-          <a:p>
-            <a:r>
-              <a:rPr lang="en-US" dirty="0"/>
-              <a:t>- **Faster Time-to-Market**: Accelerates the software delivery process, allowing for quicker releases and updates.</a:t>
-            </a:r>
-          </a:p>
-          <a:p>
-            <a:r>
-              <a:rPr lang="en-US" dirty="0"/>
-              <a:t>- **Increased Reliability**: Enhances the stability and reliability of software through automated testing and monitoring.</a:t>
-            </a:r>
-          </a:p>
-          <a:p>
-            <a:r>
-              <a:rPr lang="en-US" dirty="0"/>
-              <a:t>- **Enhanced Security**: Integrates security practices within the DevOps process, ensuring continuous security assessment and compliance.</a:t>
-            </a:r>
-          </a:p>
-          <a:p>
-            <a:endParaRPr lang="en-US" dirty="0"/>
-          </a:p>
-          <a:p>
-            <a:r>
-              <a:rPr lang="en-US" dirty="0"/>
-              <a:t>By following the DevOps lifecycle, organizations can achieve higher efficiency, faster development cycles, improved quality, and better alignment between development and operational goals.</a:t>
-            </a:r>
-          </a:p>
-        </p:txBody>
-      </p:sp>
-    </p:spTree>
-    <p:extLst>
-      <p:ext uri="{BB962C8B-B14F-4D97-AF65-F5344CB8AC3E}">
-        <p14:creationId xmlns:p14="http://schemas.microsoft.com/office/powerpoint/2010/main" val="1785935169"/>
       </p:ext>
     </p:extLst>
   </p:cSld>
@@ -7404,6 +6875,36 @@
           <a:chExt cx="0" cy="0"/>
         </a:xfrm>
       </p:grpSpPr>
+      <p:pic>
+        <p:nvPicPr>
+          <p:cNvPr id="8" name="Picture 7">
+            <a:extLst>
+              <a:ext uri="{FF2B5EF4-FFF2-40B4-BE49-F238E27FC236}">
+                <a16:creationId xmlns:a16="http://schemas.microsoft.com/office/drawing/2014/main" id="{5276F21F-A20C-6723-4C91-799F289121F4}"/>
+              </a:ext>
+            </a:extLst>
+          </p:cNvPr>
+          <p:cNvPicPr>
+            <a:picLocks noChangeAspect="1"/>
+          </p:cNvPicPr>
+          <p:nvPr/>
+        </p:nvPicPr>
+        <p:blipFill>
+          <a:blip r:embed="rId3"/>
+          <a:stretch>
+            <a:fillRect/>
+          </a:stretch>
+        </p:blipFill>
+        <p:spPr>
+          <a:xfrm>
+            <a:off x="3211181" y="3250120"/>
+            <a:ext cx="5734850" cy="3134162"/>
+          </a:xfrm>
+          <a:prstGeom prst="rect">
+            <a:avLst/>
+          </a:prstGeom>
+        </p:spPr>
+      </p:pic>
       <p:sp>
         <p:nvSpPr>
           <p:cNvPr id="3" name="AutoShape 2" descr="data:image/png;base64,iVBORw0KGgoAAAANSUhEUgAAANEAAADxCAMAAABiSKLrAAAAbFBMVEWIiIj////6+vr29vb19fX4+Pj5+fnu7u77+/v39/f9/f3z8/P+/v709PT8/Pyqqqrt7e3v7+/w8PDx8fHy8vK+vr7Q0NCjo6OBgYHY2Njk5OTHx8eNjY3c3NzGxsbn5+eWlpa1tbWcnJx6enob4+f+AAAIqklEQVR4nO3dCZuaOhQGYEZAh0FkX2W1//8/lkVMICeIkRmOPHz22lYg5OVEZLFzJRNrnC+xSGt3nJvQekMUYktnEiM1ouDrjCs/pukLkzoRtpjmNRcloRUFoiS8oo5UvLwsYpEgCaXoHLYiMRJqkRAJt0iEhFwkQMIqCgJRElpRLErCL3r1oxavSJSEWCRIQikyOtGQNPd8CaXICc04FiXhFomQkIsESChFbmhmwiT0opf3eBivMzSjLuORnh49oKxRKxIloayR24oESShFRScSI6EUJaGZCJNwiwhp/skFcpFAlbCLXiehF71MQisSJiEVVYkwqRP9oEpXI1HSXXRuWjo/2jz3f3v8YfjS7871lbU1EiT1IjrAKrvX/2iurzisijkk8OQC5ah7iERIyEUCJOyi10noRU9J490DUpFPRAApniJhFVnzSaOdOF6RKAmlKGhFgiTMohdIyYeIhEh30aV99E9NLo8VXLqn++Q/mIuIREid6DJsv32s91Ityi1hEtJRl5+ESX2NMKUR2ZYoCbNIjIRV5FiiJIyicx7mriVEKnCKfvxadBIloRQ1NTqJkcICpcgPr7rjOPYJZnFNbZVwikw/YHNlXmDi4xW9kU70jSnNqOu/xL4R0aWg3yNMgNHWp0I66i7Dy5PsdXFuApw1Eg8RndfuykLZa4Q/512EPrsIfzYtOmwje43wh4h+1u7KQvm5bk601wh9NlijXYQ+uwh/HqLrZkTXh+h4PDQP8lQ/PvAlSrT2xl0oRHQ5biOXXYQ+uwh/dhH+7CL82bRI3Ua2XKPvtTfuQvneReizi/BnF+HPLsKfTYu0bYQWsd5PfImIDmtv3IVy2EXos4vwZxfhzy7CH0okbyO7CH+2/D46rr1xF8pxF6HPLsKfXYQ/uwh/KJGyjWxatPZwWShEpK69cReKuovQZxfhzy7Cn12EP0SkGduItmHRzFF3P3r63ZHzTl4YdYqsHg/e/YdF2e7xcFRVrba109gMFp2evGhmjzpFVZLcvJVpl7K8hWaVB1liNVNdJh7VZ4Wd7P4aaa5I866lFEnDRHWksC5eVgtH8VWy8PHGTE5V/rr+QqSocTnm9CpTM+SMmRhVVJcPKbPYv5VFcs7x1F3P1eeikl1sXZHGB0lRLH+eSI75ICk6KZ8nctkOkaQN+cNEWjBRIimU0YpkHY4hmxOgqNIMHRaRJo6giLO+dyM/F1nsvpfqWVAv92Eihe0u3bNE+TgR/FkURfWhUHPMIBsguh6N0yKNs7o/EGkVIEpj+XA8fltJ0GzqDxMdQwBka+2gqQ/p9FYkpaNIiEXuje3OddQfg738rFCTcYmME9sdKXntbY1MBOy802JrotJ6bSUiInLia7y2+aZEbXuyxXbn5vXXGQazDs+6xUWGoql2kXU/DDrOssLWNFmZ65oQufeflwvU6PHDdO8ki/0xu/Rb7RVRvZNJgupW7y3bU+T6JLnej97MPLNUhbPIbJEV9U2y/eknHds5lfhfNMo/sb23oRX5LQXWGUmpGdtz3nxEpOiep7eP+5MFUEZJj+0SCnsCVX/CkrZUQFRvQG+8RkNOzHTi5LL0rW6x8YL0bwolGtdolqir0fQxAyQCNrdsVczFmdFS6fXp+4kSecPMEqntrAYkkklTYI288frkYKI+j+XCYtzRUdCIdMV/7mkWTDNmY6AU6bo5C9QknqwSEpFuzAdJUjZFQiJSoFMWfhIDu0ievDjD5ubquEV6AjVet3krU3B/Hvn8cYdDBJxUSlKVaJqmWvENMiXcImEQKcCYi26W1nZaN9SAXXFkcos0JZpxXLeICDpLDnVSBDkDusAtEhGN72p5J78LcMbn9+nudemgiDSlASLF66cC20NKbZ3qCnAnIfKp9gcxiIjVPj8/8mbVCBY9VsNes42C4YgBrgyUJ06NpkRdCuD8yB418pYIOkl2hyuQ2SOkKOMMO4M76vrBB4sG84Cjjrr5Cooeo4TdLwyGbLsC4IKgD93dHY66lUQye7gQxfqgfdcDhr7JeSOtLoL2dOn4KEdX2E+s0hp24j3RaUERsPnLLBmlYPceaYJVBB0Bja85p8ANn3rXgFX02kEqaSGAeywoGs7zjghYdqYoxyp68USCtMDZfX+wqHomav53fkBcWDSYx4NEBpkuAyLj3oSwSDIVsMM6ETVAp/3V/KG2tP/xRPRccI1IW7Comyr8PupE9052bbW/0yLHpX/1T1wRmQuskULa4oqcd/Z1pjLu6li0zqgDP49m5fmo+2NR3z50zFBYczLsBB6Rxx6y8Q5wRoE7LCaylhM5BnTs7cGdmZP1RZzdygeLXOjW9fg94jYXUnjjbBHRcJ5nImVKBA67fFgkL/HzIE4KRW7vM0/i/kQ0WSPHg75KldHdqc+h7pfZ0jKs/GuDM3hvNSLizSEqoroE1Yia7ELf00kIWS/o09z+EmLA6bC3hMh9TwRskDq51x47e4Zzhc73Qt64wyByPOjmUVT6cZZkcQV+0zxNflX05qgD36tSe3MilcCr1FLEe9sPRDYYjmgwD1wjMl1hm4h0ugF43PETVd6wB3RbKES2Pu+2cr9waHFBWESO+8JtyxrkckFYRDa8dxAAoRHNH3hRNTHkUIlsY9Z3TqR6LzcFokScSsKi4TzPRMYske0VT78XJJkJZ8uTzojV6FdEtmNkE9/diqLUzJTpAtmzalQyF6FvI5ETA9+OpraQwTYhwRvQMYqryX6sNn8vq8AynnqoGuXuCY7N/vMR3R7N47DzePR04J+gjJt4rM7V3SzwzbC8FzYtb2Z1jQtDd3nLDOLmD1E9v90++qfT4Lfh5N+cq/508shXb5st6Ll1cWa2RYu2EUo0p6QfkF2EP7sIf3YR/hCRs3ZXFoqzYdEGR92su1D4Q486yzq1D/L0iS85W67R2l1ZKLsIfzYs4l05+bg8rpxU/lZS3UXbyvZE/wFXu+LXNTDaDQAAAABJRU5ErkJggg=="/>
@@ -7586,29 +7087,19 @@
           <a:prstGeom prst="flowChartAlternateProcess">
             <a:avLst/>
           </a:prstGeom>
-          <a:solidFill>
-            <a:schemeClr val="bg2"/>
-          </a:solidFill>
-          <a:scene3d>
-            <a:camera prst="orthographicFront"/>
-            <a:lightRig rig="threePt" dir="t"/>
-          </a:scene3d>
-          <a:sp3d>
-            <a:bevelT w="165100" prst="coolSlant"/>
-          </a:sp3d>
         </p:spPr>
         <p:style>
-          <a:lnRef idx="1">
-            <a:schemeClr val="accent1"/>
+          <a:lnRef idx="2">
+            <a:schemeClr val="accent6"/>
           </a:lnRef>
-          <a:fillRef idx="3">
-            <a:schemeClr val="accent1"/>
+          <a:fillRef idx="1">
+            <a:schemeClr val="lt1"/>
           </a:fillRef>
-          <a:effectRef idx="2">
-            <a:schemeClr val="accent1"/>
+          <a:effectRef idx="0">
+            <a:schemeClr val="accent6"/>
           </a:effectRef>
           <a:fontRef idx="minor">
-            <a:schemeClr val="lt1"/>
+            <a:schemeClr val="dk1"/>
           </a:fontRef>
         </p:style>
         <p:txBody>
@@ -7616,89 +7107,101 @@
           <a:lstStyle/>
           <a:p>
             <a:r>
-              <a:rPr lang="en-US" sz="1800" b="1" dirty="0">
+              <a:rPr lang="en-US" sz="2800" b="1" dirty="0">
+                <a:solidFill>
+                  <a:srgbClr val="C00000"/>
+                </a:solidFill>
+              </a:rPr>
+              <a:t>1. Planning</a:t>
+            </a:r>
+            <a:br>
+              <a:rPr lang="en-US" sz="2800" b="1" dirty="0">
+                <a:solidFill>
+                  <a:srgbClr val="C00000"/>
+                </a:solidFill>
+              </a:rPr>
+            </a:br>
+            <a:endParaRPr lang="en-US" sz="2800" b="1" dirty="0">
+              <a:solidFill>
+                <a:srgbClr val="C00000"/>
+              </a:solidFill>
+            </a:endParaRPr>
+          </a:p>
+          <a:p>
+            <a:pPr marL="966338" lvl="1" indent="-342900">
+              <a:buFont typeface="Wingdings" panose="05000000000000000000" pitchFamily="2" charset="2"/>
+              <a:buChar char="ü"/>
+            </a:pPr>
+            <a:r>
+              <a:rPr lang="en-US" sz="2000" b="1" dirty="0">
                 <a:solidFill>
                   <a:schemeClr val="tx1"/>
                 </a:solidFill>
               </a:rPr>
-              <a:t>1. Planning</a:t>
-            </a:r>
-          </a:p>
-          <a:p>
-            <a:pPr>
-              <a:buFont typeface="Arial" panose="020B0604020202020204" pitchFamily="34" charset="0"/>
-              <a:buChar char="•"/>
+              <a:t>Objective</a:t>
+            </a:r>
+            <a:r>
+              <a:rPr lang="en-US" sz="2000" dirty="0">
+                <a:solidFill>
+                  <a:schemeClr val="tx1"/>
+                </a:solidFill>
+              </a:rPr>
+              <a:t>: Define the project scope, requirements, and objectives.</a:t>
+            </a:r>
+          </a:p>
+          <a:p>
+            <a:pPr marL="966338" lvl="1" indent="-342900">
+              <a:buFont typeface="Wingdings" panose="05000000000000000000" pitchFamily="2" charset="2"/>
+              <a:buChar char="ü"/>
             </a:pPr>
             <a:r>
-              <a:rPr lang="en-US" sz="1800" b="1" dirty="0">
+              <a:rPr lang="en-US" sz="2000" b="1" dirty="0">
                 <a:solidFill>
                   <a:schemeClr val="tx1"/>
                 </a:solidFill>
               </a:rPr>
-              <a:t>Objective</a:t>
-            </a:r>
-            <a:r>
-              <a:rPr lang="en-US" sz="1800" dirty="0">
+              <a:t>Tools</a:t>
+            </a:r>
+            <a:r>
+              <a:rPr lang="en-US" sz="2000" dirty="0">
                 <a:solidFill>
                   <a:schemeClr val="tx1"/>
                 </a:solidFill>
               </a:rPr>
-              <a:t>: Define the project scope, requirements, and objectives.</a:t>
-            </a:r>
-          </a:p>
-          <a:p>
-            <a:pPr>
-              <a:buFont typeface="Arial" panose="020B0604020202020204" pitchFamily="34" charset="0"/>
-              <a:buChar char="•"/>
+              <a:t>: JIRA, Trello, Asana.</a:t>
+            </a:r>
+          </a:p>
+          <a:p>
+            <a:pPr marL="966338" lvl="1" indent="-342900">
+              <a:buFont typeface="Wingdings" panose="05000000000000000000" pitchFamily="2" charset="2"/>
+              <a:buChar char="ü"/>
             </a:pPr>
             <a:r>
-              <a:rPr lang="en-US" sz="1800" b="1" dirty="0">
+              <a:rPr lang="en-US" sz="2000" b="1" dirty="0">
                 <a:solidFill>
                   <a:schemeClr val="tx1"/>
                 </a:solidFill>
               </a:rPr>
-              <a:t>Tools</a:t>
-            </a:r>
-            <a:r>
-              <a:rPr lang="en-US" sz="1800" dirty="0">
+              <a:t>Activities</a:t>
+            </a:r>
+            <a:r>
+              <a:rPr lang="en-US" sz="2000" dirty="0">
                 <a:solidFill>
                   <a:schemeClr val="tx1"/>
                 </a:solidFill>
               </a:rPr>
-              <a:t>: JIRA, Trello, Asana.</a:t>
-            </a:r>
-          </a:p>
-          <a:p>
-            <a:pPr>
-              <a:buFont typeface="Arial" panose="020B0604020202020204" pitchFamily="34" charset="0"/>
-              <a:buChar char="•"/>
-            </a:pPr>
-            <a:r>
-              <a:rPr lang="en-US" sz="1800" b="1" dirty="0">
+              <a:t>: </a:t>
+            </a:r>
+            <a:r>
+              <a:rPr lang="en-US" sz="2000" dirty="0" err="1">
                 <a:solidFill>
                   <a:schemeClr val="tx1"/>
                 </a:solidFill>
               </a:rPr>
-              <a:t>Activities</a:t>
-            </a:r>
-            <a:r>
-              <a:rPr lang="en-US" sz="1800" dirty="0">
-                <a:solidFill>
-                  <a:schemeClr val="tx1"/>
-                </a:solidFill>
-              </a:rPr>
-              <a:t>: </a:t>
-            </a:r>
-            <a:r>
-              <a:rPr lang="en-US" sz="1800" dirty="0" err="1">
-                <a:solidFill>
-                  <a:schemeClr val="tx1"/>
-                </a:solidFill>
-              </a:rPr>
               <a:t>Roadmapping</a:t>
             </a:r>
             <a:r>
-              <a:rPr lang="en-US" sz="1800" dirty="0">
+              <a:rPr lang="en-US" sz="2000" dirty="0">
                 <a:solidFill>
                   <a:schemeClr val="tx1"/>
                 </a:solidFill>
@@ -7725,8 +7228,8 @@
         </p:nvCxnSpPr>
         <p:spPr>
           <a:xfrm flipH="1">
-            <a:off x="5791200" y="2749013"/>
-            <a:ext cx="293770" cy="1594387"/>
+            <a:off x="5715000" y="2749013"/>
+            <a:ext cx="369970" cy="1518187"/>
           </a:xfrm>
           <a:prstGeom prst="straightConnector1">
             <a:avLst/>
@@ -7931,6 +7434,36 @@
           <a:chExt cx="0" cy="0"/>
         </a:xfrm>
       </p:grpSpPr>
+      <p:pic>
+        <p:nvPicPr>
+          <p:cNvPr id="8" name="Picture 7">
+            <a:extLst>
+              <a:ext uri="{FF2B5EF4-FFF2-40B4-BE49-F238E27FC236}">
+                <a16:creationId xmlns:a16="http://schemas.microsoft.com/office/drawing/2014/main" id="{F7C7CFB9-68DA-D878-8BBA-77EFEC1FE4F9}"/>
+              </a:ext>
+            </a:extLst>
+          </p:cNvPr>
+          <p:cNvPicPr>
+            <a:picLocks noChangeAspect="1"/>
+          </p:cNvPicPr>
+          <p:nvPr/>
+        </p:nvPicPr>
+        <p:blipFill>
+          <a:blip r:embed="rId3"/>
+          <a:stretch>
+            <a:fillRect/>
+          </a:stretch>
+        </p:blipFill>
+        <p:spPr>
+          <a:xfrm>
+            <a:off x="3211181" y="3250120"/>
+            <a:ext cx="5734850" cy="3134162"/>
+          </a:xfrm>
+          <a:prstGeom prst="rect">
+            <a:avLst/>
+          </a:prstGeom>
+        </p:spPr>
+      </p:pic>
       <p:sp>
         <p:nvSpPr>
           <p:cNvPr id="3" name="AutoShape 2" descr="data:image/png;base64,iVBORw0KGgoAAAANSUhEUgAAANEAAADxCAMAAABiSKLrAAAAbFBMVEWIiIj////6+vr29vb19fX4+Pj5+fnu7u77+/v39/f9/f3z8/P+/v709PT8/Pyqqqrt7e3v7+/w8PDx8fHy8vK+vr7Q0NCjo6OBgYHY2Njk5OTHx8eNjY3c3NzGxsbn5+eWlpa1tbWcnJx6enob4+f+AAAIqklEQVR4nO3dCZuaOhQGYEZAh0FkX2W1//8/lkVMICeIkRmOPHz22lYg5OVEZLFzJRNrnC+xSGt3nJvQekMUYktnEiM1ouDrjCs/pukLkzoRtpjmNRcloRUFoiS8oo5UvLwsYpEgCaXoHLYiMRJqkRAJt0iEhFwkQMIqCgJRElpRLErCL3r1oxavSJSEWCRIQikyOtGQNPd8CaXICc04FiXhFomQkIsESChFbmhmwiT0opf3eBivMzSjLuORnh49oKxRKxIloayR24oESShFRScSI6EUJaGZCJNwiwhp/skFcpFAlbCLXiehF71MQisSJiEVVYkwqRP9oEpXI1HSXXRuWjo/2jz3f3v8YfjS7871lbU1EiT1IjrAKrvX/2iurzisijkk8OQC5ah7iERIyEUCJOyi10noRU9J490DUpFPRAApniJhFVnzSaOdOF6RKAmlKGhFgiTMohdIyYeIhEh30aV99E9NLo8VXLqn++Q/mIuIREid6DJsv32s91Ityi1hEtJRl5+ESX2NMKUR2ZYoCbNIjIRV5FiiJIyicx7mriVEKnCKfvxadBIloRQ1NTqJkcICpcgPr7rjOPYJZnFNbZVwikw/YHNlXmDi4xW9kU70jSnNqOu/xL4R0aWg3yNMgNHWp0I66i7Dy5PsdXFuApw1Eg8RndfuykLZa4Q/512EPrsIfzYtOmwje43wh4h+1u7KQvm5bk601wh9NlijXYQ+uwh/HqLrZkTXh+h4PDQP8lQ/PvAlSrT2xl0oRHQ5biOXXYQ+uwh/dhH+7CL82bRI3Ua2XKPvtTfuQvneReizi/BnF+HPLsKfTYu0bYQWsd5PfImIDmtv3IVy2EXos4vwZxfhzy7CH0okbyO7CH+2/D46rr1xF8pxF6HPLsKfXYQ/uwh/KJGyjWxatPZwWShEpK69cReKuovQZxfhzy7Cn12EP0SkGduItmHRzFF3P3r63ZHzTl4YdYqsHg/e/YdF2e7xcFRVrba109gMFp2evGhmjzpFVZLcvJVpl7K8hWaVB1liNVNdJh7VZ4Wd7P4aaa5I866lFEnDRHWksC5eVgtH8VWy8PHGTE5V/rr+QqSocTnm9CpTM+SMmRhVVJcPKbPYv5VFcs7x1F3P1eeikl1sXZHGB0lRLH+eSI75ICk6KZ8nctkOkaQN+cNEWjBRIimU0YpkHY4hmxOgqNIMHRaRJo6giLO+dyM/F1nsvpfqWVAv92Eihe0u3bNE+TgR/FkURfWhUHPMIBsguh6N0yKNs7o/EGkVIEpj+XA8fltJ0GzqDxMdQwBka+2gqQ/p9FYkpaNIiEXuje3OddQfg738rFCTcYmME9sdKXntbY1MBOy802JrotJ6bSUiInLia7y2+aZEbXuyxXbn5vXXGQazDs+6xUWGoql2kXU/DDrOssLWNFmZ65oQufeflwvU6PHDdO8ki/0xu/Rb7RVRvZNJgupW7y3bU+T6JLnej97MPLNUhbPIbJEV9U2y/eknHds5lfhfNMo/sb23oRX5LQXWGUmpGdtz3nxEpOiep7eP+5MFUEZJj+0SCnsCVX/CkrZUQFRvQG+8RkNOzHTi5LL0rW6x8YL0bwolGtdolqir0fQxAyQCNrdsVczFmdFS6fXp+4kSecPMEqntrAYkkklTYI288frkYKI+j+XCYtzRUdCIdMV/7mkWTDNmY6AU6bo5C9QknqwSEpFuzAdJUjZFQiJSoFMWfhIDu0ievDjD5ubquEV6AjVet3krU3B/Hvn8cYdDBJxUSlKVaJqmWvENMiXcImEQKcCYi26W1nZaN9SAXXFkcos0JZpxXLeICDpLDnVSBDkDusAtEhGN72p5J78LcMbn9+nudemgiDSlASLF66cC20NKbZ3qCnAnIfKp9gcxiIjVPj8/8mbVCBY9VsNes42C4YgBrgyUJ06NpkRdCuD8yB418pYIOkl2hyuQ2SOkKOMMO4M76vrBB4sG84Cjjrr5Cooeo4TdLwyGbLsC4IKgD93dHY66lUQye7gQxfqgfdcDhr7JeSOtLoL2dOn4KEdX2E+s0hp24j3RaUERsPnLLBmlYPceaYJVBB0Bja85p8ANn3rXgFX02kEqaSGAeywoGs7zjghYdqYoxyp68USCtMDZfX+wqHomav53fkBcWDSYx4NEBpkuAyLj3oSwSDIVsMM6ETVAp/3V/KG2tP/xRPRccI1IW7Comyr8PupE9052bbW/0yLHpX/1T1wRmQuskULa4oqcd/Z1pjLu6li0zqgDP49m5fmo+2NR3z50zFBYczLsBB6Rxx6y8Q5wRoE7LCaylhM5BnTs7cGdmZP1RZzdygeLXOjW9fg94jYXUnjjbBHRcJ5nImVKBA67fFgkL/HzIE4KRW7vM0/i/kQ0WSPHg75KldHdqc+h7pfZ0jKs/GuDM3hvNSLizSEqoroE1Yia7ELf00kIWS/o09z+EmLA6bC3hMh9TwRskDq51x47e4Zzhc73Qt64wyByPOjmUVT6cZZkcQV+0zxNflX05qgD36tSe3MilcCr1FLEe9sPRDYYjmgwD1wjMl1hm4h0ugF43PETVd6wB3RbKES2Pu+2cr9waHFBWESO+8JtyxrkckFYRDa8dxAAoRHNH3hRNTHkUIlsY9Z3TqR6LzcFokScSsKi4TzPRMYske0VT78XJJkJZ8uTzojV6FdEtmNkE9/diqLUzJTpAtmzalQyF6FvI5ETA9+OpraQwTYhwRvQMYqryX6sNn8vq8AynnqoGuXuCY7N/vMR3R7N47DzePR04J+gjJt4rM7V3SzwzbC8FzYtb2Z1jQtDd3nLDOLmD1E9v90++qfT4Lfh5N+cq/508shXb5st6Ll1cWa2RYu2EUo0p6QfkF2EP7sIf3YR/hCRs3ZXFoqzYdEGR92su1D4Q486yzq1D/L0iS85W67R2l1ZKLsIfzYs4l05+bg8rpxU/lZS3UXbyvZE/wFXu+LXNTDaDQAAAABJRU5ErkJggg=="/>
@@ -8113,29 +7646,19 @@
           <a:prstGeom prst="flowChartAlternateProcess">
             <a:avLst/>
           </a:prstGeom>
-          <a:solidFill>
-            <a:schemeClr val="bg2"/>
-          </a:solidFill>
-          <a:scene3d>
-            <a:camera prst="orthographicFront"/>
-            <a:lightRig rig="threePt" dir="t"/>
-          </a:scene3d>
-          <a:sp3d>
-            <a:bevelT w="165100" prst="coolSlant"/>
-          </a:sp3d>
         </p:spPr>
         <p:style>
-          <a:lnRef idx="1">
-            <a:schemeClr val="accent1"/>
+          <a:lnRef idx="2">
+            <a:schemeClr val="accent6"/>
           </a:lnRef>
-          <a:fillRef idx="3">
-            <a:schemeClr val="accent1"/>
+          <a:fillRef idx="1">
+            <a:schemeClr val="lt1"/>
           </a:fillRef>
-          <a:effectRef idx="2">
-            <a:schemeClr val="accent1"/>
+          <a:effectRef idx="0">
+            <a:schemeClr val="accent6"/>
           </a:effectRef>
           <a:fontRef idx="minor">
-            <a:schemeClr val="lt1"/>
+            <a:schemeClr val="dk1"/>
           </a:fontRef>
         </p:style>
         <p:txBody>
@@ -8143,18 +7666,30 @@
           <a:lstStyle/>
           <a:p>
             <a:r>
+              <a:rPr lang="en-US" sz="2800" b="1" dirty="0">
+                <a:solidFill>
+                  <a:srgbClr val="C00000"/>
+                </a:solidFill>
+              </a:rPr>
+              <a:t>2. Coding</a:t>
+            </a:r>
+            <a:br>
               <a:rPr lang="en-US" sz="2000" b="1" dirty="0">
                 <a:solidFill>
                   <a:schemeClr val="tx1"/>
                 </a:solidFill>
               </a:rPr>
-              <a:t>2. Coding</a:t>
-            </a:r>
-          </a:p>
-          <a:p>
-            <a:pPr>
-              <a:buFont typeface="Arial" panose="020B0604020202020204" pitchFamily="34" charset="0"/>
-              <a:buChar char="•"/>
+            </a:br>
+            <a:endParaRPr lang="en-US" sz="2000" b="1" dirty="0">
+              <a:solidFill>
+                <a:schemeClr val="tx1"/>
+              </a:solidFill>
+            </a:endParaRPr>
+          </a:p>
+          <a:p>
+            <a:pPr marL="966338" lvl="1" indent="-342900">
+              <a:buFont typeface="Wingdings" panose="05000000000000000000" pitchFamily="2" charset="2"/>
+              <a:buChar char="ü"/>
             </a:pPr>
             <a:r>
               <a:rPr lang="en-US" sz="2000" b="1" dirty="0">
@@ -8174,9 +7709,9 @@
             </a:r>
           </a:p>
           <a:p>
-            <a:pPr>
-              <a:buFont typeface="Arial" panose="020B0604020202020204" pitchFamily="34" charset="0"/>
-              <a:buChar char="•"/>
+            <a:pPr marL="966338" lvl="1" indent="-342900">
+              <a:buFont typeface="Wingdings" panose="05000000000000000000" pitchFamily="2" charset="2"/>
+              <a:buChar char="ü"/>
             </a:pPr>
             <a:r>
               <a:rPr lang="en-US" sz="2000" b="1" dirty="0">
@@ -8196,9 +7731,9 @@
             </a:r>
           </a:p>
           <a:p>
-            <a:pPr>
-              <a:buFont typeface="Arial" panose="020B0604020202020204" pitchFamily="34" charset="0"/>
-              <a:buChar char="•"/>
+            <a:pPr marL="966338" lvl="1" indent="-342900">
+              <a:buFont typeface="Wingdings" panose="05000000000000000000" pitchFamily="2" charset="2"/>
+              <a:buChar char="ü"/>
             </a:pPr>
             <a:r>
               <a:rPr lang="en-US" sz="2000" b="1" dirty="0">
@@ -8230,14 +7765,13 @@
           </p:cNvPr>
           <p:cNvCxnSpPr>
             <a:cxnSpLocks/>
-            <a:stCxn id="12" idx="2"/>
           </p:cNvCxnSpPr>
           <p:nvPr/>
         </p:nvCxnSpPr>
         <p:spPr>
           <a:xfrm flipH="1">
-            <a:off x="5181600" y="2743200"/>
-            <a:ext cx="941918" cy="838200"/>
+            <a:off x="4648200" y="2730502"/>
+            <a:ext cx="560918" cy="1079498"/>
           </a:xfrm>
           <a:prstGeom prst="straightConnector1">
             <a:avLst/>
@@ -8442,6 +7976,36 @@
           <a:chExt cx="0" cy="0"/>
         </a:xfrm>
       </p:grpSpPr>
+      <p:pic>
+        <p:nvPicPr>
+          <p:cNvPr id="8" name="Picture 7">
+            <a:extLst>
+              <a:ext uri="{FF2B5EF4-FFF2-40B4-BE49-F238E27FC236}">
+                <a16:creationId xmlns:a16="http://schemas.microsoft.com/office/drawing/2014/main" id="{0AB7384E-E34C-8E9D-C02C-B817BA7D6F0F}"/>
+              </a:ext>
+            </a:extLst>
+          </p:cNvPr>
+          <p:cNvPicPr>
+            <a:picLocks noChangeAspect="1"/>
+          </p:cNvPicPr>
+          <p:nvPr/>
+        </p:nvPicPr>
+        <p:blipFill>
+          <a:blip r:embed="rId3"/>
+          <a:stretch>
+            <a:fillRect/>
+          </a:stretch>
+        </p:blipFill>
+        <p:spPr>
+          <a:xfrm>
+            <a:off x="3211181" y="3250120"/>
+            <a:ext cx="5734850" cy="3134162"/>
+          </a:xfrm>
+          <a:prstGeom prst="rect">
+            <a:avLst/>
+          </a:prstGeom>
+        </p:spPr>
+      </p:pic>
       <p:sp>
         <p:nvSpPr>
           <p:cNvPr id="3" name="AutoShape 2" descr="data:image/png;base64,iVBORw0KGgoAAAANSUhEUgAAANEAAADxCAMAAABiSKLrAAAAbFBMVEWIiIj////6+vr29vb19fX4+Pj5+fnu7u77+/v39/f9/f3z8/P+/v709PT8/Pyqqqrt7e3v7+/w8PDx8fHy8vK+vr7Q0NCjo6OBgYHY2Njk5OTHx8eNjY3c3NzGxsbn5+eWlpa1tbWcnJx6enob4+f+AAAIqklEQVR4nO3dCZuaOhQGYEZAh0FkX2W1//8/lkVMICeIkRmOPHz22lYg5OVEZLFzJRNrnC+xSGt3nJvQekMUYktnEiM1ouDrjCs/pukLkzoRtpjmNRcloRUFoiS8oo5UvLwsYpEgCaXoHLYiMRJqkRAJt0iEhFwkQMIqCgJRElpRLErCL3r1oxavSJSEWCRIQikyOtGQNPd8CaXICc04FiXhFomQkIsESChFbmhmwiT0opf3eBivMzSjLuORnh49oKxRKxIloayR24oESShFRScSI6EUJaGZCJNwiwhp/skFcpFAlbCLXiehF71MQisSJiEVVYkwqRP9oEpXI1HSXXRuWjo/2jz3f3v8YfjS7871lbU1EiT1IjrAKrvX/2iurzisijkk8OQC5ah7iERIyEUCJOyi10noRU9J490DUpFPRAApniJhFVnzSaOdOF6RKAmlKGhFgiTMohdIyYeIhEh30aV99E9NLo8VXLqn++Q/mIuIREid6DJsv32s91Ityi1hEtJRl5+ESX2NMKUR2ZYoCbNIjIRV5FiiJIyicx7mriVEKnCKfvxadBIloRQ1NTqJkcICpcgPr7rjOPYJZnFNbZVwikw/YHNlXmDi4xW9kU70jSnNqOu/xL4R0aWg3yNMgNHWp0I66i7Dy5PsdXFuApw1Eg8RndfuykLZa4Q/512EPrsIfzYtOmwje43wh4h+1u7KQvm5bk601wh9NlijXYQ+uwh/HqLrZkTXh+h4PDQP8lQ/PvAlSrT2xl0oRHQ5biOXXYQ+uwh/dhH+7CL82bRI3Ua2XKPvtTfuQvneReizi/BnF+HPLsKfTYu0bYQWsd5PfImIDmtv3IVy2EXos4vwZxfhzy7CH0okbyO7CH+2/D46rr1xF8pxF6HPLsKfXYQ/uwh/KJGyjWxatPZwWShEpK69cReKuovQZxfhzy7Cn12EP0SkGduItmHRzFF3P3r63ZHzTl4YdYqsHg/e/YdF2e7xcFRVrba109gMFp2evGhmjzpFVZLcvJVpl7K8hWaVB1liNVNdJh7VZ4Wd7P4aaa5I866lFEnDRHWksC5eVgtH8VWy8PHGTE5V/rr+QqSocTnm9CpTM+SMmRhVVJcPKbPYv5VFcs7x1F3P1eeikl1sXZHGB0lRLH+eSI75ICk6KZ8nctkOkaQN+cNEWjBRIimU0YpkHY4hmxOgqNIMHRaRJo6giLO+dyM/F1nsvpfqWVAv92Eihe0u3bNE+TgR/FkURfWhUHPMIBsguh6N0yKNs7o/EGkVIEpj+XA8fltJ0GzqDxMdQwBka+2gqQ/p9FYkpaNIiEXuje3OddQfg738rFCTcYmME9sdKXntbY1MBOy802JrotJ6bSUiInLia7y2+aZEbXuyxXbn5vXXGQazDs+6xUWGoql2kXU/DDrOssLWNFmZ65oQufeflwvU6PHDdO8ki/0xu/Rb7RVRvZNJgupW7y3bU+T6JLnej97MPLNUhbPIbJEV9U2y/eknHds5lfhfNMo/sb23oRX5LQXWGUmpGdtz3nxEpOiep7eP+5MFUEZJj+0SCnsCVX/CkrZUQFRvQG+8RkNOzHTi5LL0rW6x8YL0bwolGtdolqir0fQxAyQCNrdsVczFmdFS6fXp+4kSecPMEqntrAYkkklTYI288frkYKI+j+XCYtzRUdCIdMV/7mkWTDNmY6AU6bo5C9QknqwSEpFuzAdJUjZFQiJSoFMWfhIDu0ievDjD5ubquEV6AjVet3krU3B/Hvn8cYdDBJxUSlKVaJqmWvENMiXcImEQKcCYi26W1nZaN9SAXXFkcos0JZpxXLeICDpLDnVSBDkDusAtEhGN72p5J78LcMbn9+nudemgiDSlASLF66cC20NKbZ3qCnAnIfKp9gcxiIjVPj8/8mbVCBY9VsNes42C4YgBrgyUJ06NpkRdCuD8yB418pYIOkl2hyuQ2SOkKOMMO4M76vrBB4sG84Cjjrr5Cooeo4TdLwyGbLsC4IKgD93dHY66lUQye7gQxfqgfdcDhr7JeSOtLoL2dOn4KEdX2E+s0hp24j3RaUERsPnLLBmlYPceaYJVBB0Bja85p8ANn3rXgFX02kEqaSGAeywoGs7zjghYdqYoxyp68USCtMDZfX+wqHomav53fkBcWDSYx4NEBpkuAyLj3oSwSDIVsMM6ETVAp/3V/KG2tP/xRPRccI1IW7Comyr8PupE9052bbW/0yLHpX/1T1wRmQuskULa4oqcd/Z1pjLu6li0zqgDP49m5fmo+2NR3z50zFBYczLsBB6Rxx6y8Q5wRoE7LCaylhM5BnTs7cGdmZP1RZzdygeLXOjW9fg94jYXUnjjbBHRcJ5nImVKBA67fFgkL/HzIE4KRW7vM0/i/kQ0WSPHg75KldHdqc+h7pfZ0jKs/GuDM3hvNSLizSEqoroE1Yia7ELf00kIWS/o09z+EmLA6bC3hMh9TwRskDq51x47e4Zzhc73Qt64wyByPOjmUVT6cZZkcQV+0zxNflX05qgD36tSe3MilcCr1FLEe9sPRDYYjmgwD1wjMl1hm4h0ugF43PETVd6wB3RbKES2Pu+2cr9waHFBWESO+8JtyxrkckFYRDa8dxAAoRHNH3hRNTHkUIlsY9Z3TqR6LzcFokScSsKi4TzPRMYske0VT78XJJkJZ8uTzojV6FdEtmNkE9/diqLUzJTpAtmzalQyF6FvI5ETA9+OpraQwTYhwRvQMYqryX6sNn8vq8AynnqoGuXuCY7N/vMR3R7N47DzePR04J+gjJt4rM7V3SzwzbC8FzYtb2Z1jQtDd3nLDOLmD1E9v90++qfT4Lfh5N+cq/508shXb5st6Ll1cWa2RYu2EUo0p6QfkF2EP7sIf3YR/hCRs3ZXFoqzYdEGR92su1D4Q486yzq1D/L0iS85W67R2l1ZKLsIfzYs4l05+bg8rpxU/lZS3UXbyvZE/wFXu+LXNTDaDQAAAABJRU5ErkJggg=="/>
@@ -8624,29 +8188,19 @@
           <a:prstGeom prst="flowChartAlternateProcess">
             <a:avLst/>
           </a:prstGeom>
-          <a:solidFill>
-            <a:schemeClr val="bg2"/>
-          </a:solidFill>
-          <a:scene3d>
-            <a:camera prst="orthographicFront"/>
-            <a:lightRig rig="threePt" dir="t"/>
-          </a:scene3d>
-          <a:sp3d>
-            <a:bevelT w="165100" prst="coolSlant"/>
-          </a:sp3d>
         </p:spPr>
         <p:style>
-          <a:lnRef idx="1">
-            <a:schemeClr val="accent1"/>
+          <a:lnRef idx="2">
+            <a:schemeClr val="accent6"/>
           </a:lnRef>
-          <a:fillRef idx="3">
-            <a:schemeClr val="accent1"/>
+          <a:fillRef idx="1">
+            <a:schemeClr val="lt1"/>
           </a:fillRef>
-          <a:effectRef idx="2">
-            <a:schemeClr val="accent1"/>
+          <a:effectRef idx="0">
+            <a:schemeClr val="accent6"/>
           </a:effectRef>
           <a:fontRef idx="minor">
-            <a:schemeClr val="lt1"/>
+            <a:schemeClr val="dk1"/>
           </a:fontRef>
         </p:style>
         <p:txBody>
@@ -8654,18 +8208,52 @@
           <a:lstStyle/>
           <a:p>
             <a:r>
+              <a:rPr lang="en-US" sz="2800" b="1" dirty="0">
+                <a:solidFill>
+                  <a:srgbClr val="C00000"/>
+                </a:solidFill>
+              </a:rPr>
+              <a:t>3. Building</a:t>
+            </a:r>
+            <a:br>
+              <a:rPr lang="en-US" sz="2800" b="1" dirty="0">
+                <a:solidFill>
+                  <a:srgbClr val="C00000"/>
+                </a:solidFill>
+              </a:rPr>
+            </a:br>
+            <a:endParaRPr lang="en-US" sz="2800" b="1" dirty="0">
+              <a:solidFill>
+                <a:srgbClr val="C00000"/>
+              </a:solidFill>
+            </a:endParaRPr>
+          </a:p>
+          <a:p>
+            <a:pPr marL="966338" lvl="1" indent="-342900">
+              <a:buFont typeface="Wingdings" panose="05000000000000000000" pitchFamily="2" charset="2"/>
+              <a:buChar char="ü"/>
+            </a:pPr>
+            <a:r>
               <a:rPr lang="en-US" sz="2000" b="1" dirty="0">
                 <a:solidFill>
                   <a:schemeClr val="tx1"/>
                 </a:solidFill>
               </a:rPr>
-              <a:t>3. Building</a:t>
-            </a:r>
-          </a:p>
-          <a:p>
-            <a:pPr>
-              <a:buFont typeface="Arial" panose="020B0604020202020204" pitchFamily="34" charset="0"/>
-              <a:buChar char="•"/>
+              <a:t>Objective</a:t>
+            </a:r>
+            <a:r>
+              <a:rPr lang="en-US" sz="2000" dirty="0">
+                <a:solidFill>
+                  <a:schemeClr val="tx1"/>
+                </a:solidFill>
+              </a:rPr>
+              <a:t>: Compile the code and build the application.</a:t>
+            </a:r>
+          </a:p>
+          <a:p>
+            <a:pPr marL="966338" lvl="1" indent="-342900">
+              <a:buFont typeface="Wingdings" panose="05000000000000000000" pitchFamily="2" charset="2"/>
+              <a:buChar char="ü"/>
             </a:pPr>
             <a:r>
               <a:rPr lang="en-US" sz="2000" b="1" dirty="0">
@@ -8673,7 +8261,7 @@
                   <a:schemeClr val="tx1"/>
                 </a:solidFill>
               </a:rPr>
-              <a:t>Objective</a:t>
+              <a:t>Tools</a:t>
             </a:r>
             <a:r>
               <a:rPr lang="en-US" sz="2000" dirty="0">
@@ -8681,21 +8269,15 @@
                   <a:schemeClr val="tx1"/>
                 </a:solidFill>
               </a:rPr>
-              <a:t>: Compile the code and build the application.</a:t>
-            </a:r>
-          </a:p>
-          <a:p>
-            <a:pPr>
-              <a:buFont typeface="Arial" panose="020B0604020202020204" pitchFamily="34" charset="0"/>
-              <a:buChar char="•"/>
-            </a:pPr>
-            <a:r>
-              <a:rPr lang="en-US" sz="2000" b="1" dirty="0">
+              <a:t>: Jenkins, Travis CI, </a:t>
+            </a:r>
+            <a:r>
+              <a:rPr lang="en-US" sz="2000" dirty="0" err="1">
                 <a:solidFill>
                   <a:schemeClr val="tx1"/>
                 </a:solidFill>
               </a:rPr>
-              <a:t>Tools</a:t>
+              <a:t>CircleCI</a:t>
             </a:r>
             <a:r>
               <a:rPr lang="en-US" sz="2000" dirty="0">
@@ -8703,29 +8285,13 @@
                   <a:schemeClr val="tx1"/>
                 </a:solidFill>
               </a:rPr>
-              <a:t>: Jenkins, Travis CI, </a:t>
-            </a:r>
-            <a:r>
-              <a:rPr lang="en-US" sz="2000" dirty="0" err="1">
-                <a:solidFill>
-                  <a:schemeClr val="tx1"/>
-                </a:solidFill>
-              </a:rPr>
-              <a:t>CircleCI</a:t>
-            </a:r>
-            <a:r>
-              <a:rPr lang="en-US" sz="2000" dirty="0">
-                <a:solidFill>
-                  <a:schemeClr val="tx1"/>
-                </a:solidFill>
-              </a:rPr>
               <a:t>.</a:t>
             </a:r>
           </a:p>
           <a:p>
-            <a:pPr>
-              <a:buFont typeface="Arial" panose="020B0604020202020204" pitchFamily="34" charset="0"/>
-              <a:buChar char="•"/>
+            <a:pPr marL="966338" lvl="1" indent="-342900">
+              <a:buFont typeface="Wingdings" panose="05000000000000000000" pitchFamily="2" charset="2"/>
+              <a:buChar char="ü"/>
             </a:pPr>
             <a:r>
               <a:rPr lang="en-US" sz="2000" b="1" dirty="0">
@@ -8763,7 +8329,7 @@
         <p:spPr>
           <a:xfrm>
             <a:off x="2057400" y="2743200"/>
-            <a:ext cx="1068850" cy="2007796"/>
+            <a:ext cx="1600200" cy="1905000"/>
           </a:xfrm>
           <a:prstGeom prst="straightConnector1">
             <a:avLst/>
@@ -8968,6 +8534,36 @@
           <a:chExt cx="0" cy="0"/>
         </a:xfrm>
       </p:grpSpPr>
+      <p:pic>
+        <p:nvPicPr>
+          <p:cNvPr id="8" name="Picture 7">
+            <a:extLst>
+              <a:ext uri="{FF2B5EF4-FFF2-40B4-BE49-F238E27FC236}">
+                <a16:creationId xmlns:a16="http://schemas.microsoft.com/office/drawing/2014/main" id="{DB59DB61-0D34-F793-7999-227D8A546BC6}"/>
+              </a:ext>
+            </a:extLst>
+          </p:cNvPr>
+          <p:cNvPicPr>
+            <a:picLocks noChangeAspect="1"/>
+          </p:cNvPicPr>
+          <p:nvPr/>
+        </p:nvPicPr>
+        <p:blipFill>
+          <a:blip r:embed="rId3"/>
+          <a:stretch>
+            <a:fillRect/>
+          </a:stretch>
+        </p:blipFill>
+        <p:spPr>
+          <a:xfrm>
+            <a:off x="3211181" y="3250120"/>
+            <a:ext cx="5734850" cy="3134162"/>
+          </a:xfrm>
+          <a:prstGeom prst="rect">
+            <a:avLst/>
+          </a:prstGeom>
+        </p:spPr>
+      </p:pic>
       <p:sp>
         <p:nvSpPr>
           <p:cNvPr id="3" name="AutoShape 2" descr="data:image/png;base64,iVBORw0KGgoAAAANSUhEUgAAANEAAADxCAMAAABiSKLrAAAAbFBMVEWIiIj////6+vr29vb19fX4+Pj5+fnu7u77+/v39/f9/f3z8/P+/v709PT8/Pyqqqrt7e3v7+/w8PDx8fHy8vK+vr7Q0NCjo6OBgYHY2Njk5OTHx8eNjY3c3NzGxsbn5+eWlpa1tbWcnJx6enob4+f+AAAIqklEQVR4nO3dCZuaOhQGYEZAh0FkX2W1//8/lkVMICeIkRmOPHz22lYg5OVEZLFzJRNrnC+xSGt3nJvQekMUYktnEiM1ouDrjCs/pukLkzoRtpjmNRcloRUFoiS8oo5UvLwsYpEgCaXoHLYiMRJqkRAJt0iEhFwkQMIqCgJRElpRLErCL3r1oxavSJSEWCRIQikyOtGQNPd8CaXICc04FiXhFomQkIsESChFbmhmwiT0opf3eBivMzSjLuORnh49oKxRKxIloayR24oESShFRScSI6EUJaGZCJNwiwhp/skFcpFAlbCLXiehF71MQisSJiEVVYkwqRP9oEpXI1HSXXRuWjo/2jz3f3v8YfjS7871lbU1EiT1IjrAKrvX/2iurzisijkk8OQC5ah7iERIyEUCJOyi10noRU9J490DUpFPRAApniJhFVnzSaOdOF6RKAmlKGhFgiTMohdIyYeIhEh30aV99E9NLo8VXLqn++Q/mIuIREid6DJsv32s91Ityi1hEtJRl5+ESX2NMKUR2ZYoCbNIjIRV5FiiJIyicx7mriVEKnCKfvxadBIloRQ1NTqJkcICpcgPr7rjOPYJZnFNbZVwikw/YHNlXmDi4xW9kU70jSnNqOu/xL4R0aWg3yNMgNHWp0I66i7Dy5PsdXFuApw1Eg8RndfuykLZa4Q/512EPrsIfzYtOmwje43wh4h+1u7KQvm5bk601wh9NlijXYQ+uwh/HqLrZkTXh+h4PDQP8lQ/PvAlSrT2xl0oRHQ5biOXXYQ+uwh/dhH+7CL82bRI3Ua2XKPvtTfuQvneReizi/BnF+HPLsKfTYu0bYQWsd5PfImIDmtv3IVy2EXos4vwZxfhzy7CH0okbyO7CH+2/D46rr1xF8pxF6HPLsKfXYQ/uwh/KJGyjWxatPZwWShEpK69cReKuovQZxfhzy7Cn12EP0SkGduItmHRzFF3P3r63ZHzTl4YdYqsHg/e/YdF2e7xcFRVrba109gMFp2evGhmjzpFVZLcvJVpl7K8hWaVB1liNVNdJh7VZ4Wd7P4aaa5I866lFEnDRHWksC5eVgtH8VWy8PHGTE5V/rr+QqSocTnm9CpTM+SMmRhVVJcPKbPYv5VFcs7x1F3P1eeikl1sXZHGB0lRLH+eSI75ICk6KZ8nctkOkaQN+cNEWjBRIimU0YpkHY4hmxOgqNIMHRaRJo6giLO+dyM/F1nsvpfqWVAv92Eihe0u3bNE+TgR/FkURfWhUHPMIBsguh6N0yKNs7o/EGkVIEpj+XA8fltJ0GzqDxMdQwBka+2gqQ/p9FYkpaNIiEXuje3OddQfg738rFCTcYmME9sdKXntbY1MBOy802JrotJ6bSUiInLia7y2+aZEbXuyxXbn5vXXGQazDs+6xUWGoql2kXU/DDrOssLWNFmZ65oQufeflwvU6PHDdO8ki/0xu/Rb7RVRvZNJgupW7y3bU+T6JLnej97MPLNUhbPIbJEV9U2y/eknHds5lfhfNMo/sb23oRX5LQXWGUmpGdtz3nxEpOiep7eP+5MFUEZJj+0SCnsCVX/CkrZUQFRvQG+8RkNOzHTi5LL0rW6x8YL0bwolGtdolqir0fQxAyQCNrdsVczFmdFS6fXp+4kSecPMEqntrAYkkklTYI288frkYKI+j+XCYtzRUdCIdMV/7mkWTDNmY6AU6bo5C9QknqwSEpFuzAdJUjZFQiJSoFMWfhIDu0ievDjD5ubquEV6AjVet3krU3B/Hvn8cYdDBJxUSlKVaJqmWvENMiXcImEQKcCYi26W1nZaN9SAXXFkcos0JZpxXLeICDpLDnVSBDkDusAtEhGN72p5J78LcMbn9+nudemgiDSlASLF66cC20NKbZ3qCnAnIfKp9gcxiIjVPj8/8mbVCBY9VsNes42C4YgBrgyUJ06NpkRdCuD8yB418pYIOkl2hyuQ2SOkKOMMO4M76vrBB4sG84Cjjrr5Cooeo4TdLwyGbLsC4IKgD93dHY66lUQye7gQxfqgfdcDhr7JeSOtLoL2dOn4KEdX2E+s0hp24j3RaUERsPnLLBmlYPceaYJVBB0Bja85p8ANn3rXgFX02kEqaSGAeywoGs7zjghYdqYoxyp68USCtMDZfX+wqHomav53fkBcWDSYx4NEBpkuAyLj3oSwSDIVsMM6ETVAp/3V/KG2tP/xRPRccI1IW7Comyr8PupE9052bbW/0yLHpX/1T1wRmQuskULa4oqcd/Z1pjLu6li0zqgDP49m5fmo+2NR3z50zFBYczLsBB6Rxx6y8Q5wRoE7LCaylhM5BnTs7cGdmZP1RZzdygeLXOjW9fg94jYXUnjjbBHRcJ5nImVKBA67fFgkL/HzIE4KRW7vM0/i/kQ0WSPHg75KldHdqc+h7pfZ0jKs/GuDM3hvNSLizSEqoroE1Yia7ELf00kIWS/o09z+EmLA6bC3hMh9TwRskDq51x47e4Zzhc73Qt64wyByPOjmUVT6cZZkcQV+0zxNflX05qgD36tSe3MilcCr1FLEe9sPRDYYjmgwD1wjMl1hm4h0ugF43PETVd6wB3RbKES2Pu+2cr9waHFBWESO+8JtyxrkckFYRDa8dxAAoRHNH3hRNTHkUIlsY9Z3TqR6LzcFokScSsKi4TzPRMYske0VT78XJJkJZ8uTzojV6FdEtmNkE9/diqLUzJTpAtmzalQyF6FvI5ETA9+OpraQwTYhwRvQMYqryX6sNn8vq8AynnqoGuXuCY7N/vMR3R7N47DzePR04J+gjJt4rM7V3SzwzbC8FzYtb2Z1jQtDd3nLDOLmD1E9v90++qfT4Lfh5N+cq/508shXb5st6Ll1cWa2RYu2EUo0p6QfkF2EP7sIf3YR/hCRs3ZXFoqzYdEGR92su1D4Q486yzq1D/L0iS85W67R2l1ZKLsIfzYs4l05+bg8rpxU/lZS3UXbyvZE/wFXu+LXNTDaDQAAAABJRU5ErkJggg=="/>
@@ -9145,34 +8741,24 @@
         <p:spPr>
           <a:xfrm>
             <a:off x="207436" y="696392"/>
-            <a:ext cx="11832163" cy="2046808"/>
+            <a:ext cx="11832163" cy="1970608"/>
           </a:xfrm>
           <a:prstGeom prst="flowChartAlternateProcess">
             <a:avLst/>
           </a:prstGeom>
-          <a:solidFill>
-            <a:schemeClr val="bg2"/>
-          </a:solidFill>
-          <a:scene3d>
-            <a:camera prst="orthographicFront"/>
-            <a:lightRig rig="threePt" dir="t"/>
-          </a:scene3d>
-          <a:sp3d>
-            <a:bevelT w="165100" prst="coolSlant"/>
-          </a:sp3d>
         </p:spPr>
         <p:style>
-          <a:lnRef idx="1">
-            <a:schemeClr val="accent1"/>
+          <a:lnRef idx="2">
+            <a:schemeClr val="accent6"/>
           </a:lnRef>
-          <a:fillRef idx="3">
-            <a:schemeClr val="accent1"/>
+          <a:fillRef idx="1">
+            <a:schemeClr val="lt1"/>
           </a:fillRef>
-          <a:effectRef idx="2">
-            <a:schemeClr val="accent1"/>
+          <a:effectRef idx="0">
+            <a:schemeClr val="accent6"/>
           </a:effectRef>
           <a:fontRef idx="minor">
-            <a:schemeClr val="lt1"/>
+            <a:schemeClr val="dk1"/>
           </a:fontRef>
         </p:style>
         <p:txBody>
@@ -9180,18 +8766,30 @@
           <a:lstStyle/>
           <a:p>
             <a:r>
+              <a:rPr lang="en-US" sz="2800" b="1" dirty="0">
+                <a:solidFill>
+                  <a:srgbClr val="C00000"/>
+                </a:solidFill>
+              </a:rPr>
+              <a:t>4. Testing</a:t>
+            </a:r>
+            <a:br>
               <a:rPr lang="en-US" sz="2000" b="1" dirty="0">
                 <a:solidFill>
                   <a:schemeClr val="tx1"/>
                 </a:solidFill>
               </a:rPr>
-              <a:t>4. Testing</a:t>
-            </a:r>
-          </a:p>
-          <a:p>
-            <a:pPr>
-              <a:buFont typeface="Arial" panose="020B0604020202020204" pitchFamily="34" charset="0"/>
-              <a:buChar char="•"/>
+            </a:br>
+            <a:endParaRPr lang="en-US" sz="2000" b="1" dirty="0">
+              <a:solidFill>
+                <a:schemeClr val="tx1"/>
+              </a:solidFill>
+            </a:endParaRPr>
+          </a:p>
+          <a:p>
+            <a:pPr marL="966338" lvl="1" indent="-342900">
+              <a:buFont typeface="Wingdings" panose="05000000000000000000" pitchFamily="2" charset="2"/>
+              <a:buChar char="ü"/>
             </a:pPr>
             <a:r>
               <a:rPr lang="en-US" sz="2000" b="1" dirty="0">
@@ -9211,9 +8809,9 @@
             </a:r>
           </a:p>
           <a:p>
-            <a:pPr>
-              <a:buFont typeface="Arial" panose="020B0604020202020204" pitchFamily="34" charset="0"/>
-              <a:buChar char="•"/>
+            <a:pPr marL="966338" lvl="1" indent="-342900">
+              <a:buFont typeface="Wingdings" panose="05000000000000000000" pitchFamily="2" charset="2"/>
+              <a:buChar char="ü"/>
             </a:pPr>
             <a:r>
               <a:rPr lang="en-US" sz="2000" b="1" dirty="0">
@@ -9233,9 +8831,9 @@
             </a:r>
           </a:p>
           <a:p>
-            <a:pPr>
-              <a:buFont typeface="Arial" panose="020B0604020202020204" pitchFamily="34" charset="0"/>
-              <a:buChar char="•"/>
+            <a:pPr marL="966338" lvl="1" indent="-342900">
+              <a:buFont typeface="Wingdings" panose="05000000000000000000" pitchFamily="2" charset="2"/>
+              <a:buChar char="ü"/>
             </a:pPr>
             <a:r>
               <a:rPr lang="en-US" sz="2000" b="1" dirty="0">
@@ -9272,8 +8870,8 @@
         </p:nvCxnSpPr>
         <p:spPr>
           <a:xfrm>
-            <a:off x="2057400" y="2743200"/>
-            <a:ext cx="2819400" cy="3048000"/>
+            <a:off x="2076450" y="2667000"/>
+            <a:ext cx="2724150" cy="3048000"/>
           </a:xfrm>
           <a:prstGeom prst="straightConnector1">
             <a:avLst/>
@@ -9478,6 +9076,36 @@
           <a:chExt cx="0" cy="0"/>
         </a:xfrm>
       </p:grpSpPr>
+      <p:pic>
+        <p:nvPicPr>
+          <p:cNvPr id="7" name="Picture 6">
+            <a:extLst>
+              <a:ext uri="{FF2B5EF4-FFF2-40B4-BE49-F238E27FC236}">
+                <a16:creationId xmlns:a16="http://schemas.microsoft.com/office/drawing/2014/main" id="{584308E0-EE5A-6C05-92B9-257B77F06AB0}"/>
+              </a:ext>
+            </a:extLst>
+          </p:cNvPr>
+          <p:cNvPicPr>
+            <a:picLocks noChangeAspect="1"/>
+          </p:cNvPicPr>
+          <p:nvPr/>
+        </p:nvPicPr>
+        <p:blipFill>
+          <a:blip r:embed="rId3"/>
+          <a:stretch>
+            <a:fillRect/>
+          </a:stretch>
+        </p:blipFill>
+        <p:spPr>
+          <a:xfrm>
+            <a:off x="3211181" y="3250120"/>
+            <a:ext cx="5734850" cy="3134162"/>
+          </a:xfrm>
+          <a:prstGeom prst="rect">
+            <a:avLst/>
+          </a:prstGeom>
+        </p:spPr>
+      </p:pic>
       <p:sp>
         <p:nvSpPr>
           <p:cNvPr id="3" name="AutoShape 2" descr="data:image/png;base64,iVBORw0KGgoAAAANSUhEUgAAANEAAADxCAMAAABiSKLrAAAAbFBMVEWIiIj////6+vr29vb19fX4+Pj5+fnu7u77+/v39/f9/f3z8/P+/v709PT8/Pyqqqrt7e3v7+/w8PDx8fHy8vK+vr7Q0NCjo6OBgYHY2Njk5OTHx8eNjY3c3NzGxsbn5+eWlpa1tbWcnJx6enob4+f+AAAIqklEQVR4nO3dCZuaOhQGYEZAh0FkX2W1//8/lkVMICeIkRmOPHz22lYg5OVEZLFzJRNrnC+xSGt3nJvQekMUYktnEiM1ouDrjCs/pukLkzoRtpjmNRcloRUFoiS8oo5UvLwsYpEgCaXoHLYiMRJqkRAJt0iEhFwkQMIqCgJRElpRLErCL3r1oxavSJSEWCRIQikyOtGQNPd8CaXICc04FiXhFomQkIsESChFbmhmwiT0opf3eBivMzSjLuORnh49oKxRKxIloayR24oESShFRScSI6EUJaGZCJNwiwhp/skFcpFAlbCLXiehF71MQisSJiEVVYkwqRP9oEpXI1HSXXRuWjo/2jz3f3v8YfjS7871lbU1EiT1IjrAKrvX/2iurzisijkk8OQC5ah7iERIyEUCJOyi10noRU9J490DUpFPRAApniJhFVnzSaOdOF6RKAmlKGhFgiTMohdIyYeIhEh30aV99E9NLo8VXLqn++Q/mIuIREid6DJsv32s91Ityi1hEtJRl5+ESX2NMKUR2ZYoCbNIjIRV5FiiJIyicx7mriVEKnCKfvxadBIloRQ1NTqJkcICpcgPr7rjOPYJZnFNbZVwikw/YHNlXmDi4xW9kU70jSnNqOu/xL4R0aWg3yNMgNHWp0I66i7Dy5PsdXFuApw1Eg8RndfuykLZa4Q/512EPrsIfzYtOmwje43wh4h+1u7KQvm5bk601wh9NlijXYQ+uwh/HqLrZkTXh+h4PDQP8lQ/PvAlSrT2xl0oRHQ5biOXXYQ+uwh/dhH+7CL82bRI3Ua2XKPvtTfuQvneReizi/BnF+HPLsKfTYu0bYQWsd5PfImIDmtv3IVy2EXos4vwZxfhzy7CH0okbyO7CH+2/D46rr1xF8pxF6HPLsKfXYQ/uwh/KJGyjWxatPZwWShEpK69cReKuovQZxfhzy7Cn12EP0SkGduItmHRzFF3P3r63ZHzTl4YdYqsHg/e/YdF2e7xcFRVrba109gMFp2evGhmjzpFVZLcvJVpl7K8hWaVB1liNVNdJh7VZ4Wd7P4aaa5I866lFEnDRHWksC5eVgtH8VWy8PHGTE5V/rr+QqSocTnm9CpTM+SMmRhVVJcPKbPYv5VFcs7x1F3P1eeikl1sXZHGB0lRLH+eSI75ICk6KZ8nctkOkaQN+cNEWjBRIimU0YpkHY4hmxOgqNIMHRaRJo6giLO+dyM/F1nsvpfqWVAv92Eihe0u3bNE+TgR/FkURfWhUHPMIBsguh6N0yKNs7o/EGkVIEpj+XA8fltJ0GzqDxMdQwBka+2gqQ/p9FYkpaNIiEXuje3OddQfg738rFCTcYmME9sdKXntbY1MBOy802JrotJ6bSUiInLia7y2+aZEbXuyxXbn5vXXGQazDs+6xUWGoql2kXU/DDrOssLWNFmZ65oQufeflwvU6PHDdO8ki/0xu/Rb7RVRvZNJgupW7y3bU+T6JLnej97MPLNUhbPIbJEV9U2y/eknHds5lfhfNMo/sb23oRX5LQXWGUmpGdtz3nxEpOiep7eP+5MFUEZJj+0SCnsCVX/CkrZUQFRvQG+8RkNOzHTi5LL0rW6x8YL0bwolGtdolqir0fQxAyQCNrdsVczFmdFS6fXp+4kSecPMEqntrAYkkklTYI288frkYKI+j+XCYtzRUdCIdMV/7mkWTDNmY6AU6bo5C9QknqwSEpFuzAdJUjZFQiJSoFMWfhIDu0ievDjD5ubquEV6AjVet3krU3B/Hvn8cYdDBJxUSlKVaJqmWvENMiXcImEQKcCYi26W1nZaN9SAXXFkcos0JZpxXLeICDpLDnVSBDkDusAtEhGN72p5J78LcMbn9+nudemgiDSlASLF66cC20NKbZ3qCnAnIfKp9gcxiIjVPj8/8mbVCBY9VsNes42C4YgBrgyUJ06NpkRdCuD8yB418pYIOkl2hyuQ2SOkKOMMO4M76vrBB4sG84Cjjrr5Cooeo4TdLwyGbLsC4IKgD93dHY66lUQye7gQxfqgfdcDhr7JeSOtLoL2dOn4KEdX2E+s0hp24j3RaUERsPnLLBmlYPceaYJVBB0Bja85p8ANn3rXgFX02kEqaSGAeywoGs7zjghYdqYoxyp68USCtMDZfX+wqHomav53fkBcWDSYx4NEBpkuAyLj3oSwSDIVsMM6ETVAp/3V/KG2tP/xRPRccI1IW7Comyr8PupE9052bbW/0yLHpX/1T1wRmQuskULa4oqcd/Z1pjLu6li0zqgDP49m5fmo+2NR3z50zFBYczLsBB6Rxx6y8Q5wRoE7LCaylhM5BnTs7cGdmZP1RZzdygeLXOjW9fg94jYXUnjjbBHRcJ5nImVKBA67fFgkL/HzIE4KRW7vM0/i/kQ0WSPHg75KldHdqc+h7pfZ0jKs/GuDM3hvNSLizSEqoroE1Yia7ELf00kIWS/o09z+EmLA6bC3hMh9TwRskDq51x47e4Zzhc73Qt64wyByPOjmUVT6cZZkcQV+0zxNflX05qgD36tSe3MilcCr1FLEe9sPRDYYjmgwD1wjMl1hm4h0ugF43PETVd6wB3RbKES2Pu+2cr9waHFBWESO+8JtyxrkckFYRDa8dxAAoRHNH3hRNTHkUIlsY9Z3TqR6LzcFokScSsKi4TzPRMYske0VT78XJJkJZ8uTzojV6FdEtmNkE9/diqLUzJTpAtmzalQyF6FvI5ETA9+OpraQwTYhwRvQMYqryX6sNn8vq8AynnqoGuXuCY7N/vMR3R7N47DzePR04J+gjJt4rM7V3SzwzbC8FzYtb2Z1jQtDd3nLDOLmD1E9v90++qfT4Lfh5N+cq/508shXb5st6Ll1cWa2RYu2EUo0p6QfkF2EP7sIf3YR/hCRs3ZXFoqzYdEGR92su1D4Q486yzq1D/L0iS85W67R2l1ZKLsIfzYs4l05+bg8rpxU/lZS3UXbyvZE/wFXu+LXNTDaDQAAAABJRU5ErkJggg=="/>
@@ -9655,37 +9283,25 @@
         <p:spPr>
           <a:xfrm>
             <a:off x="207436" y="696392"/>
-            <a:ext cx="11832163" cy="2046808"/>
+            <a:ext cx="11832163" cy="1801807"/>
           </a:xfrm>
           <a:prstGeom prst="flowChartAlternateProcess">
             <a:avLst/>
           </a:prstGeom>
-          <a:solidFill>
-            <a:schemeClr val="bg2"/>
-          </a:solidFill>
-          <a:ln>
-            <a:noFill/>
-          </a:ln>
-          <a:scene3d>
-            <a:camera prst="orthographicFront"/>
-            <a:lightRig rig="threePt" dir="t"/>
-          </a:scene3d>
-          <a:sp3d>
-            <a:bevelT w="165100" prst="coolSlant"/>
-          </a:sp3d>
+          <a:ln/>
         </p:spPr>
         <p:style>
-          <a:lnRef idx="1">
-            <a:schemeClr val="accent1"/>
+          <a:lnRef idx="2">
+            <a:schemeClr val="accent6"/>
           </a:lnRef>
-          <a:fillRef idx="3">
-            <a:schemeClr val="accent1"/>
+          <a:fillRef idx="1">
+            <a:schemeClr val="lt1"/>
           </a:fillRef>
-          <a:effectRef idx="2">
-            <a:schemeClr val="accent1"/>
+          <a:effectRef idx="0">
+            <a:schemeClr val="accent6"/>
           </a:effectRef>
           <a:fontRef idx="minor">
-            <a:schemeClr val="lt1"/>
+            <a:schemeClr val="dk1"/>
           </a:fontRef>
         </p:style>
         <p:txBody>
@@ -9693,18 +9309,30 @@
           <a:lstStyle/>
           <a:p>
             <a:r>
+              <a:rPr lang="en-US" sz="2800" b="1" dirty="0">
+                <a:solidFill>
+                  <a:srgbClr val="C00000"/>
+                </a:solidFill>
+              </a:rPr>
+              <a:t>5. Releasing</a:t>
+            </a:r>
+            <a:br>
               <a:rPr lang="en-US" sz="2000" b="1" dirty="0">
                 <a:solidFill>
                   <a:schemeClr val="tx1"/>
                 </a:solidFill>
               </a:rPr>
-              <a:t>5. Releasing</a:t>
-            </a:r>
-          </a:p>
-          <a:p>
-            <a:pPr>
-              <a:buFont typeface="Arial" panose="020B0604020202020204" pitchFamily="34" charset="0"/>
-              <a:buChar char="•"/>
+            </a:br>
+            <a:endParaRPr lang="en-US" sz="2000" b="1" dirty="0">
+              <a:solidFill>
+                <a:schemeClr val="tx1"/>
+              </a:solidFill>
+            </a:endParaRPr>
+          </a:p>
+          <a:p>
+            <a:pPr marL="966338" lvl="1" indent="-342900">
+              <a:buFont typeface="Wingdings" panose="05000000000000000000" pitchFamily="2" charset="2"/>
+              <a:buChar char="ü"/>
             </a:pPr>
             <a:r>
               <a:rPr lang="en-US" sz="2000" b="1" dirty="0">
@@ -9724,9 +9352,9 @@
             </a:r>
           </a:p>
           <a:p>
-            <a:pPr>
-              <a:buFont typeface="Arial" panose="020B0604020202020204" pitchFamily="34" charset="0"/>
-              <a:buChar char="•"/>
+            <a:pPr marL="966338" lvl="1" indent="-342900">
+              <a:buFont typeface="Wingdings" panose="05000000000000000000" pitchFamily="2" charset="2"/>
+              <a:buChar char="ü"/>
             </a:pPr>
             <a:r>
               <a:rPr lang="en-US" sz="2000" b="1" dirty="0">
@@ -9746,9 +9374,9 @@
             </a:r>
           </a:p>
           <a:p>
-            <a:pPr>
-              <a:buFont typeface="Arial" panose="020B0604020202020204" pitchFamily="34" charset="0"/>
-              <a:buChar char="•"/>
+            <a:pPr marL="966338" lvl="1" indent="-342900">
+              <a:buFont typeface="Wingdings" panose="05000000000000000000" pitchFamily="2" charset="2"/>
+              <a:buChar char="ü"/>
             </a:pPr>
             <a:r>
               <a:rPr lang="en-US" sz="2000" b="1" dirty="0">
@@ -9785,8 +9413,8 @@
         </p:nvCxnSpPr>
         <p:spPr>
           <a:xfrm>
-            <a:off x="5105400" y="2743200"/>
-            <a:ext cx="1219200" cy="1447800"/>
+            <a:off x="5105400" y="2498199"/>
+            <a:ext cx="1143000" cy="1921401"/>
           </a:xfrm>
           <a:prstGeom prst="straightConnector1">
             <a:avLst/>
@@ -9991,6 +9619,36 @@
           <a:chExt cx="0" cy="0"/>
         </a:xfrm>
       </p:grpSpPr>
+      <p:pic>
+        <p:nvPicPr>
+          <p:cNvPr id="7" name="Picture 6">
+            <a:extLst>
+              <a:ext uri="{FF2B5EF4-FFF2-40B4-BE49-F238E27FC236}">
+                <a16:creationId xmlns:a16="http://schemas.microsoft.com/office/drawing/2014/main" id="{E1BDE121-59E4-F4B5-DB91-DA419E429773}"/>
+              </a:ext>
+            </a:extLst>
+          </p:cNvPr>
+          <p:cNvPicPr>
+            <a:picLocks noChangeAspect="1"/>
+          </p:cNvPicPr>
+          <p:nvPr/>
+        </p:nvPicPr>
+        <p:blipFill>
+          <a:blip r:embed="rId3"/>
+          <a:stretch>
+            <a:fillRect/>
+          </a:stretch>
+        </p:blipFill>
+        <p:spPr>
+          <a:xfrm>
+            <a:off x="3228575" y="3276600"/>
+            <a:ext cx="5734850" cy="3134162"/>
+          </a:xfrm>
+          <a:prstGeom prst="rect">
+            <a:avLst/>
+          </a:prstGeom>
+        </p:spPr>
+      </p:pic>
       <p:sp>
         <p:nvSpPr>
           <p:cNvPr id="3" name="AutoShape 2" descr="data:image/png;base64,iVBORw0KGgoAAAANSUhEUgAAANEAAADxCAMAAABiSKLrAAAAbFBMVEWIiIj////6+vr29vb19fX4+Pj5+fnu7u77+/v39/f9/f3z8/P+/v709PT8/Pyqqqrt7e3v7+/w8PDx8fHy8vK+vr7Q0NCjo6OBgYHY2Njk5OTHx8eNjY3c3NzGxsbn5+eWlpa1tbWcnJx6enob4+f+AAAIqklEQVR4nO3dCZuaOhQGYEZAh0FkX2W1//8/lkVMICeIkRmOPHz22lYg5OVEZLFzJRNrnC+xSGt3nJvQekMUYktnEiM1ouDrjCs/pukLkzoRtpjmNRcloRUFoiS8oo5UvLwsYpEgCaXoHLYiMRJqkRAJt0iEhFwkQMIqCgJRElpRLErCL3r1oxavSJSEWCRIQikyOtGQNPd8CaXICc04FiXhFomQkIsESChFbmhmwiT0opf3eBivMzSjLuORnh49oKxRKxIloayR24oESShFRScSI6EUJaGZCJNwiwhp/skFcpFAlbCLXiehF71MQisSJiEVVYkwqRP9oEpXI1HSXXRuWjo/2jz3f3v8YfjS7871lbU1EiT1IjrAKrvX/2iurzisijkk8OQC5ah7iERIyEUCJOyi10noRU9J490DUpFPRAApniJhFVnzSaOdOF6RKAmlKGhFgiTMohdIyYeIhEh30aV99E9NLo8VXLqn++Q/mIuIREid6DJsv32s91Ityi1hEtJRl5+ESX2NMKUR2ZYoCbNIjIRV5FiiJIyicx7mriVEKnCKfvxadBIloRQ1NTqJkcICpcgPr7rjOPYJZnFNbZVwikw/YHNlXmDi4xW9kU70jSnNqOu/xL4R0aWg3yNMgNHWp0I66i7Dy5PsdXFuApw1Eg8RndfuykLZa4Q/512EPrsIfzYtOmwje43wh4h+1u7KQvm5bk601wh9NlijXYQ+uwh/HqLrZkTXh+h4PDQP8lQ/PvAlSrT2xl0oRHQ5biOXXYQ+uwh/dhH+7CL82bRI3Ua2XKPvtTfuQvneReizi/BnF+HPLsKfTYu0bYQWsd5PfImIDmtv3IVy2EXos4vwZxfhzy7CH0okbyO7CH+2/D46rr1xF8pxF6HPLsKfXYQ/uwh/KJGyjWxatPZwWShEpK69cReKuovQZxfhzy7Cn12EP0SkGduItmHRzFF3P3r63ZHzTl4YdYqsHg/e/YdF2e7xcFRVrba109gMFp2evGhmjzpFVZLcvJVpl7K8hWaVB1liNVNdJh7VZ4Wd7P4aaa5I866lFEnDRHWksC5eVgtH8VWy8PHGTE5V/rr+QqSocTnm9CpTM+SMmRhVVJcPKbPYv5VFcs7x1F3P1eeikl1sXZHGB0lRLH+eSI75ICk6KZ8nctkOkaQN+cNEWjBRIimU0YpkHY4hmxOgqNIMHRaRJo6giLO+dyM/F1nsvpfqWVAv92Eihe0u3bNE+TgR/FkURfWhUHPMIBsguh6N0yKNs7o/EGkVIEpj+XA8fltJ0GzqDxMdQwBka+2gqQ/p9FYkpaNIiEXuje3OddQfg738rFCTcYmME9sdKXntbY1MBOy802JrotJ6bSUiInLia7y2+aZEbXuyxXbn5vXXGQazDs+6xUWGoql2kXU/DDrOssLWNFmZ65oQufeflwvU6PHDdO8ki/0xu/Rb7RVRvZNJgupW7y3bU+T6JLnej97MPLNUhbPIbJEV9U2y/eknHds5lfhfNMo/sb23oRX5LQXWGUmpGdtz3nxEpOiep7eP+5MFUEZJj+0SCnsCVX/CkrZUQFRvQG+8RkNOzHTi5LL0rW6x8YL0bwolGtdolqir0fQxAyQCNrdsVczFmdFS6fXp+4kSecPMEqntrAYkkklTYI288frkYKI+j+XCYtzRUdCIdMV/7mkWTDNmY6AU6bo5C9QknqwSEpFuzAdJUjZFQiJSoFMWfhIDu0ievDjD5ubquEV6AjVet3krU3B/Hvn8cYdDBJxUSlKVaJqmWvENMiXcImEQKcCYi26W1nZaN9SAXXFkcos0JZpxXLeICDpLDnVSBDkDusAtEhGN72p5J78LcMbn9+nudemgiDSlASLF66cC20NKbZ3qCnAnIfKp9gcxiIjVPj8/8mbVCBY9VsNes42C4YgBrgyUJ06NpkRdCuD8yB418pYIOkl2hyuQ2SOkKOMMO4M76vrBB4sG84Cjjrr5Cooeo4TdLwyGbLsC4IKgD93dHY66lUQye7gQxfqgfdcDhr7JeSOtLoL2dOn4KEdX2E+s0hp24j3RaUERsPnLLBmlYPceaYJVBB0Bja85p8ANn3rXgFX02kEqaSGAeywoGs7zjghYdqYoxyp68USCtMDZfX+wqHomav53fkBcWDSYx4NEBpkuAyLj3oSwSDIVsMM6ETVAp/3V/KG2tP/xRPRccI1IW7Comyr8PupE9052bbW/0yLHpX/1T1wRmQuskULa4oqcd/Z1pjLu6li0zqgDP49m5fmo+2NR3z50zFBYczLsBB6Rxx6y8Q5wRoE7LCaylhM5BnTs7cGdmZP1RZzdygeLXOjW9fg94jYXUnjjbBHRcJ5nImVKBA67fFgkL/HzIE4KRW7vM0/i/kQ0WSPHg75KldHdqc+h7pfZ0jKs/GuDM3hvNSLizSEqoroE1Yia7ELf00kIWS/o09z+EmLA6bC3hMh9TwRskDq51x47e4Zzhc73Qt64wyByPOjmUVT6cZZkcQV+0zxNflX05qgD36tSe3MilcCr1FLEe9sPRDYYjmgwD1wjMl1hm4h0ugF43PETVd6wB3RbKES2Pu+2cr9waHFBWESO+8JtyxrkckFYRDa8dxAAoRHNH3hRNTHkUIlsY9Z3TqR6LzcFokScSsKi4TzPRMYske0VT78XJJkJZ8uTzojV6FdEtmNkE9/diqLUzJTpAtmzalQyF6FvI5ETA9+OpraQwTYhwRvQMYqryX6sNn8vq8AynnqoGuXuCY7N/vMR3R7N47DzePR04J+gjJt4rM7V3SzwzbC8FzYtb2Z1jQtDd3nLDOLmD1E9v90++qfT4Lfh5N+cq/508shXb5st6Ll1cWa2RYu2EUo0p6QfkF2EP7sIf3YR/hCRs3ZXFoqzYdEGR92su1D4Q486yzq1D/L0iS85W67R2l1ZKLsIfzYs4l05+bg8rpxU/lZS3UXbyvZE/wFXu+LXNTDaDQAAAABJRU5ErkJggg=="/>
@@ -10173,34 +9831,20 @@
           <a:prstGeom prst="flowChartAlternateProcess">
             <a:avLst/>
           </a:prstGeom>
-          <a:solidFill>
-            <a:schemeClr val="bg2"/>
-          </a:solidFill>
-          <a:ln>
-            <a:solidFill>
-              <a:srgbClr val="FFC000"/>
-            </a:solidFill>
-          </a:ln>
-          <a:scene3d>
-            <a:camera prst="orthographicFront"/>
-            <a:lightRig rig="threePt" dir="t"/>
-          </a:scene3d>
-          <a:sp3d>
-            <a:bevelT w="165100" prst="coolSlant"/>
-          </a:sp3d>
+          <a:ln/>
         </p:spPr>
         <p:style>
-          <a:lnRef idx="1">
-            <a:schemeClr val="accent1"/>
+          <a:lnRef idx="2">
+            <a:schemeClr val="dk1"/>
           </a:lnRef>
-          <a:fillRef idx="3">
-            <a:schemeClr val="accent1"/>
+          <a:fillRef idx="1">
+            <a:schemeClr val="lt1"/>
           </a:fillRef>
-          <a:effectRef idx="2">
-            <a:schemeClr val="accent1"/>
+          <a:effectRef idx="0">
+            <a:schemeClr val="dk1"/>
           </a:effectRef>
           <a:fontRef idx="minor">
-            <a:schemeClr val="lt1"/>
+            <a:schemeClr val="dk1"/>
           </a:fontRef>
         </p:style>
         <p:txBody>
@@ -10208,18 +9852,30 @@
           <a:lstStyle/>
           <a:p>
             <a:r>
+              <a:rPr lang="en-US" sz="2800" b="1" dirty="0">
+                <a:solidFill>
+                  <a:srgbClr val="C00000"/>
+                </a:solidFill>
+              </a:rPr>
+              <a:t>6. Deploying</a:t>
+            </a:r>
+            <a:br>
               <a:rPr lang="en-US" sz="2000" b="1" dirty="0">
                 <a:solidFill>
                   <a:schemeClr val="tx1"/>
                 </a:solidFill>
               </a:rPr>
-              <a:t>6. Deploying</a:t>
-            </a:r>
-          </a:p>
-          <a:p>
-            <a:pPr>
-              <a:buFont typeface="Arial" panose="020B0604020202020204" pitchFamily="34" charset="0"/>
-              <a:buChar char="•"/>
+            </a:br>
+            <a:endParaRPr lang="en-US" sz="2000" b="1" dirty="0">
+              <a:solidFill>
+                <a:schemeClr val="tx1"/>
+              </a:solidFill>
+            </a:endParaRPr>
+          </a:p>
+          <a:p>
+            <a:pPr marL="966338" lvl="1" indent="-342900">
+              <a:buFont typeface="Wingdings" panose="05000000000000000000" pitchFamily="2" charset="2"/>
+              <a:buChar char="ü"/>
             </a:pPr>
             <a:r>
               <a:rPr lang="en-US" sz="2000" b="1" dirty="0">
@@ -10239,9 +9895,9 @@
             </a:r>
           </a:p>
           <a:p>
-            <a:pPr>
-              <a:buFont typeface="Arial" panose="020B0604020202020204" pitchFamily="34" charset="0"/>
-              <a:buChar char="•"/>
+            <a:pPr marL="966338" lvl="1" indent="-342900">
+              <a:buFont typeface="Wingdings" panose="05000000000000000000" pitchFamily="2" charset="2"/>
+              <a:buChar char="ü"/>
             </a:pPr>
             <a:r>
               <a:rPr lang="en-US" sz="2000" b="1" dirty="0">
@@ -10277,9 +9933,9 @@
             </a:r>
           </a:p>
           <a:p>
-            <a:pPr>
-              <a:buFont typeface="Arial" panose="020B0604020202020204" pitchFamily="34" charset="0"/>
-              <a:buChar char="•"/>
+            <a:pPr marL="966338" lvl="1" indent="-342900">
+              <a:buFont typeface="Wingdings" panose="05000000000000000000" pitchFamily="2" charset="2"/>
+              <a:buChar char="ü"/>
             </a:pPr>
             <a:r>
               <a:rPr lang="en-US" sz="2000" b="1" dirty="0">
@@ -10317,7 +9973,7 @@
         <p:spPr>
           <a:xfrm>
             <a:off x="6934200" y="2743200"/>
-            <a:ext cx="810164" cy="939802"/>
+            <a:ext cx="304800" cy="990600"/>
           </a:xfrm>
           <a:prstGeom prst="straightConnector1">
             <a:avLst/>
@@ -10522,6 +10178,36 @@
           <a:chExt cx="0" cy="0"/>
         </a:xfrm>
       </p:grpSpPr>
+      <p:pic>
+        <p:nvPicPr>
+          <p:cNvPr id="7" name="Picture 6">
+            <a:extLst>
+              <a:ext uri="{FF2B5EF4-FFF2-40B4-BE49-F238E27FC236}">
+                <a16:creationId xmlns:a16="http://schemas.microsoft.com/office/drawing/2014/main" id="{42823B78-84C9-36EA-DF18-8F8F6BAE4BF4}"/>
+              </a:ext>
+            </a:extLst>
+          </p:cNvPr>
+          <p:cNvPicPr>
+            <a:picLocks noChangeAspect="1"/>
+          </p:cNvPicPr>
+          <p:nvPr/>
+        </p:nvPicPr>
+        <p:blipFill>
+          <a:blip r:embed="rId3"/>
+          <a:stretch>
+            <a:fillRect/>
+          </a:stretch>
+        </p:blipFill>
+        <p:spPr>
+          <a:xfrm>
+            <a:off x="3211181" y="3250120"/>
+            <a:ext cx="5734850" cy="3134162"/>
+          </a:xfrm>
+          <a:prstGeom prst="rect">
+            <a:avLst/>
+          </a:prstGeom>
+        </p:spPr>
+      </p:pic>
       <p:sp>
         <p:nvSpPr>
           <p:cNvPr id="3" name="AutoShape 2" descr="data:image/png;base64,iVBORw0KGgoAAAANSUhEUgAAANEAAADxCAMAAABiSKLrAAAAbFBMVEWIiIj////6+vr29vb19fX4+Pj5+fnu7u77+/v39/f9/f3z8/P+/v709PT8/Pyqqqrt7e3v7+/w8PDx8fHy8vK+vr7Q0NCjo6OBgYHY2Njk5OTHx8eNjY3c3NzGxsbn5+eWlpa1tbWcnJx6enob4+f+AAAIqklEQVR4nO3dCZuaOhQGYEZAh0FkX2W1//8/lkVMICeIkRmOPHz22lYg5OVEZLFzJRNrnC+xSGt3nJvQekMUYktnEiM1ouDrjCs/pukLkzoRtpjmNRcloRUFoiS8oo5UvLwsYpEgCaXoHLYiMRJqkRAJt0iEhFwkQMIqCgJRElpRLErCL3r1oxavSJSEWCRIQikyOtGQNPd8CaXICc04FiXhFomQkIsESChFbmhmwiT0opf3eBivMzSjLuORnh49oKxRKxIloayR24oESShFRScSI6EUJaGZCJNwiwhp/skFcpFAlbCLXiehF71MQisSJiEVVYkwqRP9oEpXI1HSXXRuWjo/2jz3f3v8YfjS7871lbU1EiT1IjrAKrvX/2iurzisijkk8OQC5ah7iERIyEUCJOyi10noRU9J490DUpFPRAApniJhFVnzSaOdOF6RKAmlKGhFgiTMohdIyYeIhEh30aV99E9NLo8VXLqn++Q/mIuIREid6DJsv32s91Ityi1hEtJRl5+ESX2NMKUR2ZYoCbNIjIRV5FiiJIyicx7mriVEKnCKfvxadBIloRQ1NTqJkcICpcgPr7rjOPYJZnFNbZVwikw/YHNlXmDi4xW9kU70jSnNqOu/xL4R0aWg3yNMgNHWp0I66i7Dy5PsdXFuApw1Eg8RndfuykLZa4Q/512EPrsIfzYtOmwje43wh4h+1u7KQvm5bk601wh9NlijXYQ+uwh/HqLrZkTXh+h4PDQP8lQ/PvAlSrT2xl0oRHQ5biOXXYQ+uwh/dhH+7CL82bRI3Ua2XKPvtTfuQvneReizi/BnF+HPLsKfTYu0bYQWsd5PfImIDmtv3IVy2EXos4vwZxfhzy7CH0okbyO7CH+2/D46rr1xF8pxF6HPLsKfXYQ/uwh/KJGyjWxatPZwWShEpK69cReKuovQZxfhzy7Cn12EP0SkGduItmHRzFF3P3r63ZHzTl4YdYqsHg/e/YdF2e7xcFRVrba109gMFp2evGhmjzpFVZLcvJVpl7K8hWaVB1liNVNdJh7VZ4Wd7P4aaa5I866lFEnDRHWksC5eVgtH8VWy8PHGTE5V/rr+QqSocTnm9CpTM+SMmRhVVJcPKbPYv5VFcs7x1F3P1eeikl1sXZHGB0lRLH+eSI75ICk6KZ8nctkOkaQN+cNEWjBRIimU0YpkHY4hmxOgqNIMHRaRJo6giLO+dyM/F1nsvpfqWVAv92Eihe0u3bNE+TgR/FkURfWhUHPMIBsguh6N0yKNs7o/EGkVIEpj+XA8fltJ0GzqDxMdQwBka+2gqQ/p9FYkpaNIiEXuje3OddQfg738rFCTcYmME9sdKXntbY1MBOy802JrotJ6bSUiInLia7y2+aZEbXuyxXbn5vXXGQazDs+6xUWGoql2kXU/DDrOssLWNFmZ65oQufeflwvU6PHDdO8ki/0xu/Rb7RVRvZNJgupW7y3bU+T6JLnej97MPLNUhbPIbJEV9U2y/eknHds5lfhfNMo/sb23oRX5LQXWGUmpGdtz3nxEpOiep7eP+5MFUEZJj+0SCnsCVX/CkrZUQFRvQG+8RkNOzHTi5LL0rW6x8YL0bwolGtdolqir0fQxAyQCNrdsVczFmdFS6fXp+4kSecPMEqntrAYkkklTYI288frkYKI+j+XCYtzRUdCIdMV/7mkWTDNmY6AU6bo5C9QknqwSEpFuzAdJUjZFQiJSoFMWfhIDu0ievDjD5ubquEV6AjVet3krU3B/Hvn8cYdDBJxUSlKVaJqmWvENMiXcImEQKcCYi26W1nZaN9SAXXFkcos0JZpxXLeICDpLDnVSBDkDusAtEhGN72p5J78LcMbn9+nudemgiDSlASLF66cC20NKbZ3qCnAnIfKp9gcxiIjVPj8/8mbVCBY9VsNes42C4YgBrgyUJ06NpkRdCuD8yB418pYIOkl2hyuQ2SOkKOMMO4M76vrBB4sG84Cjjrr5Cooeo4TdLwyGbLsC4IKgD93dHY66lUQye7gQxfqgfdcDhr7JeSOtLoL2dOn4KEdX2E+s0hp24j3RaUERsPnLLBmlYPceaYJVBB0Bja85p8ANn3rXgFX02kEqaSGAeywoGs7zjghYdqYoxyp68USCtMDZfX+wqHomav53fkBcWDSYx4NEBpkuAyLj3oSwSDIVsMM6ETVAp/3V/KG2tP/xRPRccI1IW7Comyr8PupE9052bbW/0yLHpX/1T1wRmQuskULa4oqcd/Z1pjLu6li0zqgDP49m5fmo+2NR3z50zFBYczLsBB6Rxx6y8Q5wRoE7LCaylhM5BnTs7cGdmZP1RZzdygeLXOjW9fg94jYXUnjjbBHRcJ5nImVKBA67fFgkL/HzIE4KRW7vM0/i/kQ0WSPHg75KldHdqc+h7pfZ0jKs/GuDM3hvNSLizSEqoroE1Yia7ELf00kIWS/o09z+EmLA6bC3hMh9TwRskDq51x47e4Zzhc73Qt64wyByPOjmUVT6cZZkcQV+0zxNflX05qgD36tSe3MilcCr1FLEe9sPRDYYjmgwD1wjMl1hm4h0ugF43PETVd6wB3RbKES2Pu+2cr9waHFBWESO+8JtyxrkckFYRDa8dxAAoRHNH3hRNTHkUIlsY9Z3TqR6LzcFokScSsKi4TzPRMYske0VT78XJJkJZ8uTzojV6FdEtmNkE9/diqLUzJTpAtmzalQyF6FvI5ETA9+OpraQwTYhwRvQMYqryX6sNn8vq8AynnqoGuXuCY7N/vMR3R7N47DzePR04J+gjJt4rM7V3SzwzbC8FzYtb2Z1jQtDd3nLDOLmD1E9v90++qfT4Lfh5N+cq/508shXb5st6Ll1cWa2RYu2EUo0p6QfkF2EP7sIf3YR/hCRs3ZXFoqzYdEGR92su1D4Q486yzq1D/L0iS85W67R2l1ZKLsIfzYs4l05+bg8rpxU/lZS3UXbyvZE/wFXu+LXNTDaDQAAAABJRU5ErkJggg=="/>
@@ -10704,34 +10390,20 @@
           <a:prstGeom prst="flowChartAlternateProcess">
             <a:avLst/>
           </a:prstGeom>
-          <a:solidFill>
-            <a:schemeClr val="bg2"/>
-          </a:solidFill>
-          <a:ln>
-            <a:solidFill>
-              <a:srgbClr val="FFC000"/>
-            </a:solidFill>
-          </a:ln>
-          <a:scene3d>
-            <a:camera prst="orthographicFront"/>
-            <a:lightRig rig="threePt" dir="t"/>
-          </a:scene3d>
-          <a:sp3d>
-            <a:bevelT w="165100" prst="coolSlant"/>
-          </a:sp3d>
+          <a:ln/>
         </p:spPr>
         <p:style>
-          <a:lnRef idx="1">
-            <a:schemeClr val="accent1"/>
+          <a:lnRef idx="2">
+            <a:schemeClr val="dk1"/>
           </a:lnRef>
-          <a:fillRef idx="3">
-            <a:schemeClr val="accent1"/>
+          <a:fillRef idx="1">
+            <a:schemeClr val="lt1"/>
           </a:fillRef>
-          <a:effectRef idx="2">
-            <a:schemeClr val="accent1"/>
+          <a:effectRef idx="0">
+            <a:schemeClr val="dk1"/>
           </a:effectRef>
           <a:fontRef idx="minor">
-            <a:schemeClr val="lt1"/>
+            <a:schemeClr val="dk1"/>
           </a:fontRef>
         </p:style>
         <p:txBody>
@@ -10739,18 +10411,30 @@
           <a:lstStyle/>
           <a:p>
             <a:r>
+              <a:rPr lang="en-US" sz="2800" b="1" dirty="0">
+                <a:solidFill>
+                  <a:srgbClr val="C00000"/>
+                </a:solidFill>
+              </a:rPr>
+              <a:t>7. Operating</a:t>
+            </a:r>
+            <a:br>
               <a:rPr lang="en-US" sz="2000" b="1" dirty="0">
                 <a:solidFill>
                   <a:schemeClr val="tx1"/>
                 </a:solidFill>
               </a:rPr>
-              <a:t>7. Operating</a:t>
-            </a:r>
-          </a:p>
-          <a:p>
-            <a:pPr>
-              <a:buFont typeface="Arial" panose="020B0604020202020204" pitchFamily="34" charset="0"/>
-              <a:buChar char="•"/>
+            </a:br>
+            <a:endParaRPr lang="en-US" sz="2000" b="1" dirty="0">
+              <a:solidFill>
+                <a:schemeClr val="tx1"/>
+              </a:solidFill>
+            </a:endParaRPr>
+          </a:p>
+          <a:p>
+            <a:pPr marL="966338" lvl="1" indent="-342900">
+              <a:buFont typeface="Wingdings" panose="05000000000000000000" pitchFamily="2" charset="2"/>
+              <a:buChar char="ü"/>
             </a:pPr>
             <a:r>
               <a:rPr lang="en-US" sz="2000" b="1" dirty="0">
@@ -10770,9 +10454,9 @@
             </a:r>
           </a:p>
           <a:p>
-            <a:pPr>
-              <a:buFont typeface="Arial" panose="020B0604020202020204" pitchFamily="34" charset="0"/>
-              <a:buChar char="•"/>
+            <a:pPr marL="966338" lvl="1" indent="-342900">
+              <a:buFont typeface="Wingdings" panose="05000000000000000000" pitchFamily="2" charset="2"/>
+              <a:buChar char="ü"/>
             </a:pPr>
             <a:r>
               <a:rPr lang="en-US" sz="2000" b="1" dirty="0">
@@ -10792,9 +10476,9 @@
             </a:r>
           </a:p>
           <a:p>
-            <a:pPr>
-              <a:buFont typeface="Arial" panose="020B0604020202020204" pitchFamily="34" charset="0"/>
-              <a:buChar char="•"/>
+            <a:pPr marL="966338" lvl="1" indent="-342900">
+              <a:buFont typeface="Wingdings" panose="05000000000000000000" pitchFamily="2" charset="2"/>
+              <a:buChar char="ü"/>
             </a:pPr>
             <a:r>
               <a:rPr lang="en-US" sz="2000" b="1" dirty="0">
@@ -10831,8 +10515,8 @@
         </p:nvCxnSpPr>
         <p:spPr>
           <a:xfrm flipH="1">
-            <a:off x="9067800" y="2727960"/>
-            <a:ext cx="1219200" cy="1920240"/>
+            <a:off x="8534400" y="2743200"/>
+            <a:ext cx="685800" cy="1905000"/>
           </a:xfrm>
           <a:prstGeom prst="straightConnector1">
             <a:avLst/>
@@ -11042,6 +10726,36 @@
           <a:chExt cx="0" cy="0"/>
         </a:xfrm>
       </p:grpSpPr>
+      <p:pic>
+        <p:nvPicPr>
+          <p:cNvPr id="7" name="Picture 6">
+            <a:extLst>
+              <a:ext uri="{FF2B5EF4-FFF2-40B4-BE49-F238E27FC236}">
+                <a16:creationId xmlns:a16="http://schemas.microsoft.com/office/drawing/2014/main" id="{6F785F5D-C42C-A6C3-641A-67DA8DE1D374}"/>
+              </a:ext>
+            </a:extLst>
+          </p:cNvPr>
+          <p:cNvPicPr>
+            <a:picLocks noChangeAspect="1"/>
+          </p:cNvPicPr>
+          <p:nvPr/>
+        </p:nvPicPr>
+        <p:blipFill>
+          <a:blip r:embed="rId3"/>
+          <a:stretch>
+            <a:fillRect/>
+          </a:stretch>
+        </p:blipFill>
+        <p:spPr>
+          <a:xfrm>
+            <a:off x="3211181" y="3250120"/>
+            <a:ext cx="5734850" cy="3134162"/>
+          </a:xfrm>
+          <a:prstGeom prst="rect">
+            <a:avLst/>
+          </a:prstGeom>
+        </p:spPr>
+      </p:pic>
       <p:sp>
         <p:nvSpPr>
           <p:cNvPr id="3" name="AutoShape 2" descr="data:image/png;base64,iVBORw0KGgoAAAANSUhEUgAAANEAAADxCAMAAABiSKLrAAAAbFBMVEWIiIj////6+vr29vb19fX4+Pj5+fnu7u77+/v39/f9/f3z8/P+/v709PT8/Pyqqqrt7e3v7+/w8PDx8fHy8vK+vr7Q0NCjo6OBgYHY2Njk5OTHx8eNjY3c3NzGxsbn5+eWlpa1tbWcnJx6enob4+f+AAAIqklEQVR4nO3dCZuaOhQGYEZAh0FkX2W1//8/lkVMICeIkRmOPHz22lYg5OVEZLFzJRNrnC+xSGt3nJvQekMUYktnEiM1ouDrjCs/pukLkzoRtpjmNRcloRUFoiS8oo5UvLwsYpEgCaXoHLYiMRJqkRAJt0iEhFwkQMIqCgJRElpRLErCL3r1oxavSJSEWCRIQikyOtGQNPd8CaXICc04FiXhFomQkIsESChFbmhmwiT0opf3eBivMzSjLuORnh49oKxRKxIloayR24oESShFRScSI6EUJaGZCJNwiwhp/skFcpFAlbCLXiehF71MQisSJiEVVYkwqRP9oEpXI1HSXXRuWjo/2jz3f3v8YfjS7871lbU1EiT1IjrAKrvX/2iurzisijkk8OQC5ah7iERIyEUCJOyi10noRU9J490DUpFPRAApniJhFVnzSaOdOF6RKAmlKGhFgiTMohdIyYeIhEh30aV99E9NLo8VXLqn++Q/mIuIREid6DJsv32s91Ityi1hEtJRl5+ESX2NMKUR2ZYoCbNIjIRV5FiiJIyicx7mriVEKnCKfvxadBIloRQ1NTqJkcICpcgPr7rjOPYJZnFNbZVwikw/YHNlXmDi4xW9kU70jSnNqOu/xL4R0aWg3yNMgNHWp0I66i7Dy5PsdXFuApw1Eg8RndfuykLZa4Q/512EPrsIfzYtOmwje43wh4h+1u7KQvm5bk601wh9NlijXYQ+uwh/HqLrZkTXh+h4PDQP8lQ/PvAlSrT2xl0oRHQ5biOXXYQ+uwh/dhH+7CL82bRI3Ua2XKPvtTfuQvneReizi/BnF+HPLsKfTYu0bYQWsd5PfImIDmtv3IVy2EXos4vwZxfhzy7CH0okbyO7CH+2/D46rr1xF8pxF6HPLsKfXYQ/uwh/KJGyjWxatPZwWShEpK69cReKuovQZxfhzy7Cn12EP0SkGduItmHRzFF3P3r63ZHzTl4YdYqsHg/e/YdF2e7xcFRVrba109gMFp2evGhmjzpFVZLcvJVpl7K8hWaVB1liNVNdJh7VZ4Wd7P4aaa5I866lFEnDRHWksC5eVgtH8VWy8PHGTE5V/rr+QqSocTnm9CpTM+SMmRhVVJcPKbPYv5VFcs7x1F3P1eeikl1sXZHGB0lRLH+eSI75ICk6KZ8nctkOkaQN+cNEWjBRIimU0YpkHY4hmxOgqNIMHRaRJo6giLO+dyM/F1nsvpfqWVAv92Eihe0u3bNE+TgR/FkURfWhUHPMIBsguh6N0yKNs7o/EGkVIEpj+XA8fltJ0GzqDxMdQwBka+2gqQ/p9FYkpaNIiEXuje3OddQfg738rFCTcYmME9sdKXntbY1MBOy802JrotJ6bSUiInLia7y2+aZEbXuyxXbn5vXXGQazDs+6xUWGoql2kXU/DDrOssLWNFmZ65oQufeflwvU6PHDdO8ki/0xu/Rb7RVRvZNJgupW7y3bU+T6JLnej97MPLNUhbPIbJEV9U2y/eknHds5lfhfNMo/sb23oRX5LQXWGUmpGdtz3nxEpOiep7eP+5MFUEZJj+0SCnsCVX/CkrZUQFRvQG+8RkNOzHTi5LL0rW6x8YL0bwolGtdolqir0fQxAyQCNrdsVczFmdFS6fXp+4kSecPMEqntrAYkkklTYI288frkYKI+j+XCYtzRUdCIdMV/7mkWTDNmY6AU6bo5C9QknqwSEpFuzAdJUjZFQiJSoFMWfhIDu0ievDjD5ubquEV6AjVet3krU3B/Hvn8cYdDBJxUSlKVaJqmWvENMiXcImEQKcCYi26W1nZaN9SAXXFkcos0JZpxXLeICDpLDnVSBDkDusAtEhGN72p5J78LcMbn9+nudemgiDSlASLF66cC20NKbZ3qCnAnIfKp9gcxiIjVPj8/8mbVCBY9VsNes42C4YgBrgyUJ06NpkRdCuD8yB418pYIOkl2hyuQ2SOkKOMMO4M76vrBB4sG84Cjjrr5Cooeo4TdLwyGbLsC4IKgD93dHY66lUQye7gQxfqgfdcDhr7JeSOtLoL2dOn4KEdX2E+s0hp24j3RaUERsPnLLBmlYPceaYJVBB0Bja85p8ANn3rXgFX02kEqaSGAeywoGs7zjghYdqYoxyp68USCtMDZfX+wqHomav53fkBcWDSYx4NEBpkuAyLj3oSwSDIVsMM6ETVAp/3V/KG2tP/xRPRccI1IW7Comyr8PupE9052bbW/0yLHpX/1T1wRmQuskULa4oqcd/Z1pjLu6li0zqgDP49m5fmo+2NR3z50zFBYczLsBB6Rxx6y8Q5wRoE7LCaylhM5BnTs7cGdmZP1RZzdygeLXOjW9fg94jYXUnjjbBHRcJ5nImVKBA67fFgkL/HzIE4KRW7vM0/i/kQ0WSPHg75KldHdqc+h7pfZ0jKs/GuDM3hvNSLizSEqoroE1Yia7ELf00kIWS/o09z+EmLA6bC3hMh9TwRskDq51x47e4Zzhc73Qt64wyByPOjmUVT6cZZkcQV+0zxNflX05qgD36tSe3MilcCr1FLEe9sPRDYYjmgwD1wjMl1hm4h0ugF43PETVd6wB3RbKES2Pu+2cr9waHFBWESO+8JtyxrkckFYRDa8dxAAoRHNH3hRNTHkUIlsY9Z3TqR6LzcFokScSsKi4TzPRMYske0VT78XJJkJZ8uTzojV6FdEtmNkE9/diqLUzJTpAtmzalQyF6FvI5ETA9+OpraQwTYhwRvQMYqryX6sNn8vq8AynnqoGuXuCY7N/vMR3R7N47DzePR04J+gjJt4rM7V3SzwzbC8FzYtb2Z1jQtDd3nLDOLmD1E9v90++qfT4Lfh5N+cq/508shXb5st6Ll1cWa2RYu2EUo0p6QfkF2EP7sIf3YR/hCRs3ZXFoqzYdEGR92su1D4Q486yzq1D/L0iS85W67R2l1ZKLsIfzYs4l05+bg8rpxU/lZS3UXbyvZE/wFXu+LXNTDaDQAAAABJRU5ErkJggg=="/>
@@ -11218,40 +10932,26 @@
         </p:nvSpPr>
         <p:spPr>
           <a:xfrm>
-            <a:off x="207436" y="696392"/>
-            <a:ext cx="11832163" cy="2046808"/>
+            <a:off x="207436" y="796910"/>
+            <a:ext cx="11832163" cy="1946290"/>
           </a:xfrm>
           <a:prstGeom prst="flowChartAlternateProcess">
             <a:avLst/>
           </a:prstGeom>
-          <a:solidFill>
-            <a:schemeClr val="bg2"/>
-          </a:solidFill>
-          <a:ln>
-            <a:solidFill>
-              <a:srgbClr val="FFC000"/>
-            </a:solidFill>
-          </a:ln>
-          <a:scene3d>
-            <a:camera prst="orthographicFront"/>
-            <a:lightRig rig="threePt" dir="t"/>
-          </a:scene3d>
-          <a:sp3d>
-            <a:bevelT w="165100" prst="coolSlant"/>
-          </a:sp3d>
+          <a:ln/>
         </p:spPr>
         <p:style>
-          <a:lnRef idx="1">
-            <a:schemeClr val="accent1"/>
+          <a:lnRef idx="2">
+            <a:schemeClr val="dk1"/>
           </a:lnRef>
-          <a:fillRef idx="3">
-            <a:schemeClr val="accent1"/>
+          <a:fillRef idx="1">
+            <a:schemeClr val="lt1"/>
           </a:fillRef>
-          <a:effectRef idx="2">
-            <a:schemeClr val="accent1"/>
+          <a:effectRef idx="0">
+            <a:schemeClr val="dk1"/>
           </a:effectRef>
           <a:fontRef idx="minor">
-            <a:schemeClr val="lt1"/>
+            <a:schemeClr val="dk1"/>
           </a:fontRef>
         </p:style>
         <p:txBody>
@@ -11259,18 +10959,30 @@
           <a:lstStyle/>
           <a:p>
             <a:r>
+              <a:rPr lang="en-US" sz="2800" b="1" dirty="0">
+                <a:solidFill>
+                  <a:srgbClr val="C00000"/>
+                </a:solidFill>
+              </a:rPr>
+              <a:t>8. Monitoring</a:t>
+            </a:r>
+            <a:br>
               <a:rPr lang="en-US" sz="2000" b="1" dirty="0">
                 <a:solidFill>
                   <a:schemeClr val="tx1"/>
                 </a:solidFill>
               </a:rPr>
-              <a:t>8. Monitoring</a:t>
-            </a:r>
-          </a:p>
-          <a:p>
-            <a:pPr>
-              <a:buFont typeface="Arial" panose="020B0604020202020204" pitchFamily="34" charset="0"/>
-              <a:buChar char="•"/>
+            </a:br>
+            <a:endParaRPr lang="en-US" sz="2000" b="1" dirty="0">
+              <a:solidFill>
+                <a:schemeClr val="tx1"/>
+              </a:solidFill>
+            </a:endParaRPr>
+          </a:p>
+          <a:p>
+            <a:pPr marL="966338" lvl="1" indent="-342900">
+              <a:buFont typeface="Wingdings" panose="05000000000000000000" pitchFamily="2" charset="2"/>
+              <a:buChar char="ü"/>
             </a:pPr>
             <a:r>
               <a:rPr lang="en-US" sz="2000" b="1" dirty="0">
@@ -11290,9 +11002,9 @@
             </a:r>
           </a:p>
           <a:p>
-            <a:pPr>
-              <a:buFont typeface="Arial" panose="020B0604020202020204" pitchFamily="34" charset="0"/>
-              <a:buChar char="•"/>
+            <a:pPr marL="966338" lvl="1" indent="-342900">
+              <a:buFont typeface="Wingdings" panose="05000000000000000000" pitchFamily="2" charset="2"/>
+              <a:buChar char="ü"/>
             </a:pPr>
             <a:r>
               <a:rPr lang="en-US" sz="2000" b="1" dirty="0">
@@ -11312,9 +11024,9 @@
             </a:r>
           </a:p>
           <a:p>
-            <a:pPr>
-              <a:buFont typeface="Arial" panose="020B0604020202020204" pitchFamily="34" charset="0"/>
-              <a:buChar char="•"/>
+            <a:pPr marL="966338" lvl="1" indent="-342900">
+              <a:buFont typeface="Wingdings" panose="05000000000000000000" pitchFamily="2" charset="2"/>
+              <a:buChar char="ü"/>
             </a:pPr>
             <a:r>
               <a:rPr lang="en-US" sz="2000" b="1" dirty="0">
@@ -11351,8 +11063,8 @@
         </p:nvCxnSpPr>
         <p:spPr>
           <a:xfrm flipH="1">
-            <a:off x="7239000" y="2727960"/>
-            <a:ext cx="3048000" cy="3139440"/>
+            <a:off x="7391400" y="2743200"/>
+            <a:ext cx="457200" cy="2895600"/>
           </a:xfrm>
           <a:prstGeom prst="straightConnector1">
             <a:avLst/>
